--- a/React PPT.pptx
+++ b/React PPT.pptx
@@ -12,6 +12,22 @@
     <p:sldId id="260" r:id="rId7"/>
     <p:sldId id="261" r:id="rId8"/>
     <p:sldId id="264" r:id="rId9"/>
+    <p:sldId id="265" r:id="rId10"/>
+    <p:sldId id="266" r:id="rId11"/>
+    <p:sldId id="267" r:id="rId12"/>
+    <p:sldId id="268" r:id="rId13"/>
+    <p:sldId id="269" r:id="rId14"/>
+    <p:sldId id="270" r:id="rId15"/>
+    <p:sldId id="271" r:id="rId16"/>
+    <p:sldId id="272" r:id="rId17"/>
+    <p:sldId id="273" r:id="rId18"/>
+    <p:sldId id="274" r:id="rId19"/>
+    <p:sldId id="275" r:id="rId20"/>
+    <p:sldId id="276" r:id="rId21"/>
+    <p:sldId id="277" r:id="rId22"/>
+    <p:sldId id="278" r:id="rId23"/>
+    <p:sldId id="279" r:id="rId24"/>
+    <p:sldId id="280" r:id="rId25"/>
   </p:sldIdLst>
   <p:sldSz cx="12192000" cy="6858000"/>
   <p:notesSz cx="6858000" cy="9144000"/>
@@ -6065,6 +6081,1445 @@
 </p:sld>
 </file>
 
+<file path=ppt/slides/slide10.xml><?xml version="1.0" encoding="utf-8"?>
+<p:sld xmlns:a="http://schemas.openxmlformats.org/drawingml/2006/main" xmlns:r="http://schemas.openxmlformats.org/officeDocument/2006/relationships" xmlns:p="http://schemas.openxmlformats.org/presentationml/2006/main">
+  <p:cSld>
+    <p:spTree>
+      <p:nvGrpSpPr>
+        <p:cNvPr id="1" name=""/>
+        <p:cNvGrpSpPr/>
+        <p:nvPr/>
+      </p:nvGrpSpPr>
+      <p:grpSpPr>
+        <a:xfrm>
+          <a:off x="0" y="0"/>
+          <a:ext cx="0" cy="0"/>
+          <a:chOff x="0" y="0"/>
+          <a:chExt cx="0" cy="0"/>
+        </a:xfrm>
+      </p:grpSpPr>
+      <p:sp>
+        <p:nvSpPr>
+          <p:cNvPr id="2" name="Title 1"/>
+          <p:cNvSpPr>
+            <a:spLocks noGrp="1"/>
+          </p:cNvSpPr>
+          <p:nvPr>
+            <p:ph type="title"/>
+          </p:nvPr>
+        </p:nvSpPr>
+        <p:spPr>
+          <a:xfrm>
+            <a:off x="646112" y="452718"/>
+            <a:ext cx="9403742" cy="900594"/>
+          </a:xfrm>
+        </p:spPr>
+        <p:txBody>
+          <a:bodyPr/>
+          <a:lstStyle/>
+          <a:p>
+            <a:r>
+              <a:rPr lang="en-US" dirty="0"/>
+              <a:t>PROPS</a:t>
+            </a:r>
+            <a:endParaRPr lang="en-IN" dirty="0"/>
+          </a:p>
+        </p:txBody>
+      </p:sp>
+      <p:sp>
+        <p:nvSpPr>
+          <p:cNvPr id="3" name="Content Placeholder 2"/>
+          <p:cNvSpPr>
+            <a:spLocks noGrp="1"/>
+          </p:cNvSpPr>
+          <p:nvPr>
+            <p:ph idx="1"/>
+          </p:nvPr>
+        </p:nvSpPr>
+        <p:spPr>
+          <a:xfrm>
+            <a:off x="1103312" y="2052918"/>
+            <a:ext cx="10918000" cy="4195481"/>
+          </a:xfrm>
+        </p:spPr>
+        <p:txBody>
+          <a:bodyPr/>
+          <a:lstStyle/>
+          <a:p>
+            <a:r>
+              <a:rPr lang="en-US" dirty="0"/>
+              <a:t>Props stands for Properties.</a:t>
+            </a:r>
+            <a:endParaRPr lang="en-US" dirty="0"/>
+          </a:p>
+          <a:p>
+            <a:r>
+              <a:rPr lang="en-US" dirty="0"/>
+              <a:t>Props are used to transfer data from one component to another.</a:t>
+            </a:r>
+            <a:endParaRPr lang="en-US" dirty="0"/>
+          </a:p>
+          <a:p>
+            <a:r>
+              <a:rPr lang="en-US" dirty="0"/>
+              <a:t>Props are read only.</a:t>
+            </a:r>
+            <a:endParaRPr lang="en-US" dirty="0"/>
+          </a:p>
+          <a:p>
+            <a:r>
+              <a:rPr lang="en-US" dirty="0"/>
+              <a:t>Props are just like a function in JavaScript.</a:t>
+            </a:r>
+            <a:endParaRPr lang="en-IN" dirty="0"/>
+          </a:p>
+        </p:txBody>
+      </p:sp>
+    </p:spTree>
+  </p:cSld>
+  <p:clrMapOvr>
+    <a:masterClrMapping/>
+  </p:clrMapOvr>
+</p:sld>
+</file>
+
+<file path=ppt/slides/slide11.xml><?xml version="1.0" encoding="utf-8"?>
+<p:sld xmlns:a="http://schemas.openxmlformats.org/drawingml/2006/main" xmlns:r="http://schemas.openxmlformats.org/officeDocument/2006/relationships" xmlns:p="http://schemas.openxmlformats.org/presentationml/2006/main">
+  <p:cSld>
+    <p:spTree>
+      <p:nvGrpSpPr>
+        <p:cNvPr id="1" name=""/>
+        <p:cNvGrpSpPr/>
+        <p:nvPr/>
+      </p:nvGrpSpPr>
+      <p:grpSpPr>
+        <a:xfrm>
+          <a:off x="0" y="0"/>
+          <a:ext cx="0" cy="0"/>
+          <a:chOff x="0" y="0"/>
+          <a:chExt cx="0" cy="0"/>
+        </a:xfrm>
+      </p:grpSpPr>
+      <p:sp>
+        <p:nvSpPr>
+          <p:cNvPr id="2" name="Title 1"/>
+          <p:cNvSpPr>
+            <a:spLocks noGrp="1"/>
+          </p:cNvSpPr>
+          <p:nvPr>
+            <p:ph type="title"/>
+          </p:nvPr>
+        </p:nvSpPr>
+        <p:spPr/>
+        <p:txBody>
+          <a:bodyPr/>
+          <a:lstStyle/>
+          <a:p>
+            <a:r>
+              <a:rPr lang="en-US" dirty="0"/>
+              <a:t>State in React</a:t>
+            </a:r>
+            <a:endParaRPr lang="en-IN" dirty="0"/>
+          </a:p>
+        </p:txBody>
+      </p:sp>
+      <p:sp>
+        <p:nvSpPr>
+          <p:cNvPr id="3" name="Content Placeholder 2"/>
+          <p:cNvSpPr>
+            <a:spLocks noGrp="1"/>
+          </p:cNvSpPr>
+          <p:nvPr>
+            <p:ph idx="1"/>
+          </p:nvPr>
+        </p:nvSpPr>
+        <p:spPr>
+          <a:xfrm>
+            <a:off x="1103312" y="2052918"/>
+            <a:ext cx="10978960" cy="4195481"/>
+          </a:xfrm>
+        </p:spPr>
+        <p:txBody>
+          <a:bodyPr/>
+          <a:lstStyle/>
+          <a:p>
+            <a:r>
+              <a:rPr lang="en-US" dirty="0"/>
+              <a:t>The state is a built-in React object that is used to contain data or information about the component</a:t>
+            </a:r>
+            <a:endParaRPr lang="en-US" dirty="0"/>
+          </a:p>
+          <a:p>
+            <a:r>
+              <a:rPr lang="en-US" dirty="0"/>
+              <a:t>A State can be modified based on user action or network changes.</a:t>
+            </a:r>
+            <a:endParaRPr lang="en-US" dirty="0"/>
+          </a:p>
+          <a:p>
+            <a:r>
+              <a:rPr lang="en-US" dirty="0" err="1"/>
+              <a:t>Everytime</a:t>
+            </a:r>
+            <a:r>
+              <a:rPr lang="en-US" dirty="0"/>
+              <a:t> when the state of an object changes, React re-renders the component to the browser.</a:t>
+            </a:r>
+            <a:endParaRPr lang="en-IN" dirty="0"/>
+          </a:p>
+        </p:txBody>
+      </p:sp>
+    </p:spTree>
+  </p:cSld>
+  <p:clrMapOvr>
+    <a:masterClrMapping/>
+  </p:clrMapOvr>
+</p:sld>
+</file>
+
+<file path=ppt/slides/slide12.xml><?xml version="1.0" encoding="utf-8"?>
+<p:sld xmlns:a="http://schemas.openxmlformats.org/drawingml/2006/main" xmlns:r="http://schemas.openxmlformats.org/officeDocument/2006/relationships" xmlns:p="http://schemas.openxmlformats.org/presentationml/2006/main">
+  <p:cSld>
+    <p:spTree>
+      <p:nvGrpSpPr>
+        <p:cNvPr id="1" name=""/>
+        <p:cNvGrpSpPr/>
+        <p:nvPr/>
+      </p:nvGrpSpPr>
+      <p:grpSpPr>
+        <a:xfrm>
+          <a:off x="0" y="0"/>
+          <a:ext cx="0" cy="0"/>
+          <a:chOff x="0" y="0"/>
+          <a:chExt cx="0" cy="0"/>
+        </a:xfrm>
+      </p:grpSpPr>
+      <p:sp>
+        <p:nvSpPr>
+          <p:cNvPr id="2" name="Title 1"/>
+          <p:cNvSpPr>
+            <a:spLocks noGrp="1"/>
+          </p:cNvSpPr>
+          <p:nvPr>
+            <p:ph type="title"/>
+          </p:nvPr>
+        </p:nvSpPr>
+        <p:spPr/>
+        <p:txBody>
+          <a:bodyPr/>
+          <a:lstStyle/>
+          <a:p>
+            <a:r>
+              <a:rPr lang="en-US" dirty="0"/>
+              <a:t>Hooks</a:t>
+            </a:r>
+            <a:endParaRPr lang="en-IN" dirty="0"/>
+          </a:p>
+        </p:txBody>
+      </p:sp>
+      <p:sp>
+        <p:nvSpPr>
+          <p:cNvPr id="3" name="Content Placeholder 2"/>
+          <p:cNvSpPr>
+            <a:spLocks noGrp="1"/>
+          </p:cNvSpPr>
+          <p:nvPr>
+            <p:ph idx="1"/>
+          </p:nvPr>
+        </p:nvSpPr>
+        <p:spPr/>
+        <p:txBody>
+          <a:bodyPr/>
+          <a:lstStyle/>
+          <a:p>
+            <a:r>
+              <a:rPr lang="en-US" sz="2800" dirty="0"/>
+              <a:t>Rules of Hooks-</a:t>
+            </a:r>
+            <a:endParaRPr lang="en-US" sz="2800" dirty="0"/>
+          </a:p>
+          <a:p>
+            <a:endParaRPr lang="en-US" dirty="0"/>
+          </a:p>
+          <a:p>
+            <a:r>
+              <a:rPr lang="en-US" dirty="0"/>
+              <a:t>Must be written inside function component.</a:t>
+            </a:r>
+            <a:endParaRPr lang="en-US" dirty="0"/>
+          </a:p>
+          <a:p>
+            <a:r>
+              <a:rPr lang="en-US" dirty="0"/>
+              <a:t>must be import in component.</a:t>
+            </a:r>
+            <a:endParaRPr lang="en-US" dirty="0"/>
+          </a:p>
+          <a:p>
+            <a:r>
+              <a:rPr lang="en-US" dirty="0"/>
+              <a:t>must be call at top level  component</a:t>
+            </a:r>
+            <a:endParaRPr lang="en-US" dirty="0"/>
+          </a:p>
+          <a:p>
+            <a:r>
+              <a:rPr lang="en-US" dirty="0"/>
+              <a:t>cannot be conditional.</a:t>
+            </a:r>
+            <a:endParaRPr lang="en-IN" dirty="0"/>
+          </a:p>
+        </p:txBody>
+      </p:sp>
+    </p:spTree>
+  </p:cSld>
+  <p:clrMapOvr>
+    <a:masterClrMapping/>
+  </p:clrMapOvr>
+</p:sld>
+</file>
+
+<file path=ppt/slides/slide13.xml><?xml version="1.0" encoding="utf-8"?>
+<p:sld xmlns:a="http://schemas.openxmlformats.org/drawingml/2006/main" xmlns:r="http://schemas.openxmlformats.org/officeDocument/2006/relationships" xmlns:p="http://schemas.openxmlformats.org/presentationml/2006/main">
+  <p:cSld>
+    <p:spTree>
+      <p:nvGrpSpPr>
+        <p:cNvPr id="1" name=""/>
+        <p:cNvGrpSpPr/>
+        <p:nvPr/>
+      </p:nvGrpSpPr>
+      <p:grpSpPr>
+        <a:xfrm>
+          <a:off x="0" y="0"/>
+          <a:ext cx="0" cy="0"/>
+          <a:chOff x="0" y="0"/>
+          <a:chExt cx="0" cy="0"/>
+        </a:xfrm>
+      </p:grpSpPr>
+      <p:sp>
+        <p:nvSpPr>
+          <p:cNvPr id="2" name="Title 1"/>
+          <p:cNvSpPr>
+            <a:spLocks noGrp="1"/>
+          </p:cNvSpPr>
+          <p:nvPr>
+            <p:ph type="title"/>
+          </p:nvPr>
+        </p:nvSpPr>
+        <p:spPr/>
+        <p:txBody>
+          <a:bodyPr/>
+          <a:lstStyle/>
+          <a:p>
+            <a:r>
+              <a:rPr lang="en-US" dirty="0" err="1"/>
+              <a:t>useState</a:t>
+            </a:r>
+            <a:r>
+              <a:rPr lang="en-US" dirty="0"/>
+              <a:t> Hook</a:t>
+            </a:r>
+            <a:endParaRPr lang="en-IN" dirty="0"/>
+          </a:p>
+        </p:txBody>
+      </p:sp>
+      <p:sp>
+        <p:nvSpPr>
+          <p:cNvPr id="3" name="Content Placeholder 2"/>
+          <p:cNvSpPr>
+            <a:spLocks noGrp="1"/>
+          </p:cNvSpPr>
+          <p:nvPr>
+            <p:ph idx="1"/>
+          </p:nvPr>
+        </p:nvSpPr>
+        <p:spPr/>
+        <p:txBody>
+          <a:bodyPr/>
+          <a:lstStyle/>
+          <a:p>
+            <a:r>
+              <a:rPr lang="en-IN" sz="1800" b="1" kern="100" dirty="0" err="1">
+                <a:solidFill>
+                  <a:srgbClr val="ECECEC"/>
+                </a:solidFill>
+                <a:effectLst/>
+                <a:latin typeface="Courier New" panose="02070309020205020404" pitchFamily="49" charset="0"/>
+                <a:ea typeface="Courier New" panose="02070309020205020404" pitchFamily="49" charset="0"/>
+                <a:cs typeface="Times New Roman" panose="02020603050405020304" pitchFamily="18" charset="0"/>
+              </a:rPr>
+              <a:t>useState</a:t>
+            </a:r>
+            <a:r>
+              <a:rPr lang="en-IN" sz="1800" kern="100" dirty="0">
+                <a:solidFill>
+                  <a:srgbClr val="ECECEC"/>
+                </a:solidFill>
+                <a:effectLst/>
+                <a:latin typeface="Segoe UI" panose="020B0502040204020203" charset="0"/>
+                <a:ea typeface="Segoe UI" panose="020B0502040204020203" charset="0"/>
+                <a:cs typeface="Times New Roman" panose="02020603050405020304" pitchFamily="18" charset="0"/>
+              </a:rPr>
+              <a:t> allows functional components to manage state.</a:t>
+            </a:r>
+            <a:endParaRPr lang="en-IN" sz="1800" kern="100" dirty="0">
+              <a:solidFill>
+                <a:srgbClr val="ECECEC"/>
+              </a:solidFill>
+              <a:effectLst/>
+              <a:latin typeface="Segoe UI" panose="020B0502040204020203" charset="0"/>
+              <a:ea typeface="Segoe UI" panose="020B0502040204020203" charset="0"/>
+              <a:cs typeface="Times New Roman" panose="02020603050405020304" pitchFamily="18" charset="0"/>
+            </a:endParaRPr>
+          </a:p>
+          <a:p>
+            <a:r>
+              <a:rPr lang="en-IN" sz="1800" kern="100" dirty="0">
+                <a:solidFill>
+                  <a:srgbClr val="ECECEC"/>
+                </a:solidFill>
+                <a:effectLst/>
+                <a:latin typeface="Segoe UI" panose="020B0502040204020203" charset="0"/>
+                <a:ea typeface="Segoe UI" panose="020B0502040204020203" charset="0"/>
+                <a:cs typeface="Times New Roman" panose="02020603050405020304" pitchFamily="18" charset="0"/>
+              </a:rPr>
+              <a:t>It returns a stateful value and a function to update it, and it can be called multiple times to manage multiple state variables.</a:t>
+            </a:r>
+            <a:endParaRPr lang="en-IN" sz="1800" kern="100" dirty="0">
+              <a:effectLst/>
+              <a:latin typeface="Aptos" panose="020B0004020202020204" pitchFamily="34" charset="0"/>
+              <a:ea typeface="Times New Roman" panose="02020603050405020304" pitchFamily="18" charset="0"/>
+              <a:cs typeface="Times New Roman" panose="02020603050405020304" pitchFamily="18" charset="0"/>
+            </a:endParaRPr>
+          </a:p>
+          <a:p>
+            <a:endParaRPr lang="en-IN" dirty="0"/>
+          </a:p>
+        </p:txBody>
+      </p:sp>
+    </p:spTree>
+  </p:cSld>
+  <p:clrMapOvr>
+    <a:masterClrMapping/>
+  </p:clrMapOvr>
+</p:sld>
+</file>
+
+<file path=ppt/slides/slide14.xml><?xml version="1.0" encoding="utf-8"?>
+<p:sld xmlns:a="http://schemas.openxmlformats.org/drawingml/2006/main" xmlns:r="http://schemas.openxmlformats.org/officeDocument/2006/relationships" xmlns:p="http://schemas.openxmlformats.org/presentationml/2006/main">
+  <p:cSld>
+    <p:spTree>
+      <p:nvGrpSpPr>
+        <p:cNvPr id="1" name=""/>
+        <p:cNvGrpSpPr/>
+        <p:nvPr/>
+      </p:nvGrpSpPr>
+      <p:grpSpPr>
+        <a:xfrm>
+          <a:off x="0" y="0"/>
+          <a:ext cx="0" cy="0"/>
+          <a:chOff x="0" y="0"/>
+          <a:chExt cx="0" cy="0"/>
+        </a:xfrm>
+      </p:grpSpPr>
+      <p:sp>
+        <p:nvSpPr>
+          <p:cNvPr id="2" name="Title 1"/>
+          <p:cNvSpPr>
+            <a:spLocks noGrp="1"/>
+          </p:cNvSpPr>
+          <p:nvPr>
+            <p:ph type="title"/>
+          </p:nvPr>
+        </p:nvSpPr>
+        <p:spPr/>
+        <p:txBody>
+          <a:bodyPr/>
+          <a:lstStyle/>
+          <a:p>
+            <a:r>
+              <a:rPr lang="en-US" sz="5400" b="1" dirty="0"/>
+              <a:t>Rendering Lists</a:t>
+            </a:r>
+            <a:endParaRPr lang="en-US" sz="5400" b="1" dirty="0"/>
+          </a:p>
+        </p:txBody>
+      </p:sp>
+      <p:sp>
+        <p:nvSpPr>
+          <p:cNvPr id="3" name="Content Placeholder 2"/>
+          <p:cNvSpPr>
+            <a:spLocks noGrp="1"/>
+          </p:cNvSpPr>
+          <p:nvPr>
+            <p:ph idx="1"/>
+          </p:nvPr>
+        </p:nvSpPr>
+        <p:spPr>
+          <a:xfrm>
+            <a:off x="1103312" y="2052919"/>
+            <a:ext cx="10905808" cy="800010"/>
+          </a:xfrm>
+        </p:spPr>
+        <p:txBody>
+          <a:bodyPr/>
+          <a:lstStyle/>
+          <a:p>
+            <a:r>
+              <a:rPr lang="en-IN" sz="1800" kern="100" dirty="0">
+                <a:solidFill>
+                  <a:schemeClr val="tx1"/>
+                </a:solidFill>
+                <a:effectLst/>
+                <a:latin typeface="Segoe UI" panose="020B0502040204020203" charset="0"/>
+                <a:ea typeface="Segoe UI" panose="020B0502040204020203" charset="0"/>
+                <a:cs typeface="Times New Roman" panose="02020603050405020304" pitchFamily="18" charset="0"/>
+              </a:rPr>
+              <a:t>Rendering lists in React is a common task, and it can be done using the </a:t>
+            </a:r>
+            <a:r>
+              <a:rPr lang="en-IN" sz="1800" b="1" kern="100" dirty="0">
+                <a:solidFill>
+                  <a:schemeClr val="tx1"/>
+                </a:solidFill>
+                <a:effectLst/>
+                <a:latin typeface="Courier New" panose="02070309020205020404" pitchFamily="49" charset="0"/>
+                <a:ea typeface="Courier New" panose="02070309020205020404" pitchFamily="49" charset="0"/>
+                <a:cs typeface="Times New Roman" panose="02020603050405020304" pitchFamily="18" charset="0"/>
+              </a:rPr>
+              <a:t>map()</a:t>
+            </a:r>
+            <a:r>
+              <a:rPr lang="en-IN" sz="1800" kern="100" dirty="0">
+                <a:solidFill>
+                  <a:schemeClr val="tx1"/>
+                </a:solidFill>
+                <a:effectLst/>
+                <a:latin typeface="Segoe UI" panose="020B0502040204020203" charset="0"/>
+                <a:ea typeface="Segoe UI" panose="020B0502040204020203" charset="0"/>
+                <a:cs typeface="Times New Roman" panose="02020603050405020304" pitchFamily="18" charset="0"/>
+              </a:rPr>
+              <a:t> method to iterate over an array of data and generate JSX elements for each item.</a:t>
+            </a:r>
+            <a:endParaRPr lang="en-IN" sz="1800" kern="100" dirty="0">
+              <a:solidFill>
+                <a:schemeClr val="tx1"/>
+              </a:solidFill>
+              <a:effectLst/>
+              <a:latin typeface="Aptos" panose="020B0004020202020204" pitchFamily="34" charset="0"/>
+              <a:ea typeface="Times New Roman" panose="02020603050405020304" pitchFamily="18" charset="0"/>
+              <a:cs typeface="Times New Roman" panose="02020603050405020304" pitchFamily="18" charset="0"/>
+            </a:endParaRPr>
+          </a:p>
+          <a:p>
+            <a:endParaRPr lang="en-IN" sz="1800" kern="100" dirty="0">
+              <a:solidFill>
+                <a:schemeClr val="tx1"/>
+              </a:solidFill>
+              <a:effectLst/>
+              <a:latin typeface="Aptos" panose="020B0004020202020204" pitchFamily="34" charset="0"/>
+              <a:ea typeface="Times New Roman" panose="02020603050405020304" pitchFamily="18" charset="0"/>
+              <a:cs typeface="Times New Roman" panose="02020603050405020304" pitchFamily="18" charset="0"/>
+            </a:endParaRPr>
+          </a:p>
+        </p:txBody>
+      </p:sp>
+    </p:spTree>
+  </p:cSld>
+  <p:clrMapOvr>
+    <a:masterClrMapping/>
+  </p:clrMapOvr>
+</p:sld>
+</file>
+
+<file path=ppt/slides/slide15.xml><?xml version="1.0" encoding="utf-8"?>
+<p:sld xmlns:a="http://schemas.openxmlformats.org/drawingml/2006/main" xmlns:r="http://schemas.openxmlformats.org/officeDocument/2006/relationships" xmlns:p="http://schemas.openxmlformats.org/presentationml/2006/main">
+  <p:cSld>
+    <p:spTree>
+      <p:nvGrpSpPr>
+        <p:cNvPr id="1" name=""/>
+        <p:cNvGrpSpPr/>
+        <p:nvPr/>
+      </p:nvGrpSpPr>
+      <p:grpSpPr>
+        <a:xfrm>
+          <a:off x="0" y="0"/>
+          <a:ext cx="0" cy="0"/>
+          <a:chOff x="0" y="0"/>
+          <a:chExt cx="0" cy="0"/>
+        </a:xfrm>
+      </p:grpSpPr>
+      <p:sp>
+        <p:nvSpPr>
+          <p:cNvPr id="2" name="Title 1"/>
+          <p:cNvSpPr>
+            <a:spLocks noGrp="1"/>
+          </p:cNvSpPr>
+          <p:nvPr>
+            <p:ph type="title"/>
+          </p:nvPr>
+        </p:nvSpPr>
+        <p:spPr/>
+        <p:txBody>
+          <a:bodyPr/>
+          <a:lstStyle/>
+          <a:p>
+            <a:r>
+              <a:rPr lang="en-IN" sz="5400" dirty="0">
+                <a:effectLst/>
+                <a:latin typeface="Times New Roman" panose="02020603050405020304" pitchFamily="18" charset="0"/>
+                <a:ea typeface="Times New Roman" panose="02020603050405020304" pitchFamily="18" charset="0"/>
+              </a:rPr>
+              <a:t>Keys and their importance</a:t>
+            </a:r>
+            <a:endParaRPr lang="en-IN" sz="9600" dirty="0"/>
+          </a:p>
+        </p:txBody>
+      </p:sp>
+      <p:sp>
+        <p:nvSpPr>
+          <p:cNvPr id="3" name="Content Placeholder 2"/>
+          <p:cNvSpPr>
+            <a:spLocks noGrp="1"/>
+          </p:cNvSpPr>
+          <p:nvPr>
+            <p:ph idx="1"/>
+          </p:nvPr>
+        </p:nvSpPr>
+        <p:spPr>
+          <a:xfrm>
+            <a:off x="0" y="2052919"/>
+            <a:ext cx="12192000" cy="911508"/>
+          </a:xfrm>
+        </p:spPr>
+        <p:txBody>
+          <a:bodyPr>
+            <a:normAutofit fontScale="92500" lnSpcReduction="20000"/>
+          </a:bodyPr>
+          <a:lstStyle/>
+          <a:p>
+            <a:r>
+              <a:rPr lang="en-IN" sz="1800" kern="100" dirty="0">
+                <a:effectLst/>
+                <a:latin typeface="Segoe UI" panose="020B0502040204020203" charset="0"/>
+                <a:ea typeface="Segoe UI" panose="020B0502040204020203" charset="0"/>
+                <a:cs typeface="Times New Roman" panose="02020603050405020304" pitchFamily="18" charset="0"/>
+              </a:rPr>
+              <a:t> Keys in React are special attributes that are used to </a:t>
+            </a:r>
+            <a:r>
+              <a:rPr lang="en-IN" sz="1800" b="1" kern="100" dirty="0">
+                <a:effectLst/>
+                <a:latin typeface="Segoe UI" panose="020B0502040204020203" charset="0"/>
+                <a:ea typeface="Segoe UI" panose="020B0502040204020203" charset="0"/>
+                <a:cs typeface="Times New Roman" panose="02020603050405020304" pitchFamily="18" charset="0"/>
+              </a:rPr>
+              <a:t>uniquely</a:t>
+            </a:r>
+            <a:r>
+              <a:rPr lang="en-IN" sz="1800" kern="100" dirty="0">
+                <a:effectLst/>
+                <a:latin typeface="Segoe UI" panose="020B0502040204020203" charset="0"/>
+                <a:ea typeface="Segoe UI" panose="020B0502040204020203" charset="0"/>
+                <a:cs typeface="Times New Roman" panose="02020603050405020304" pitchFamily="18" charset="0"/>
+              </a:rPr>
+              <a:t> identify components or elements within a list. </a:t>
+            </a:r>
+            <a:endParaRPr lang="en-IN" sz="1800" kern="100" dirty="0">
+              <a:effectLst/>
+              <a:latin typeface="Segoe UI" panose="020B0502040204020203" charset="0"/>
+              <a:ea typeface="Segoe UI" panose="020B0502040204020203" charset="0"/>
+              <a:cs typeface="Times New Roman" panose="02020603050405020304" pitchFamily="18" charset="0"/>
+            </a:endParaRPr>
+          </a:p>
+          <a:p>
+            <a:r>
+              <a:rPr lang="en-IN" sz="1800" kern="100" dirty="0">
+                <a:effectLst/>
+                <a:latin typeface="Segoe UI" panose="020B0502040204020203" charset="0"/>
+                <a:ea typeface="Segoe UI" panose="020B0502040204020203" charset="0"/>
+                <a:cs typeface="Times New Roman" panose="02020603050405020304" pitchFamily="18" charset="0"/>
+              </a:rPr>
+              <a:t>They are essential for React's reconciliation algorithm, which is responsible for efficiently updating the UI based on changes in data or state.</a:t>
+            </a:r>
+            <a:endParaRPr lang="en-IN" sz="1800" kern="100" dirty="0">
+              <a:effectLst/>
+              <a:latin typeface="Aptos" panose="020B0004020202020204" pitchFamily="34" charset="0"/>
+              <a:ea typeface="Times New Roman" panose="02020603050405020304" pitchFamily="18" charset="0"/>
+              <a:cs typeface="Times New Roman" panose="02020603050405020304" pitchFamily="18" charset="0"/>
+            </a:endParaRPr>
+          </a:p>
+          <a:p>
+            <a:endParaRPr lang="en-IN" dirty="0"/>
+          </a:p>
+        </p:txBody>
+      </p:sp>
+    </p:spTree>
+  </p:cSld>
+  <p:clrMapOvr>
+    <a:masterClrMapping/>
+  </p:clrMapOvr>
+</p:sld>
+</file>
+
+<file path=ppt/slides/slide16.xml><?xml version="1.0" encoding="utf-8"?>
+<p:sld xmlns:a="http://schemas.openxmlformats.org/drawingml/2006/main" xmlns:r="http://schemas.openxmlformats.org/officeDocument/2006/relationships" xmlns:p="http://schemas.openxmlformats.org/presentationml/2006/main">
+  <p:cSld>
+    <p:spTree>
+      <p:nvGrpSpPr>
+        <p:cNvPr id="1" name=""/>
+        <p:cNvGrpSpPr/>
+        <p:nvPr/>
+      </p:nvGrpSpPr>
+      <p:grpSpPr/>
+      <p:sp>
+        <p:nvSpPr>
+          <p:cNvPr id="2" name="Title 1"/>
+          <p:cNvSpPr>
+            <a:spLocks noGrp="1"/>
+          </p:cNvSpPr>
+          <p:nvPr>
+            <p:ph type="title"/>
+          </p:nvPr>
+        </p:nvSpPr>
+        <p:spPr/>
+        <p:txBody>
+          <a:bodyPr/>
+          <a:p>
+            <a:r>
+              <a:rPr lang="en-US" altLang="en-US">
+                <a:sym typeface="+mn-ea"/>
+              </a:rPr>
+              <a:t>What is List Rendering?</a:t>
+            </a:r>
+            <a:endParaRPr lang="en-US"/>
+          </a:p>
+        </p:txBody>
+      </p:sp>
+      <p:sp>
+        <p:nvSpPr>
+          <p:cNvPr id="3" name="Content Placeholder 2"/>
+          <p:cNvSpPr>
+            <a:spLocks noGrp="1"/>
+          </p:cNvSpPr>
+          <p:nvPr>
+            <p:ph idx="1"/>
+          </p:nvPr>
+        </p:nvSpPr>
+        <p:spPr>
+          <a:xfrm>
+            <a:off x="297180" y="2052955"/>
+            <a:ext cx="11642090" cy="4195445"/>
+          </a:xfrm>
+        </p:spPr>
+        <p:txBody>
+          <a:bodyPr/>
+          <a:p>
+            <a:pPr marL="0" indent="457200">
+              <a:buNone/>
+            </a:pPr>
+            <a:r>
+              <a:rPr lang="en-US" altLang="en-US"/>
+              <a:t>List Rendering means displaying a collection of data (like an array of names, products, or users) as multiple elements on the screen.</a:t>
+            </a:r>
+            <a:endParaRPr lang="en-US" altLang="en-US"/>
+          </a:p>
+          <a:p>
+            <a:pPr marL="0" indent="457200">
+              <a:buNone/>
+            </a:pPr>
+            <a:r>
+              <a:rPr lang="en-US" altLang="en-US"/>
+              <a:t>In React, we often use the JavaScript </a:t>
+            </a:r>
+            <a:r>
+              <a:rPr lang="en-US" altLang="en-US" b="1"/>
+              <a:t>.map()</a:t>
+            </a:r>
+            <a:r>
+              <a:rPr lang="en-US" altLang="en-US"/>
+              <a:t> method to loop through an array and render JSX for each item.</a:t>
+            </a:r>
+            <a:endParaRPr lang="en-US" altLang="en-US"/>
+          </a:p>
+          <a:p>
+            <a:pPr marL="0" indent="457200">
+              <a:buNone/>
+            </a:pPr>
+            <a:endParaRPr lang="en-US" altLang="en-US"/>
+          </a:p>
+          <a:p>
+            <a:pPr marL="0" indent="457200">
+              <a:buNone/>
+            </a:pPr>
+            <a:r>
+              <a:rPr lang="en-US" altLang="en-US"/>
+              <a:t>const fruits = ["Apple", "Mango", "Banana", "Orange"];</a:t>
+            </a:r>
+            <a:endParaRPr lang="en-US" altLang="en-US"/>
+          </a:p>
+        </p:txBody>
+      </p:sp>
+    </p:spTree>
+  </p:cSld>
+  <p:clrMapOvr>
+    <a:masterClrMapping/>
+  </p:clrMapOvr>
+</p:sld>
+</file>
+
+<file path=ppt/slides/slide17.xml><?xml version="1.0" encoding="utf-8"?>
+<p:sld xmlns:a="http://schemas.openxmlformats.org/drawingml/2006/main" xmlns:r="http://schemas.openxmlformats.org/officeDocument/2006/relationships" xmlns:p="http://schemas.openxmlformats.org/presentationml/2006/main">
+  <p:cSld>
+    <p:spTree>
+      <p:nvGrpSpPr>
+        <p:cNvPr id="1" name=""/>
+        <p:cNvGrpSpPr/>
+        <p:nvPr/>
+      </p:nvGrpSpPr>
+      <p:grpSpPr/>
+      <p:sp>
+        <p:nvSpPr>
+          <p:cNvPr id="3" name="Content Placeholder 2"/>
+          <p:cNvSpPr>
+            <a:spLocks noGrp="1"/>
+          </p:cNvSpPr>
+          <p:nvPr>
+            <p:ph idx="1"/>
+          </p:nvPr>
+        </p:nvSpPr>
+        <p:spPr>
+          <a:xfrm>
+            <a:off x="340995" y="129540"/>
+            <a:ext cx="11732260" cy="6729095"/>
+          </a:xfrm>
+        </p:spPr>
+        <p:txBody>
+          <a:bodyPr>
+            <a:normAutofit lnSpcReduction="20000"/>
+          </a:bodyPr>
+          <a:p>
+            <a:pPr>
+              <a:buFont typeface="Wingdings" panose="05000000000000000000" charset="0"/>
+              <a:buChar char="Ø"/>
+            </a:pPr>
+            <a:r>
+              <a:rPr lang="en-US" altLang="en-US" b="1"/>
+              <a:t>Adding Keys</a:t>
+            </a:r>
+            <a:endParaRPr lang="en-US" altLang="en-US"/>
+          </a:p>
+          <a:p>
+            <a:pPr marL="0" indent="457200">
+              <a:buNone/>
+            </a:pPr>
+            <a:r>
+              <a:rPr lang="en-US" altLang="en-US"/>
+              <a:t>Each element inside a list must have a unique key prop.</a:t>
+            </a:r>
+            <a:endParaRPr lang="en-US" altLang="en-US"/>
+          </a:p>
+          <a:p>
+            <a:pPr marL="0" indent="457200">
+              <a:buNone/>
+            </a:pPr>
+            <a:r>
+              <a:rPr lang="en-US" altLang="en-US"/>
+              <a:t>Keys help React identify which items have changed, been added, or removed.</a:t>
+            </a:r>
+            <a:endParaRPr lang="en-US" altLang="en-US"/>
+          </a:p>
+          <a:p>
+            <a:pPr marL="0" indent="457200">
+              <a:buNone/>
+            </a:pPr>
+            <a:endParaRPr lang="en-US" altLang="en-US"/>
+          </a:p>
+          <a:p>
+            <a:pPr marL="0" indent="457200">
+              <a:buNone/>
+            </a:pPr>
+            <a:r>
+              <a:rPr lang="en-US" altLang="en-US"/>
+              <a:t> </a:t>
+            </a:r>
+            <a:r>
+              <a:rPr lang="en-US" altLang="en-US" sz="1800">
+                <a:latin typeface="Arial" panose="020B0604020202020204" pitchFamily="34" charset="0"/>
+                <a:cs typeface="Arial" panose="020B0604020202020204" pitchFamily="34" charset="0"/>
+              </a:rPr>
+              <a:t>const students = [</a:t>
+            </a:r>
+            <a:endParaRPr lang="en-US" altLang="en-US" sz="1800">
+              <a:latin typeface="Arial" panose="020B0604020202020204" pitchFamily="34" charset="0"/>
+              <a:cs typeface="Arial" panose="020B0604020202020204" pitchFamily="34" charset="0"/>
+            </a:endParaRPr>
+          </a:p>
+          <a:p>
+            <a:pPr marL="0" indent="457200">
+              <a:buNone/>
+            </a:pPr>
+            <a:r>
+              <a:rPr lang="en-US" altLang="en-US" sz="1800">
+                <a:latin typeface="Arial" panose="020B0604020202020204" pitchFamily="34" charset="0"/>
+                <a:cs typeface="Arial" panose="020B0604020202020204" pitchFamily="34" charset="0"/>
+              </a:rPr>
+              <a:t>    { id: 1, name: "Onkar", city: "Pune" },</a:t>
+            </a:r>
+            <a:endParaRPr lang="en-US" altLang="en-US" sz="1800">
+              <a:latin typeface="Arial" panose="020B0604020202020204" pitchFamily="34" charset="0"/>
+              <a:cs typeface="Arial" panose="020B0604020202020204" pitchFamily="34" charset="0"/>
+            </a:endParaRPr>
+          </a:p>
+          <a:p>
+            <a:pPr marL="0" indent="457200">
+              <a:buNone/>
+            </a:pPr>
+            <a:r>
+              <a:rPr lang="en-US" altLang="en-US" sz="1800">
+                <a:latin typeface="Arial" panose="020B0604020202020204" pitchFamily="34" charset="0"/>
+                <a:cs typeface="Arial" panose="020B0604020202020204" pitchFamily="34" charset="0"/>
+              </a:rPr>
+              <a:t>    { id: 2, name: "Neha", city: "Mumbai" },</a:t>
+            </a:r>
+            <a:endParaRPr lang="en-US" altLang="en-US" sz="1800">
+              <a:latin typeface="Arial" panose="020B0604020202020204" pitchFamily="34" charset="0"/>
+              <a:cs typeface="Arial" panose="020B0604020202020204" pitchFamily="34" charset="0"/>
+            </a:endParaRPr>
+          </a:p>
+          <a:p>
+            <a:pPr marL="0" indent="457200">
+              <a:buNone/>
+            </a:pPr>
+            <a:r>
+              <a:rPr lang="en-US" altLang="en-US" sz="1800">
+                <a:latin typeface="Arial" panose="020B0604020202020204" pitchFamily="34" charset="0"/>
+                <a:cs typeface="Arial" panose="020B0604020202020204" pitchFamily="34" charset="0"/>
+              </a:rPr>
+              <a:t>    { id: 3, name: "Amit", city: "Delhi" },</a:t>
+            </a:r>
+            <a:endParaRPr lang="en-US" altLang="en-US" sz="1800">
+              <a:latin typeface="Arial" panose="020B0604020202020204" pitchFamily="34" charset="0"/>
+              <a:cs typeface="Arial" panose="020B0604020202020204" pitchFamily="34" charset="0"/>
+            </a:endParaRPr>
+          </a:p>
+          <a:p>
+            <a:pPr marL="0" indent="457200">
+              <a:buNone/>
+            </a:pPr>
+            <a:r>
+              <a:rPr lang="en-US" altLang="en-US" sz="1800">
+                <a:latin typeface="Arial" panose="020B0604020202020204" pitchFamily="34" charset="0"/>
+                <a:cs typeface="Arial" panose="020B0604020202020204" pitchFamily="34" charset="0"/>
+              </a:rPr>
+              <a:t>  ];</a:t>
+            </a:r>
+            <a:endParaRPr lang="en-US" altLang="en-US" sz="1800">
+              <a:latin typeface="Arial" panose="020B0604020202020204" pitchFamily="34" charset="0"/>
+              <a:cs typeface="Arial" panose="020B0604020202020204" pitchFamily="34" charset="0"/>
+            </a:endParaRPr>
+          </a:p>
+          <a:p>
+            <a:pPr>
+              <a:buFont typeface="Wingdings" panose="05000000000000000000" charset="0"/>
+              <a:buChar char="Ø"/>
+            </a:pPr>
+            <a:r>
+              <a:rPr lang="en-US" altLang="en-US" b="1"/>
+              <a:t>Rendering with a Separate Component</a:t>
+            </a:r>
+            <a:endParaRPr lang="en-US" altLang="en-US" b="1"/>
+          </a:p>
+          <a:p>
+            <a:pPr marL="0" indent="457200">
+              <a:buFont typeface="Wingdings" panose="05000000000000000000" charset="0"/>
+              <a:buNone/>
+            </a:pPr>
+            <a:r>
+              <a:rPr lang="en-US" altLang="en-US"/>
+              <a:t>You can pass each item as a prop to another component — this improves reusability.</a:t>
+            </a:r>
+            <a:endParaRPr lang="en-US" altLang="en-US"/>
+          </a:p>
+          <a:p>
+            <a:pPr marL="457200" lvl="1" indent="457200">
+              <a:buFont typeface="Wingdings" panose="05000000000000000000" charset="0"/>
+              <a:buNone/>
+            </a:pPr>
+            <a:r>
+              <a:rPr lang="en-US" altLang="en-US">
+                <a:latin typeface="Arial" panose="020B0604020202020204" pitchFamily="34" charset="0"/>
+                <a:cs typeface="Arial" panose="020B0604020202020204" pitchFamily="34" charset="0"/>
+              </a:rPr>
+              <a:t>return (</a:t>
+            </a:r>
+            <a:endParaRPr lang="en-US" altLang="en-US">
+              <a:latin typeface="Arial" panose="020B0604020202020204" pitchFamily="34" charset="0"/>
+              <a:cs typeface="Arial" panose="020B0604020202020204" pitchFamily="34" charset="0"/>
+            </a:endParaRPr>
+          </a:p>
+          <a:p>
+            <a:pPr marL="457200" lvl="1" indent="457200">
+              <a:buFont typeface="Wingdings" panose="05000000000000000000" charset="0"/>
+              <a:buNone/>
+            </a:pPr>
+            <a:r>
+              <a:rPr lang="en-US" altLang="en-US">
+                <a:latin typeface="Arial" panose="020B0604020202020204" pitchFamily="34" charset="0"/>
+                <a:cs typeface="Arial" panose="020B0604020202020204" pitchFamily="34" charset="0"/>
+              </a:rPr>
+              <a:t>    &lt;ul&gt;</a:t>
+            </a:r>
+            <a:endParaRPr lang="en-US" altLang="en-US">
+              <a:latin typeface="Arial" panose="020B0604020202020204" pitchFamily="34" charset="0"/>
+              <a:cs typeface="Arial" panose="020B0604020202020204" pitchFamily="34" charset="0"/>
+            </a:endParaRPr>
+          </a:p>
+          <a:p>
+            <a:pPr marL="457200" lvl="1" indent="457200">
+              <a:buFont typeface="Wingdings" panose="05000000000000000000" charset="0"/>
+              <a:buNone/>
+            </a:pPr>
+            <a:r>
+              <a:rPr lang="en-US" altLang="en-US">
+                <a:latin typeface="Arial" panose="020B0604020202020204" pitchFamily="34" charset="0"/>
+                <a:cs typeface="Arial" panose="020B0604020202020204" pitchFamily="34" charset="0"/>
+              </a:rPr>
+              <a:t>      {students.map((s) =&gt; (</a:t>
+            </a:r>
+            <a:endParaRPr lang="en-US" altLang="en-US">
+              <a:latin typeface="Arial" panose="020B0604020202020204" pitchFamily="34" charset="0"/>
+              <a:cs typeface="Arial" panose="020B0604020202020204" pitchFamily="34" charset="0"/>
+            </a:endParaRPr>
+          </a:p>
+          <a:p>
+            <a:pPr marL="457200" lvl="1" indent="457200">
+              <a:buFont typeface="Wingdings" panose="05000000000000000000" charset="0"/>
+              <a:buNone/>
+            </a:pPr>
+            <a:r>
+              <a:rPr lang="en-US" altLang="en-US">
+                <a:latin typeface="Arial" panose="020B0604020202020204" pitchFamily="34" charset="0"/>
+                <a:cs typeface="Arial" panose="020B0604020202020204" pitchFamily="34" charset="0"/>
+              </a:rPr>
+              <a:t>        &lt;Student key={s.id} name={s.name} city={s.city} /&gt;</a:t>
+            </a:r>
+            <a:endParaRPr lang="en-US" altLang="en-US">
+              <a:latin typeface="Arial" panose="020B0604020202020204" pitchFamily="34" charset="0"/>
+              <a:cs typeface="Arial" panose="020B0604020202020204" pitchFamily="34" charset="0"/>
+            </a:endParaRPr>
+          </a:p>
+          <a:p>
+            <a:pPr marL="457200" lvl="1" indent="457200">
+              <a:buFont typeface="Wingdings" panose="05000000000000000000" charset="0"/>
+              <a:buNone/>
+            </a:pPr>
+            <a:r>
+              <a:rPr lang="en-US" altLang="en-US">
+                <a:latin typeface="Arial" panose="020B0604020202020204" pitchFamily="34" charset="0"/>
+                <a:cs typeface="Arial" panose="020B0604020202020204" pitchFamily="34" charset="0"/>
+              </a:rPr>
+              <a:t>      ))}</a:t>
+            </a:r>
+            <a:endParaRPr lang="en-US" altLang="en-US">
+              <a:latin typeface="Arial" panose="020B0604020202020204" pitchFamily="34" charset="0"/>
+              <a:cs typeface="Arial" panose="020B0604020202020204" pitchFamily="34" charset="0"/>
+            </a:endParaRPr>
+          </a:p>
+          <a:p>
+            <a:pPr marL="457200" lvl="1" indent="457200">
+              <a:buFont typeface="Wingdings" panose="05000000000000000000" charset="0"/>
+              <a:buNone/>
+            </a:pPr>
+            <a:r>
+              <a:rPr lang="en-US" altLang="en-US">
+                <a:latin typeface="Arial" panose="020B0604020202020204" pitchFamily="34" charset="0"/>
+                <a:cs typeface="Arial" panose="020B0604020202020204" pitchFamily="34" charset="0"/>
+              </a:rPr>
+              <a:t>    &lt;/ul&gt;</a:t>
+            </a:r>
+            <a:endParaRPr lang="en-US" altLang="en-US">
+              <a:latin typeface="Arial" panose="020B0604020202020204" pitchFamily="34" charset="0"/>
+              <a:cs typeface="Arial" panose="020B0604020202020204" pitchFamily="34" charset="0"/>
+            </a:endParaRPr>
+          </a:p>
+          <a:p>
+            <a:pPr marL="457200" lvl="1" indent="457200">
+              <a:buFont typeface="Wingdings" panose="05000000000000000000" charset="0"/>
+              <a:buNone/>
+            </a:pPr>
+            <a:r>
+              <a:rPr lang="en-US" altLang="en-US">
+                <a:latin typeface="Arial" panose="020B0604020202020204" pitchFamily="34" charset="0"/>
+                <a:cs typeface="Arial" panose="020B0604020202020204" pitchFamily="34" charset="0"/>
+              </a:rPr>
+              <a:t>  );</a:t>
+            </a:r>
+            <a:endParaRPr lang="en-US" altLang="en-US">
+              <a:latin typeface="Arial" panose="020B0604020202020204" pitchFamily="34" charset="0"/>
+              <a:cs typeface="Arial" panose="020B0604020202020204" pitchFamily="34" charset="0"/>
+            </a:endParaRPr>
+          </a:p>
+        </p:txBody>
+      </p:sp>
+    </p:spTree>
+  </p:cSld>
+  <p:clrMapOvr>
+    <a:masterClrMapping/>
+  </p:clrMapOvr>
+</p:sld>
+</file>
+
+<file path=ppt/slides/slide18.xml><?xml version="1.0" encoding="utf-8"?>
+<p:sld xmlns:a="http://schemas.openxmlformats.org/drawingml/2006/main" xmlns:r="http://schemas.openxmlformats.org/officeDocument/2006/relationships" xmlns:p="http://schemas.openxmlformats.org/presentationml/2006/main">
+  <p:cSld>
+    <p:spTree>
+      <p:nvGrpSpPr>
+        <p:cNvPr id="1" name=""/>
+        <p:cNvGrpSpPr/>
+        <p:nvPr/>
+      </p:nvGrpSpPr>
+      <p:grpSpPr/>
+      <p:sp>
+        <p:nvSpPr>
+          <p:cNvPr id="3" name="Content Placeholder 2"/>
+          <p:cNvSpPr>
+            <a:spLocks noGrp="1"/>
+          </p:cNvSpPr>
+          <p:nvPr>
+            <p:ph idx="1"/>
+          </p:nvPr>
+        </p:nvSpPr>
+        <p:spPr>
+          <a:xfrm>
+            <a:off x="204470" y="125095"/>
+            <a:ext cx="9845040" cy="6123305"/>
+          </a:xfrm>
+        </p:spPr>
+        <p:txBody>
+          <a:bodyPr/>
+          <a:p>
+            <a:r>
+              <a:rPr lang="en-US" altLang="en-US" b="1"/>
+              <a:t>Conditional Rendering Inside Lists</a:t>
+            </a:r>
+            <a:endParaRPr lang="en-US" altLang="en-US" b="1"/>
+          </a:p>
+          <a:p>
+            <a:pPr marL="0" indent="457200">
+              <a:buNone/>
+            </a:pPr>
+            <a:r>
+              <a:rPr lang="en-US" altLang="en-US" sz="1800">
+                <a:latin typeface="Arial" panose="020B0604020202020204" pitchFamily="34" charset="0"/>
+                <a:cs typeface="Arial" panose="020B0604020202020204" pitchFamily="34" charset="0"/>
+              </a:rPr>
+              <a:t>{product.name} {product.available ? "✅" : "❌"}</a:t>
+            </a:r>
+            <a:endParaRPr lang="en-US" altLang="en-US" sz="1800">
+              <a:latin typeface="Arial" panose="020B0604020202020204" pitchFamily="34" charset="0"/>
+              <a:cs typeface="Arial" panose="020B0604020202020204" pitchFamily="34" charset="0"/>
+            </a:endParaRPr>
+          </a:p>
+        </p:txBody>
+      </p:sp>
+    </p:spTree>
+  </p:cSld>
+  <p:clrMapOvr>
+    <a:masterClrMapping/>
+  </p:clrMapOvr>
+</p:sld>
+</file>
+
+<file path=ppt/slides/slide19.xml><?xml version="1.0" encoding="utf-8"?>
+<p:sld xmlns:a="http://schemas.openxmlformats.org/drawingml/2006/main" xmlns:r="http://schemas.openxmlformats.org/officeDocument/2006/relationships" xmlns:p="http://schemas.openxmlformats.org/presentationml/2006/main">
+  <p:cSld>
+    <p:spTree>
+      <p:nvGrpSpPr>
+        <p:cNvPr id="1" name=""/>
+        <p:cNvGrpSpPr/>
+        <p:nvPr/>
+      </p:nvGrpSpPr>
+      <p:grpSpPr>
+        <a:xfrm>
+          <a:off x="0" y="0"/>
+          <a:ext cx="0" cy="0"/>
+          <a:chOff x="0" y="0"/>
+          <a:chExt cx="0" cy="0"/>
+        </a:xfrm>
+      </p:grpSpPr>
+      <p:sp>
+        <p:nvSpPr>
+          <p:cNvPr id="2" name="Title 1"/>
+          <p:cNvSpPr>
+            <a:spLocks noGrp="1"/>
+          </p:cNvSpPr>
+          <p:nvPr>
+            <p:ph type="title"/>
+          </p:nvPr>
+        </p:nvSpPr>
+        <p:spPr/>
+        <p:txBody>
+          <a:bodyPr/>
+          <a:lstStyle/>
+          <a:p>
+            <a:r>
+              <a:rPr lang="en-US" dirty="0"/>
+              <a:t>useEffect hook</a:t>
+            </a:r>
+            <a:endParaRPr lang="en-IN" dirty="0"/>
+          </a:p>
+        </p:txBody>
+      </p:sp>
+      <p:sp>
+        <p:nvSpPr>
+          <p:cNvPr id="3" name="Content Placeholder 2"/>
+          <p:cNvSpPr>
+            <a:spLocks noGrp="1"/>
+          </p:cNvSpPr>
+          <p:nvPr>
+            <p:ph idx="1"/>
+          </p:nvPr>
+        </p:nvSpPr>
+        <p:spPr>
+          <a:xfrm>
+            <a:off x="1103312" y="2052919"/>
+            <a:ext cx="11088688" cy="4189386"/>
+          </a:xfrm>
+        </p:spPr>
+        <p:txBody>
+          <a:bodyPr/>
+          <a:lstStyle/>
+          <a:p>
+            <a:r>
+              <a:rPr lang="en-IN" sz="1800" b="1" dirty="0" err="1">
+                <a:solidFill>
+                  <a:srgbClr val="ECECEC"/>
+                </a:solidFill>
+                <a:effectLst/>
+                <a:latin typeface="Courier New" panose="02070309020205020404" pitchFamily="49" charset="0"/>
+                <a:ea typeface="Courier New" panose="02070309020205020404" pitchFamily="49" charset="0"/>
+              </a:rPr>
+              <a:t>useEffect</a:t>
+            </a:r>
+            <a:r>
+              <a:rPr lang="en-IN" sz="1800" dirty="0">
+                <a:solidFill>
+                  <a:srgbClr val="ECECEC"/>
+                </a:solidFill>
+                <a:effectLst/>
+                <a:latin typeface="Segoe UI" panose="020B0502040204020203" charset="0"/>
+                <a:ea typeface="Segoe UI" panose="020B0502040204020203" charset="0"/>
+              </a:rPr>
+              <a:t> is used to perform side effects in functional components. </a:t>
+            </a:r>
+            <a:endParaRPr lang="en-IN" sz="1800" dirty="0">
+              <a:solidFill>
+                <a:srgbClr val="ECECEC"/>
+              </a:solidFill>
+              <a:effectLst/>
+              <a:latin typeface="Segoe UI" panose="020B0502040204020203" charset="0"/>
+              <a:ea typeface="Segoe UI" panose="020B0502040204020203" charset="0"/>
+            </a:endParaRPr>
+          </a:p>
+          <a:p>
+            <a:r>
+              <a:rPr lang="en-IN" sz="1800" dirty="0">
+                <a:solidFill>
+                  <a:srgbClr val="ECECEC"/>
+                </a:solidFill>
+                <a:effectLst/>
+                <a:latin typeface="Segoe UI" panose="020B0502040204020203" charset="0"/>
+                <a:ea typeface="Segoe UI" panose="020B0502040204020203" charset="0"/>
+              </a:rPr>
+              <a:t>It replaces lifecycle methods like </a:t>
+            </a:r>
+            <a:r>
+              <a:rPr lang="en-IN" sz="1800" b="1" dirty="0" err="1">
+                <a:solidFill>
+                  <a:srgbClr val="ECECEC"/>
+                </a:solidFill>
+                <a:effectLst/>
+                <a:latin typeface="Courier New" panose="02070309020205020404" pitchFamily="49" charset="0"/>
+                <a:ea typeface="Courier New" panose="02070309020205020404" pitchFamily="49" charset="0"/>
+              </a:rPr>
+              <a:t>componentDidMount</a:t>
+            </a:r>
+            <a:r>
+              <a:rPr lang="en-IN" sz="1800" dirty="0">
+                <a:solidFill>
+                  <a:srgbClr val="ECECEC"/>
+                </a:solidFill>
+                <a:effectLst/>
+                <a:latin typeface="Segoe UI" panose="020B0502040204020203" charset="0"/>
+                <a:ea typeface="Segoe UI" panose="020B0502040204020203" charset="0"/>
+              </a:rPr>
+              <a:t>, </a:t>
+            </a:r>
+            <a:r>
+              <a:rPr lang="en-IN" sz="1800" b="1" dirty="0" err="1">
+                <a:solidFill>
+                  <a:srgbClr val="ECECEC"/>
+                </a:solidFill>
+                <a:effectLst/>
+                <a:latin typeface="Courier New" panose="02070309020205020404" pitchFamily="49" charset="0"/>
+                <a:ea typeface="Courier New" panose="02070309020205020404" pitchFamily="49" charset="0"/>
+              </a:rPr>
+              <a:t>componentDidUpdate</a:t>
+            </a:r>
+            <a:r>
+              <a:rPr lang="en-IN" sz="1800" dirty="0">
+                <a:solidFill>
+                  <a:srgbClr val="ECECEC"/>
+                </a:solidFill>
+                <a:effectLst/>
+                <a:latin typeface="Segoe UI" panose="020B0502040204020203" charset="0"/>
+                <a:ea typeface="Segoe UI" panose="020B0502040204020203" charset="0"/>
+              </a:rPr>
+              <a:t>, and </a:t>
+            </a:r>
+            <a:r>
+              <a:rPr lang="en-IN" sz="1800" b="1" dirty="0" err="1">
+                <a:solidFill>
+                  <a:srgbClr val="ECECEC"/>
+                </a:solidFill>
+                <a:effectLst/>
+                <a:latin typeface="Courier New" panose="02070309020205020404" pitchFamily="49" charset="0"/>
+                <a:ea typeface="Courier New" panose="02070309020205020404" pitchFamily="49" charset="0"/>
+              </a:rPr>
+              <a:t>componentWillUnmount</a:t>
+            </a:r>
+            <a:r>
+              <a:rPr lang="en-IN" sz="1800" b="1" dirty="0">
+                <a:solidFill>
+                  <a:srgbClr val="ECECEC"/>
+                </a:solidFill>
+                <a:effectLst/>
+                <a:latin typeface="Courier New" panose="02070309020205020404" pitchFamily="49" charset="0"/>
+                <a:ea typeface="Courier New" panose="02070309020205020404" pitchFamily="49" charset="0"/>
+              </a:rPr>
+              <a:t>.</a:t>
+            </a:r>
+            <a:endParaRPr lang="en-IN" sz="1800" b="1" dirty="0">
+              <a:solidFill>
+                <a:srgbClr val="ECECEC"/>
+              </a:solidFill>
+              <a:effectLst/>
+              <a:latin typeface="Courier New" panose="02070309020205020404" pitchFamily="49" charset="0"/>
+              <a:ea typeface="Courier New" panose="02070309020205020404" pitchFamily="49" charset="0"/>
+            </a:endParaRPr>
+          </a:p>
+          <a:p>
+            <a:endParaRPr lang="en-IN" sz="1800" b="1" dirty="0">
+              <a:solidFill>
+                <a:srgbClr val="ECECEC"/>
+              </a:solidFill>
+              <a:latin typeface="Courier New" panose="02070309020205020404" pitchFamily="49" charset="0"/>
+            </a:endParaRPr>
+          </a:p>
+          <a:p>
+            <a:pPr marL="342900" lvl="0" indent="-342900">
+              <a:lnSpc>
+                <a:spcPct val="115000"/>
+              </a:lnSpc>
+              <a:spcAft>
+                <a:spcPts val="800"/>
+              </a:spcAft>
+              <a:buFont typeface="Arial" panose="020B0604020202020204" pitchFamily="34" charset="0"/>
+              <a:buChar char="•"/>
+              <a:tabLst>
+                <a:tab pos="457200" algn="l"/>
+              </a:tabLst>
+            </a:pPr>
+            <a:r>
+              <a:rPr lang="en-IN" sz="1800" b="1" kern="100" dirty="0">
+                <a:solidFill>
+                  <a:srgbClr val="ECECEC"/>
+                </a:solidFill>
+                <a:effectLst/>
+                <a:latin typeface="Segoe UI" panose="020B0502040204020203" charset="0"/>
+                <a:ea typeface="Segoe UI" panose="020B0502040204020203" charset="0"/>
+                <a:cs typeface="Times New Roman" panose="02020603050405020304" pitchFamily="18" charset="0"/>
+              </a:rPr>
+              <a:t>Effect function</a:t>
+            </a:r>
+            <a:r>
+              <a:rPr lang="en-IN" sz="1800" kern="100" dirty="0">
+                <a:solidFill>
+                  <a:srgbClr val="ECECEC"/>
+                </a:solidFill>
+                <a:effectLst/>
+                <a:latin typeface="Segoe UI" panose="020B0502040204020203" charset="0"/>
+                <a:ea typeface="Segoe UI" panose="020B0502040204020203" charset="0"/>
+                <a:cs typeface="Times New Roman" panose="02020603050405020304" pitchFamily="18" charset="0"/>
+              </a:rPr>
+              <a:t>: A function that contains the side effect logic.</a:t>
+            </a:r>
+            <a:endParaRPr lang="en-IN" sz="1800" kern="100" dirty="0">
+              <a:effectLst/>
+              <a:latin typeface="Aptos" panose="020B0004020202020204" pitchFamily="34" charset="0"/>
+              <a:ea typeface="Times New Roman" panose="02020603050405020304" pitchFamily="18" charset="0"/>
+              <a:cs typeface="Times New Roman" panose="02020603050405020304" pitchFamily="18" charset="0"/>
+            </a:endParaRPr>
+          </a:p>
+          <a:p>
+            <a:pPr marL="342900" lvl="0" indent="-342900">
+              <a:lnSpc>
+                <a:spcPct val="115000"/>
+              </a:lnSpc>
+              <a:spcAft>
+                <a:spcPts val="800"/>
+              </a:spcAft>
+              <a:buFont typeface="Arial" panose="020B0604020202020204" pitchFamily="34" charset="0"/>
+              <a:buChar char="•"/>
+              <a:tabLst>
+                <a:tab pos="457200" algn="l"/>
+              </a:tabLst>
+            </a:pPr>
+            <a:r>
+              <a:rPr lang="en-IN" sz="1800" b="1" kern="100" dirty="0">
+                <a:solidFill>
+                  <a:srgbClr val="ECECEC"/>
+                </a:solidFill>
+                <a:effectLst/>
+                <a:latin typeface="Segoe UI" panose="020B0502040204020203" charset="0"/>
+                <a:ea typeface="Segoe UI" panose="020B0502040204020203" charset="0"/>
+                <a:cs typeface="Times New Roman" panose="02020603050405020304" pitchFamily="18" charset="0"/>
+              </a:rPr>
+              <a:t>Dependencies array (optional)</a:t>
+            </a:r>
+            <a:r>
+              <a:rPr lang="en-IN" sz="1800" kern="100" dirty="0">
+                <a:solidFill>
+                  <a:srgbClr val="ECECEC"/>
+                </a:solidFill>
+                <a:effectLst/>
+                <a:latin typeface="Segoe UI" panose="020B0502040204020203" charset="0"/>
+                <a:ea typeface="Segoe UI" panose="020B0502040204020203" charset="0"/>
+                <a:cs typeface="Times New Roman" panose="02020603050405020304" pitchFamily="18" charset="0"/>
+              </a:rPr>
+              <a:t>: An array of values (props or state) that the effect depends on. If any value in the dependencies array changes, the effect will be re-run.</a:t>
+            </a:r>
+            <a:endParaRPr lang="en-IN" sz="1800" kern="100" dirty="0">
+              <a:effectLst/>
+              <a:latin typeface="Aptos" panose="020B0004020202020204" pitchFamily="34" charset="0"/>
+              <a:ea typeface="Times New Roman" panose="02020603050405020304" pitchFamily="18" charset="0"/>
+              <a:cs typeface="Times New Roman" panose="02020603050405020304" pitchFamily="18" charset="0"/>
+            </a:endParaRPr>
+          </a:p>
+          <a:p>
+            <a:endParaRPr lang="en-IN" dirty="0"/>
+          </a:p>
+        </p:txBody>
+      </p:sp>
+    </p:spTree>
+  </p:cSld>
+  <p:clrMapOvr>
+    <a:masterClrMapping/>
+  </p:clrMapOvr>
+</p:sld>
+</file>
+
 <file path=ppt/slides/slide2.xml><?xml version="1.0" encoding="utf-8"?>
 <p:sld xmlns:a="http://schemas.openxmlformats.org/drawingml/2006/main" xmlns:r="http://schemas.openxmlformats.org/officeDocument/2006/relationships" xmlns:p="http://schemas.openxmlformats.org/presentationml/2006/main">
   <p:cSld>
@@ -6151,6 +7606,768 @@
               <a:t>React allows us to create reusable UI components.</a:t>
             </a:r>
             <a:endParaRPr lang="en-IN" sz="2800" dirty="0"/>
+          </a:p>
+        </p:txBody>
+      </p:sp>
+    </p:spTree>
+  </p:cSld>
+  <p:clrMapOvr>
+    <a:masterClrMapping/>
+  </p:clrMapOvr>
+</p:sld>
+</file>
+
+<file path=ppt/slides/slide20.xml><?xml version="1.0" encoding="utf-8"?>
+<p:sld xmlns:a="http://schemas.openxmlformats.org/drawingml/2006/main" xmlns:r="http://schemas.openxmlformats.org/officeDocument/2006/relationships" xmlns:p="http://schemas.openxmlformats.org/presentationml/2006/main">
+  <p:cSld>
+    <p:spTree>
+      <p:nvGrpSpPr>
+        <p:cNvPr id="1" name=""/>
+        <p:cNvGrpSpPr/>
+        <p:nvPr/>
+      </p:nvGrpSpPr>
+      <p:grpSpPr/>
+      <p:sp>
+        <p:nvSpPr>
+          <p:cNvPr id="3" name="Content Placeholder 2"/>
+          <p:cNvSpPr>
+            <a:spLocks noGrp="1"/>
+          </p:cNvSpPr>
+          <p:nvPr>
+            <p:ph idx="1"/>
+          </p:nvPr>
+        </p:nvSpPr>
+        <p:spPr>
+          <a:xfrm>
+            <a:off x="290830" y="130175"/>
+            <a:ext cx="11807190" cy="6617970"/>
+          </a:xfrm>
+        </p:spPr>
+        <p:txBody>
+          <a:bodyPr/>
+          <a:p>
+            <a:r>
+              <a:rPr lang="en-US" altLang="en-US"/>
+              <a:t>Examples of side effects include:</a:t>
+            </a:r>
+            <a:endParaRPr lang="en-US" altLang="en-US"/>
+          </a:p>
+          <a:p>
+            <a:r>
+              <a:rPr lang="en-US" altLang="en-US"/>
+              <a:t>Fetching data from an API</a:t>
+            </a:r>
+            <a:endParaRPr lang="en-US" altLang="en-US"/>
+          </a:p>
+          <a:p>
+            <a:r>
+              <a:rPr lang="en-US" altLang="en-US"/>
+              <a:t>Setting up event listeners</a:t>
+            </a:r>
+            <a:endParaRPr lang="en-US" altLang="en-US"/>
+          </a:p>
+          <a:p>
+            <a:r>
+              <a:rPr lang="en-US" altLang="en-US"/>
+              <a:t>Manipulating the DOM</a:t>
+            </a:r>
+            <a:endParaRPr lang="en-US" altLang="en-US"/>
+          </a:p>
+          <a:p>
+            <a:r>
+              <a:rPr lang="en-US" altLang="en-US"/>
+              <a:t>Setting timers</a:t>
+            </a:r>
+            <a:endParaRPr lang="en-US" altLang="en-US"/>
+          </a:p>
+          <a:p>
+            <a:endParaRPr lang="en-US" altLang="en-US"/>
+          </a:p>
+          <a:p>
+            <a:pPr marL="0" indent="0">
+              <a:buNone/>
+            </a:pPr>
+            <a:r>
+              <a:rPr lang="en-US" altLang="en-US"/>
+              <a:t>Syntax</a:t>
+            </a:r>
+            <a:endParaRPr lang="en-US" altLang="en-US"/>
+          </a:p>
+          <a:p>
+            <a:pPr marL="0" indent="457200">
+              <a:buNone/>
+            </a:pPr>
+            <a:r>
+              <a:rPr lang="en-US" altLang="en-US"/>
+              <a:t>useEffect(() =&gt; {</a:t>
+            </a:r>
+            <a:endParaRPr lang="en-US" altLang="en-US"/>
+          </a:p>
+          <a:p>
+            <a:pPr marL="0" indent="457200">
+              <a:buNone/>
+            </a:pPr>
+            <a:r>
+              <a:rPr lang="en-US" altLang="en-US"/>
+              <a:t>  // code to run after render (side-effect)</a:t>
+            </a:r>
+            <a:endParaRPr lang="en-US" altLang="en-US"/>
+          </a:p>
+          <a:p>
+            <a:pPr marL="0" indent="457200">
+              <a:buNone/>
+            </a:pPr>
+            <a:r>
+              <a:rPr lang="en-US" altLang="en-US"/>
+              <a:t>  </a:t>
+            </a:r>
+            <a:endParaRPr lang="en-US" altLang="en-US"/>
+          </a:p>
+          <a:p>
+            <a:pPr marL="0" indent="457200">
+              <a:buNone/>
+            </a:pPr>
+            <a:r>
+              <a:rPr lang="en-US" altLang="en-US"/>
+              <a:t>  return () =&gt; {</a:t>
+            </a:r>
+            <a:endParaRPr lang="en-US" altLang="en-US"/>
+          </a:p>
+          <a:p>
+            <a:pPr marL="0" indent="457200">
+              <a:buNone/>
+            </a:pPr>
+            <a:r>
+              <a:rPr lang="en-US" altLang="en-US"/>
+              <a:t>    // cleanup code (optional)</a:t>
+            </a:r>
+            <a:endParaRPr lang="en-US" altLang="en-US"/>
+          </a:p>
+          <a:p>
+            <a:pPr marL="0" indent="457200">
+              <a:buNone/>
+            </a:pPr>
+            <a:r>
+              <a:rPr lang="en-US" altLang="en-US"/>
+              <a:t>  };</a:t>
+            </a:r>
+            <a:endParaRPr lang="en-US" altLang="en-US"/>
+          </a:p>
+          <a:p>
+            <a:pPr marL="0" indent="457200">
+              <a:buNone/>
+            </a:pPr>
+            <a:r>
+              <a:rPr lang="en-US" altLang="en-US"/>
+              <a:t>}, [dependencies]);</a:t>
+            </a:r>
+            <a:endParaRPr lang="en-US" altLang="en-US"/>
+          </a:p>
+          <a:p>
+            <a:pPr marL="0" indent="457200">
+              <a:buNone/>
+            </a:pPr>
+            <a:endParaRPr lang="en-US" altLang="en-US"/>
+          </a:p>
+        </p:txBody>
+      </p:sp>
+    </p:spTree>
+  </p:cSld>
+  <p:clrMapOvr>
+    <a:masterClrMapping/>
+  </p:clrMapOvr>
+</p:sld>
+</file>
+
+<file path=ppt/slides/slide21.xml><?xml version="1.0" encoding="utf-8"?>
+<p:sld xmlns:a="http://schemas.openxmlformats.org/drawingml/2006/main" xmlns:r="http://schemas.openxmlformats.org/officeDocument/2006/relationships" xmlns:p="http://schemas.openxmlformats.org/presentationml/2006/main">
+  <p:cSld>
+    <p:spTree>
+      <p:nvGrpSpPr>
+        <p:cNvPr id="1" name=""/>
+        <p:cNvGrpSpPr/>
+        <p:nvPr/>
+      </p:nvGrpSpPr>
+      <p:grpSpPr/>
+      <p:sp>
+        <p:nvSpPr>
+          <p:cNvPr id="3" name="Content Placeholder 2"/>
+          <p:cNvSpPr>
+            <a:spLocks noGrp="1"/>
+          </p:cNvSpPr>
+          <p:nvPr>
+            <p:ph idx="1"/>
+          </p:nvPr>
+        </p:nvSpPr>
+        <p:spPr>
+          <a:xfrm>
+            <a:off x="203200" y="142240"/>
+            <a:ext cx="11857355" cy="6618605"/>
+          </a:xfrm>
+        </p:spPr>
+        <p:txBody>
+          <a:bodyPr/>
+          <a:p>
+            <a:r>
+              <a:rPr lang="en-US" altLang="en-US"/>
+              <a:t>Explanation of Parameters</a:t>
+            </a:r>
+            <a:endParaRPr lang="en-US" altLang="en-US"/>
+          </a:p>
+          <a:p>
+            <a:endParaRPr lang="en-US" altLang="en-US"/>
+          </a:p>
+        </p:txBody>
+      </p:sp>
+      <p:graphicFrame>
+        <p:nvGraphicFramePr>
+          <p:cNvPr id="4" name="Table 3"/>
+          <p:cNvGraphicFramePr/>
+          <p:nvPr>
+            <p:custDataLst>
+              <p:tags r:id="rId1"/>
+            </p:custDataLst>
+          </p:nvPr>
+        </p:nvGraphicFramePr>
+        <p:xfrm>
+          <a:off x="467360" y="750570"/>
+          <a:ext cx="10871200" cy="1778000"/>
+        </p:xfrm>
+        <a:graphic>
+          <a:graphicData uri="http://schemas.openxmlformats.org/drawingml/2006/table">
+            <a:tbl>
+              <a:tblPr/>
+              <a:tblGrid>
+                <a:gridCol w="5435600"/>
+                <a:gridCol w="5435600"/>
+              </a:tblGrid>
+              <a:tr h="444500">
+                <a:tc>
+                  <a:txBody>
+                    <a:bodyPr/>
+                    <a:p>
+                      <a:r>
+                        <a:rPr sz="1100"/>
+                        <a:t>Part</a:t>
+                      </a:r>
+                      <a:endParaRPr sz="1100"/>
+                    </a:p>
+                  </a:txBody>
+                  <a:tcPr marL="0" marR="0" marT="0" marB="0" anchor="ctr" anchorCtr="0">
+                    <a:lnL>
+                      <a:noFill/>
+                    </a:lnL>
+                    <a:lnR>
+                      <a:noFill/>
+                    </a:lnR>
+                    <a:lnT>
+                      <a:noFill/>
+                    </a:lnT>
+                    <a:lnB>
+                      <a:noFill/>
+                    </a:lnB>
+                    <a:noFill/>
+                  </a:tcPr>
+                </a:tc>
+                <a:tc>
+                  <a:txBody>
+                    <a:bodyPr/>
+                    <a:p>
+                      <a:r>
+                        <a:rPr sz="1100"/>
+                        <a:t>Description</a:t>
+                      </a:r>
+                      <a:endParaRPr sz="1100"/>
+                    </a:p>
+                  </a:txBody>
+                  <a:tcPr marL="0" marR="0" marT="0" marB="0" anchor="ctr" anchorCtr="0">
+                    <a:lnL>
+                      <a:noFill/>
+                    </a:lnL>
+                    <a:lnR>
+                      <a:noFill/>
+                    </a:lnR>
+                    <a:lnT>
+                      <a:noFill/>
+                    </a:lnT>
+                    <a:lnB>
+                      <a:noFill/>
+                    </a:lnB>
+                    <a:noFill/>
+                  </a:tcPr>
+                </a:tc>
+              </a:tr>
+              <a:tr h="444500">
+                <a:tc>
+                  <a:txBody>
+                    <a:bodyPr/>
+                    <a:p>
+                      <a:r>
+                        <a:rPr sz="1100"/>
+                        <a:t>() =&gt; {}</a:t>
+                      </a:r>
+                      <a:endParaRPr sz="1100"/>
+                    </a:p>
+                  </a:txBody>
+                  <a:tcPr marL="0" marR="0" marT="0" marB="0" anchor="ctr" anchorCtr="0">
+                    <a:lnL>
+                      <a:noFill/>
+                    </a:lnL>
+                    <a:lnR>
+                      <a:noFill/>
+                    </a:lnR>
+                    <a:lnT>
+                      <a:noFill/>
+                    </a:lnT>
+                    <a:lnB>
+                      <a:noFill/>
+                    </a:lnB>
+                    <a:noFill/>
+                  </a:tcPr>
+                </a:tc>
+                <a:tc>
+                  <a:txBody>
+                    <a:bodyPr/>
+                    <a:p>
+                      <a:r>
+                        <a:rPr sz="1100"/>
+                        <a:t>Callback function where you write your side effect logic.</a:t>
+                      </a:r>
+                      <a:endParaRPr sz="1100"/>
+                    </a:p>
+                  </a:txBody>
+                  <a:tcPr marL="0" marR="0" marT="0" marB="0" anchor="ctr" anchorCtr="0">
+                    <a:lnL>
+                      <a:noFill/>
+                    </a:lnL>
+                    <a:lnR>
+                      <a:noFill/>
+                    </a:lnR>
+                    <a:lnT>
+                      <a:noFill/>
+                    </a:lnT>
+                    <a:lnB>
+                      <a:noFill/>
+                    </a:lnB>
+                    <a:noFill/>
+                  </a:tcPr>
+                </a:tc>
+              </a:tr>
+              <a:tr h="444500">
+                <a:tc>
+                  <a:txBody>
+                    <a:bodyPr/>
+                    <a:p>
+                      <a:r>
+                        <a:rPr sz="1100"/>
+                        <a:t>return () =&gt; {}</a:t>
+                      </a:r>
+                      <a:endParaRPr sz="1100"/>
+                    </a:p>
+                  </a:txBody>
+                  <a:tcPr marL="0" marR="0" marT="0" marB="0" anchor="ctr" anchorCtr="0">
+                    <a:lnL>
+                      <a:noFill/>
+                    </a:lnL>
+                    <a:lnR>
+                      <a:noFill/>
+                    </a:lnR>
+                    <a:lnT>
+                      <a:noFill/>
+                    </a:lnT>
+                    <a:lnB>
+                      <a:noFill/>
+                    </a:lnB>
+                    <a:noFill/>
+                  </a:tcPr>
+                </a:tc>
+                <a:tc>
+                  <a:txBody>
+                    <a:bodyPr/>
+                    <a:p>
+                      <a:r>
+                        <a:rPr sz="1100"/>
+                        <a:t>(Optional) Cleanup function to remove listeners, timers, etc.</a:t>
+                      </a:r>
+                      <a:endParaRPr sz="1100"/>
+                    </a:p>
+                  </a:txBody>
+                  <a:tcPr marL="0" marR="0" marT="0" marB="0" anchor="ctr" anchorCtr="0">
+                    <a:lnL>
+                      <a:noFill/>
+                    </a:lnL>
+                    <a:lnR>
+                      <a:noFill/>
+                    </a:lnR>
+                    <a:lnT>
+                      <a:noFill/>
+                    </a:lnT>
+                    <a:lnB>
+                      <a:noFill/>
+                    </a:lnB>
+                    <a:noFill/>
+                  </a:tcPr>
+                </a:tc>
+              </a:tr>
+              <a:tr h="444500">
+                <a:tc>
+                  <a:txBody>
+                    <a:bodyPr/>
+                    <a:p>
+                      <a:r>
+                        <a:rPr sz="1100"/>
+                        <a:t>[dependencies]</a:t>
+                      </a:r>
+                      <a:endParaRPr sz="1100"/>
+                    </a:p>
+                  </a:txBody>
+                  <a:tcPr marL="0" marR="0" marT="0" marB="0" anchor="ctr" anchorCtr="0">
+                    <a:lnL>
+                      <a:noFill/>
+                    </a:lnL>
+                    <a:lnR>
+                      <a:noFill/>
+                    </a:lnR>
+                    <a:lnT>
+                      <a:noFill/>
+                    </a:lnT>
+                    <a:lnB>
+                      <a:noFill/>
+                    </a:lnB>
+                    <a:noFill/>
+                  </a:tcPr>
+                </a:tc>
+                <a:tc>
+                  <a:txBody>
+                    <a:bodyPr/>
+                    <a:p>
+                      <a:r>
+                        <a:rPr sz="1100"/>
+                        <a:t>Array that controls when the effect runs.</a:t>
+                      </a:r>
+                      <a:endParaRPr sz="1100"/>
+                    </a:p>
+                  </a:txBody>
+                  <a:tcPr marL="0" marR="0" marT="0" marB="0" anchor="ctr" anchorCtr="0">
+                    <a:lnL>
+                      <a:noFill/>
+                    </a:lnL>
+                    <a:lnR>
+                      <a:noFill/>
+                    </a:lnR>
+                    <a:lnT>
+                      <a:noFill/>
+                    </a:lnT>
+                    <a:lnB>
+                      <a:noFill/>
+                    </a:lnB>
+                    <a:noFill/>
+                  </a:tcPr>
+                </a:tc>
+              </a:tr>
+            </a:tbl>
+          </a:graphicData>
+        </a:graphic>
+      </p:graphicFrame>
+    </p:spTree>
+  </p:cSld>
+  <p:clrMapOvr>
+    <a:masterClrMapping/>
+  </p:clrMapOvr>
+</p:sld>
+</file>
+
+<file path=ppt/slides/slide22.xml><?xml version="1.0" encoding="utf-8"?>
+<p:sld xmlns:a="http://schemas.openxmlformats.org/drawingml/2006/main" xmlns:r="http://schemas.openxmlformats.org/officeDocument/2006/relationships" xmlns:p="http://schemas.openxmlformats.org/presentationml/2006/main">
+  <p:cSld>
+    <p:spTree>
+      <p:nvGrpSpPr>
+        <p:cNvPr id="1" name=""/>
+        <p:cNvGrpSpPr/>
+        <p:nvPr/>
+      </p:nvGrpSpPr>
+      <p:grpSpPr/>
+      <p:sp>
+        <p:nvSpPr>
+          <p:cNvPr id="4" name="Content Placeholder 3"/>
+          <p:cNvSpPr>
+            <a:spLocks noGrp="1"/>
+          </p:cNvSpPr>
+          <p:nvPr>
+            <p:ph idx="1"/>
+          </p:nvPr>
+        </p:nvSpPr>
+        <p:spPr>
+          <a:xfrm>
+            <a:off x="290830" y="130175"/>
+            <a:ext cx="11807190" cy="6617970"/>
+          </a:xfrm>
+        </p:spPr>
+        <p:txBody>
+          <a:bodyPr/>
+          <a:p>
+            <a:pPr>
+              <a:buFont typeface="Wingdings" panose="05000000000000000000" charset="0"/>
+              <a:buChar char="Ø"/>
+            </a:pPr>
+            <a:r>
+              <a:rPr lang="en-US" altLang="en-US"/>
+              <a:t>Run on every render</a:t>
+            </a:r>
+            <a:endParaRPr lang="en-US" altLang="en-US"/>
+          </a:p>
+          <a:p>
+            <a:pPr marL="0" indent="457200">
+              <a:buNone/>
+            </a:pPr>
+            <a:r>
+              <a:rPr lang="en-US" altLang="en-US"/>
+              <a:t>useEffect(() =&gt; {</a:t>
+            </a:r>
+            <a:endParaRPr lang="en-US" altLang="en-US"/>
+          </a:p>
+          <a:p>
+            <a:pPr marL="0" indent="457200">
+              <a:buNone/>
+            </a:pPr>
+            <a:r>
+              <a:rPr lang="en-US" altLang="en-US"/>
+              <a:t>  console.log("Component rendered or updated");</a:t>
+            </a:r>
+            <a:endParaRPr lang="en-US" altLang="en-US"/>
+          </a:p>
+          <a:p>
+            <a:pPr marL="0" indent="457200">
+              <a:buNone/>
+            </a:pPr>
+            <a:r>
+              <a:rPr lang="en-US" altLang="en-US"/>
+              <a:t>});</a:t>
+            </a:r>
+            <a:endParaRPr lang="en-US" altLang="en-US"/>
+          </a:p>
+          <a:p>
+            <a:pPr marL="0" indent="457200">
+              <a:buNone/>
+            </a:pPr>
+            <a:r>
+              <a:rPr lang="en-US" altLang="en-US">
+                <a:sym typeface="+mn-ea"/>
+              </a:rPr>
+              <a:t>Run only on mount (first render)</a:t>
+            </a:r>
+            <a:endParaRPr lang="en-US" altLang="en-US">
+              <a:sym typeface="+mn-ea"/>
+            </a:endParaRPr>
+          </a:p>
+          <a:p>
+            <a:pPr marL="0" indent="457200">
+              <a:buNone/>
+            </a:pPr>
+            <a:r>
+              <a:rPr lang="en-US" altLang="en-US"/>
+              <a:t>useEffect(() =&gt; {</a:t>
+            </a:r>
+            <a:endParaRPr lang="en-US" altLang="en-US"/>
+          </a:p>
+          <a:p>
+            <a:pPr marL="0" indent="457200">
+              <a:buNone/>
+            </a:pPr>
+            <a:r>
+              <a:rPr lang="en-US" altLang="en-US"/>
+              <a:t>  console.log("Component mounted");</a:t>
+            </a:r>
+            <a:endParaRPr lang="en-US" altLang="en-US"/>
+          </a:p>
+          <a:p>
+            <a:pPr marL="0" indent="457200">
+              <a:buNone/>
+            </a:pPr>
+            <a:r>
+              <a:rPr lang="en-US" altLang="en-US"/>
+              <a:t>}, []);</a:t>
+            </a:r>
+            <a:endParaRPr lang="en-US" altLang="en-US"/>
+          </a:p>
+          <a:p>
+            <a:pPr marL="0" indent="457200">
+              <a:buNone/>
+            </a:pPr>
+            <a:endParaRPr lang="en-US" altLang="en-US"/>
+          </a:p>
+          <a:p>
+            <a:pPr>
+              <a:buFont typeface="Wingdings" panose="05000000000000000000" charset="0"/>
+              <a:buChar char="Ø"/>
+            </a:pPr>
+            <a:r>
+              <a:rPr lang="en-US" altLang="en-US"/>
+              <a:t>Run only when specific data changes</a:t>
+            </a:r>
+            <a:endParaRPr lang="en-US" altLang="en-US"/>
+          </a:p>
+          <a:p>
+            <a:pPr marL="0" indent="457200">
+              <a:buNone/>
+            </a:pPr>
+            <a:r>
+              <a:rPr lang="en-US" altLang="en-US"/>
+              <a:t>useEffect(() =&gt; {</a:t>
+            </a:r>
+            <a:endParaRPr lang="en-US" altLang="en-US"/>
+          </a:p>
+          <a:p>
+            <a:pPr marL="0" indent="457200">
+              <a:buNone/>
+            </a:pPr>
+            <a:r>
+              <a:rPr lang="en-US" altLang="en-US"/>
+              <a:t>  console.log("Count changed");</a:t>
+            </a:r>
+            <a:endParaRPr lang="en-US" altLang="en-US"/>
+          </a:p>
+          <a:p>
+            <a:pPr marL="0" indent="457200">
+              <a:buNone/>
+            </a:pPr>
+            <a:r>
+              <a:rPr lang="en-US" altLang="en-US"/>
+              <a:t>}, [count]);</a:t>
+            </a:r>
+            <a:endParaRPr lang="en-US" altLang="en-US"/>
+          </a:p>
+          <a:p>
+            <a:pPr marL="0" indent="457200">
+              <a:buNone/>
+            </a:pPr>
+            <a:endParaRPr lang="en-US" altLang="en-US"/>
+          </a:p>
+          <a:p>
+            <a:pPr marL="0" indent="457200">
+              <a:buNone/>
+            </a:pPr>
+            <a:endParaRPr lang="en-US" altLang="en-US"/>
+          </a:p>
+        </p:txBody>
+      </p:sp>
+    </p:spTree>
+  </p:cSld>
+  <p:clrMapOvr>
+    <a:masterClrMapping/>
+  </p:clrMapOvr>
+</p:sld>
+</file>
+
+<file path=ppt/slides/slide23.xml><?xml version="1.0" encoding="utf-8"?>
+<p:sld xmlns:a="http://schemas.openxmlformats.org/drawingml/2006/main" xmlns:r="http://schemas.openxmlformats.org/officeDocument/2006/relationships" xmlns:p="http://schemas.openxmlformats.org/presentationml/2006/main">
+  <p:cSld>
+    <p:spTree>
+      <p:nvGrpSpPr>
+        <p:cNvPr id="1" name=""/>
+        <p:cNvGrpSpPr/>
+        <p:nvPr/>
+      </p:nvGrpSpPr>
+      <p:grpSpPr/>
+      <p:sp>
+        <p:nvSpPr>
+          <p:cNvPr id="3" name="Content Placeholder 2"/>
+          <p:cNvSpPr>
+            <a:spLocks noGrp="1"/>
+          </p:cNvSpPr>
+          <p:nvPr>
+            <p:ph idx="1"/>
+          </p:nvPr>
+        </p:nvSpPr>
+        <p:spPr>
+          <a:xfrm>
+            <a:off x="153670" y="179705"/>
+            <a:ext cx="11844020" cy="6555105"/>
+          </a:xfrm>
+        </p:spPr>
+        <p:txBody>
+          <a:bodyPr/>
+          <a:p>
+            <a:r>
+              <a:rPr lang="en-US" altLang="en-US"/>
+              <a:t>Cleanup on unmount</a:t>
+            </a:r>
+            <a:endParaRPr lang="en-US" altLang="en-US"/>
+          </a:p>
+          <a:p>
+            <a:endParaRPr lang="en-US" altLang="en-US"/>
+          </a:p>
+          <a:p>
+            <a:pPr marL="0" indent="0">
+              <a:buNone/>
+            </a:pPr>
+            <a:r>
+              <a:rPr lang="en-US" altLang="en-US"/>
+              <a:t>useEffect(() =&gt; {</a:t>
+            </a:r>
+            <a:endParaRPr lang="en-US" altLang="en-US"/>
+          </a:p>
+          <a:p>
+            <a:pPr marL="0" indent="0">
+              <a:buNone/>
+            </a:pPr>
+            <a:r>
+              <a:rPr lang="en-US" altLang="en-US"/>
+              <a:t>  const timer = setInterval(() =&gt; {</a:t>
+            </a:r>
+            <a:endParaRPr lang="en-US" altLang="en-US"/>
+          </a:p>
+          <a:p>
+            <a:pPr marL="0" indent="0">
+              <a:buNone/>
+            </a:pPr>
+            <a:r>
+              <a:rPr lang="en-US" altLang="en-US"/>
+              <a:t>    console.log("Timer running");</a:t>
+            </a:r>
+            <a:endParaRPr lang="en-US" altLang="en-US"/>
+          </a:p>
+          <a:p>
+            <a:pPr marL="0" indent="0">
+              <a:buNone/>
+            </a:pPr>
+            <a:r>
+              <a:rPr lang="en-US" altLang="en-US"/>
+              <a:t>  }, 1000);</a:t>
+            </a:r>
+            <a:endParaRPr lang="en-US" altLang="en-US"/>
+          </a:p>
+          <a:p>
+            <a:pPr marL="0" indent="0">
+              <a:buNone/>
+            </a:pPr>
+            <a:endParaRPr lang="en-US" altLang="en-US"/>
+          </a:p>
+          <a:p>
+            <a:pPr marL="0" indent="0">
+              <a:buNone/>
+            </a:pPr>
+            <a:r>
+              <a:rPr lang="en-US" altLang="en-US"/>
+              <a:t>  return () =&gt; clearInterval(timer); // cleanup</a:t>
+            </a:r>
+            <a:endParaRPr lang="en-US" altLang="en-US"/>
+          </a:p>
+          <a:p>
+            <a:pPr marL="0" indent="0">
+              <a:buNone/>
+            </a:pPr>
+            <a:r>
+              <a:rPr lang="en-US" altLang="en-US"/>
+              <a:t>}, []);</a:t>
+            </a:r>
+            <a:endParaRPr lang="en-US" altLang="en-US"/>
+          </a:p>
+          <a:p>
+            <a:pPr marL="0" indent="0">
+              <a:buNone/>
+            </a:pPr>
+            <a:endParaRPr lang="en-US" altLang="en-US"/>
           </a:p>
         </p:txBody>
       </p:sp>
@@ -7182,6 +9399,923 @@
     <a:masterClrMapping/>
   </p:clrMapOvr>
 </p:sld>
+</file>
+
+<file path=ppt/slides/slide8.xml><?xml version="1.0" encoding="utf-8"?>
+<p:sld xmlns:a="http://schemas.openxmlformats.org/drawingml/2006/main" xmlns:r="http://schemas.openxmlformats.org/officeDocument/2006/relationships" xmlns:p="http://schemas.openxmlformats.org/presentationml/2006/main">
+  <p:cSld>
+    <p:spTree>
+      <p:nvGrpSpPr>
+        <p:cNvPr id="1" name=""/>
+        <p:cNvGrpSpPr/>
+        <p:nvPr/>
+      </p:nvGrpSpPr>
+      <p:grpSpPr>
+        <a:xfrm>
+          <a:off x="0" y="0"/>
+          <a:ext cx="0" cy="0"/>
+          <a:chOff x="0" y="0"/>
+          <a:chExt cx="0" cy="0"/>
+        </a:xfrm>
+      </p:grpSpPr>
+      <p:sp>
+        <p:nvSpPr>
+          <p:cNvPr id="7" name="TextBox 6"/>
+          <p:cNvSpPr txBox="1"/>
+          <p:nvPr/>
+        </p:nvSpPr>
+        <p:spPr>
+          <a:xfrm>
+            <a:off x="158496" y="690077"/>
+            <a:ext cx="4681728" cy="5078891"/>
+          </a:xfrm>
+          <a:prstGeom prst="rect">
+            <a:avLst/>
+          </a:prstGeom>
+          <a:noFill/>
+        </p:spPr>
+        <p:txBody>
+          <a:bodyPr wrap="square">
+            <a:spAutoFit/>
+          </a:bodyPr>
+          <a:lstStyle/>
+          <a:p>
+            <a:pPr marL="342900" lvl="0" indent="-342900">
+              <a:lnSpc>
+                <a:spcPct val="115000"/>
+              </a:lnSpc>
+              <a:spcAft>
+                <a:spcPts val="800"/>
+              </a:spcAft>
+              <a:buFont typeface="Arial" panose="020B0604020202020204" pitchFamily="34" charset="0"/>
+              <a:buChar char="•"/>
+              <a:tabLst>
+                <a:tab pos="457200" algn="l"/>
+              </a:tabLst>
+            </a:pPr>
+            <a:r>
+              <a:rPr lang="en-IN" sz="2000" b="1" kern="100" dirty="0">
+                <a:solidFill>
+                  <a:srgbClr val="0D0D0D"/>
+                </a:solidFill>
+                <a:effectLst/>
+                <a:latin typeface="Segoe UI" panose="020B0502040204020203" charset="0"/>
+                <a:ea typeface="Segoe UI" panose="020B0502040204020203" charset="0"/>
+                <a:cs typeface="Times New Roman" panose="02020603050405020304" pitchFamily="18" charset="0"/>
+              </a:rPr>
+              <a:t>Functional Components:</a:t>
+            </a:r>
+            <a:endParaRPr lang="en-IN" sz="2000" kern="100" dirty="0">
+              <a:effectLst/>
+              <a:latin typeface="Aptos" panose="020B0004020202020204" pitchFamily="34" charset="0"/>
+              <a:ea typeface="Times New Roman" panose="02020603050405020304" pitchFamily="18" charset="0"/>
+              <a:cs typeface="Times New Roman" panose="02020603050405020304" pitchFamily="18" charset="0"/>
+            </a:endParaRPr>
+          </a:p>
+          <a:p>
+            <a:pPr>
+              <a:lnSpc>
+                <a:spcPct val="107000"/>
+              </a:lnSpc>
+              <a:spcAft>
+                <a:spcPts val="800"/>
+              </a:spcAft>
+            </a:pPr>
+            <a:br>
+              <a:rPr lang="en-IN" sz="1600" kern="100" dirty="0">
+                <a:solidFill>
+                  <a:srgbClr val="0D0D0D"/>
+                </a:solidFill>
+                <a:effectLst/>
+                <a:latin typeface="Segoe UI" panose="020B0502040204020203" charset="0"/>
+                <a:ea typeface="Segoe UI" panose="020B0502040204020203" charset="0"/>
+                <a:cs typeface="Times New Roman" panose="02020603050405020304" pitchFamily="18" charset="0"/>
+              </a:rPr>
+            </a:br>
+            <a:r>
+              <a:rPr lang="en-IN" sz="1800" kern="100" dirty="0">
+                <a:effectLst/>
+                <a:latin typeface="Calibri" panose="020F0502020204030204" pitchFamily="34" charset="0"/>
+                <a:ea typeface="Calibri" panose="020F0502020204030204" pitchFamily="34" charset="0"/>
+                <a:cs typeface="Times New Roman" panose="02020603050405020304" pitchFamily="18" charset="0"/>
+              </a:rPr>
+              <a:t>import React from 'react';</a:t>
+            </a:r>
+            <a:endParaRPr lang="en-IN" sz="2000" kern="100" dirty="0">
+              <a:effectLst/>
+              <a:latin typeface="Aptos" panose="020B0004020202020204" pitchFamily="34" charset="0"/>
+              <a:ea typeface="Times New Roman" panose="02020603050405020304" pitchFamily="18" charset="0"/>
+              <a:cs typeface="Times New Roman" panose="02020603050405020304" pitchFamily="18" charset="0"/>
+            </a:endParaRPr>
+          </a:p>
+          <a:p>
+            <a:pPr>
+              <a:lnSpc>
+                <a:spcPct val="107000"/>
+              </a:lnSpc>
+              <a:spcAft>
+                <a:spcPts val="800"/>
+              </a:spcAft>
+            </a:pPr>
+            <a:r>
+              <a:rPr lang="en-IN" sz="1800" kern="100" dirty="0">
+                <a:effectLst/>
+                <a:latin typeface="Calibri" panose="020F0502020204030204" pitchFamily="34" charset="0"/>
+                <a:ea typeface="Calibri" panose="020F0502020204030204" pitchFamily="34" charset="0"/>
+                <a:cs typeface="Times New Roman" panose="02020603050405020304" pitchFamily="18" charset="0"/>
+              </a:rPr>
+              <a:t> </a:t>
+            </a:r>
+            <a:endParaRPr lang="en-IN" sz="2000" kern="100" dirty="0">
+              <a:effectLst/>
+              <a:latin typeface="Aptos" panose="020B0004020202020204" pitchFamily="34" charset="0"/>
+              <a:ea typeface="Times New Roman" panose="02020603050405020304" pitchFamily="18" charset="0"/>
+              <a:cs typeface="Times New Roman" panose="02020603050405020304" pitchFamily="18" charset="0"/>
+            </a:endParaRPr>
+          </a:p>
+          <a:p>
+            <a:pPr>
+              <a:lnSpc>
+                <a:spcPct val="107000"/>
+              </a:lnSpc>
+              <a:spcAft>
+                <a:spcPts val="800"/>
+              </a:spcAft>
+            </a:pPr>
+            <a:r>
+              <a:rPr lang="en-IN" sz="1800" kern="100" dirty="0" err="1">
+                <a:effectLst/>
+                <a:latin typeface="Calibri" panose="020F0502020204030204" pitchFamily="34" charset="0"/>
+                <a:ea typeface="Calibri" panose="020F0502020204030204" pitchFamily="34" charset="0"/>
+                <a:cs typeface="Times New Roman" panose="02020603050405020304" pitchFamily="18" charset="0"/>
+              </a:rPr>
+              <a:t>const</a:t>
+            </a:r>
+            <a:r>
+              <a:rPr lang="en-IN" sz="1800" kern="100" dirty="0">
+                <a:effectLst/>
+                <a:latin typeface="Calibri" panose="020F0502020204030204" pitchFamily="34" charset="0"/>
+                <a:ea typeface="Calibri" panose="020F0502020204030204" pitchFamily="34" charset="0"/>
+                <a:cs typeface="Times New Roman" panose="02020603050405020304" pitchFamily="18" charset="0"/>
+              </a:rPr>
+              <a:t> </a:t>
+            </a:r>
+            <a:r>
+              <a:rPr lang="en-IN" sz="1800" kern="100" dirty="0" err="1">
+                <a:effectLst/>
+                <a:latin typeface="Calibri" panose="020F0502020204030204" pitchFamily="34" charset="0"/>
+                <a:ea typeface="Calibri" panose="020F0502020204030204" pitchFamily="34" charset="0"/>
+                <a:cs typeface="Times New Roman" panose="02020603050405020304" pitchFamily="18" charset="0"/>
+              </a:rPr>
+              <a:t>FunctionalComponent</a:t>
+            </a:r>
+            <a:r>
+              <a:rPr lang="en-IN" sz="1800" kern="100" dirty="0">
+                <a:effectLst/>
+                <a:latin typeface="Calibri" panose="020F0502020204030204" pitchFamily="34" charset="0"/>
+                <a:ea typeface="Calibri" panose="020F0502020204030204" pitchFamily="34" charset="0"/>
+                <a:cs typeface="Times New Roman" panose="02020603050405020304" pitchFamily="18" charset="0"/>
+              </a:rPr>
+              <a:t> = (props) =&gt; {</a:t>
+            </a:r>
+            <a:endParaRPr lang="en-IN" sz="2000" kern="100" dirty="0">
+              <a:effectLst/>
+              <a:latin typeface="Aptos" panose="020B0004020202020204" pitchFamily="34" charset="0"/>
+              <a:ea typeface="Times New Roman" panose="02020603050405020304" pitchFamily="18" charset="0"/>
+              <a:cs typeface="Times New Roman" panose="02020603050405020304" pitchFamily="18" charset="0"/>
+            </a:endParaRPr>
+          </a:p>
+          <a:p>
+            <a:pPr>
+              <a:lnSpc>
+                <a:spcPct val="107000"/>
+              </a:lnSpc>
+              <a:spcAft>
+                <a:spcPts val="800"/>
+              </a:spcAft>
+            </a:pPr>
+            <a:r>
+              <a:rPr lang="en-IN" sz="1800" kern="100" dirty="0">
+                <a:effectLst/>
+                <a:latin typeface="Calibri" panose="020F0502020204030204" pitchFamily="34" charset="0"/>
+                <a:ea typeface="Calibri" panose="020F0502020204030204" pitchFamily="34" charset="0"/>
+                <a:cs typeface="Times New Roman" panose="02020603050405020304" pitchFamily="18" charset="0"/>
+              </a:rPr>
+              <a:t>  return (</a:t>
+            </a:r>
+            <a:endParaRPr lang="en-IN" sz="2000" kern="100" dirty="0">
+              <a:effectLst/>
+              <a:latin typeface="Aptos" panose="020B0004020202020204" pitchFamily="34" charset="0"/>
+              <a:ea typeface="Times New Roman" panose="02020603050405020304" pitchFamily="18" charset="0"/>
+              <a:cs typeface="Times New Roman" panose="02020603050405020304" pitchFamily="18" charset="0"/>
+            </a:endParaRPr>
+          </a:p>
+          <a:p>
+            <a:pPr>
+              <a:lnSpc>
+                <a:spcPct val="107000"/>
+              </a:lnSpc>
+              <a:spcAft>
+                <a:spcPts val="800"/>
+              </a:spcAft>
+            </a:pPr>
+            <a:r>
+              <a:rPr lang="en-IN" sz="1800" kern="100" dirty="0">
+                <a:effectLst/>
+                <a:latin typeface="Calibri" panose="020F0502020204030204" pitchFamily="34" charset="0"/>
+                <a:ea typeface="Calibri" panose="020F0502020204030204" pitchFamily="34" charset="0"/>
+                <a:cs typeface="Times New Roman" panose="02020603050405020304" pitchFamily="18" charset="0"/>
+              </a:rPr>
+              <a:t>    &lt;div&gt;</a:t>
+            </a:r>
+            <a:endParaRPr lang="en-IN" sz="2000" kern="100" dirty="0">
+              <a:effectLst/>
+              <a:latin typeface="Aptos" panose="020B0004020202020204" pitchFamily="34" charset="0"/>
+              <a:ea typeface="Times New Roman" panose="02020603050405020304" pitchFamily="18" charset="0"/>
+              <a:cs typeface="Times New Roman" panose="02020603050405020304" pitchFamily="18" charset="0"/>
+            </a:endParaRPr>
+          </a:p>
+          <a:p>
+            <a:pPr>
+              <a:lnSpc>
+                <a:spcPct val="107000"/>
+              </a:lnSpc>
+              <a:spcAft>
+                <a:spcPts val="800"/>
+              </a:spcAft>
+            </a:pPr>
+            <a:r>
+              <a:rPr lang="en-IN" sz="1800" kern="100" dirty="0">
+                <a:effectLst/>
+                <a:latin typeface="Calibri" panose="020F0502020204030204" pitchFamily="34" charset="0"/>
+                <a:ea typeface="Calibri" panose="020F0502020204030204" pitchFamily="34" charset="0"/>
+                <a:cs typeface="Times New Roman" panose="02020603050405020304" pitchFamily="18" charset="0"/>
+              </a:rPr>
+              <a:t>      &lt;h1&gt;Hello, {props.name}!&lt;/h1&gt;</a:t>
+            </a:r>
+            <a:endParaRPr lang="en-IN" sz="2000" kern="100" dirty="0">
+              <a:effectLst/>
+              <a:latin typeface="Aptos" panose="020B0004020202020204" pitchFamily="34" charset="0"/>
+              <a:ea typeface="Times New Roman" panose="02020603050405020304" pitchFamily="18" charset="0"/>
+              <a:cs typeface="Times New Roman" panose="02020603050405020304" pitchFamily="18" charset="0"/>
+            </a:endParaRPr>
+          </a:p>
+          <a:p>
+            <a:pPr>
+              <a:lnSpc>
+                <a:spcPct val="107000"/>
+              </a:lnSpc>
+              <a:spcAft>
+                <a:spcPts val="800"/>
+              </a:spcAft>
+            </a:pPr>
+            <a:r>
+              <a:rPr lang="en-IN" sz="1800" kern="100" dirty="0">
+                <a:effectLst/>
+                <a:latin typeface="Calibri" panose="020F0502020204030204" pitchFamily="34" charset="0"/>
+                <a:ea typeface="Calibri" panose="020F0502020204030204" pitchFamily="34" charset="0"/>
+                <a:cs typeface="Times New Roman" panose="02020603050405020304" pitchFamily="18" charset="0"/>
+              </a:rPr>
+              <a:t>      &lt;p&gt;This is a functional component.&lt;/p&gt;</a:t>
+            </a:r>
+            <a:endParaRPr lang="en-IN" sz="2000" kern="100" dirty="0">
+              <a:effectLst/>
+              <a:latin typeface="Aptos" panose="020B0004020202020204" pitchFamily="34" charset="0"/>
+              <a:ea typeface="Times New Roman" panose="02020603050405020304" pitchFamily="18" charset="0"/>
+              <a:cs typeface="Times New Roman" panose="02020603050405020304" pitchFamily="18" charset="0"/>
+            </a:endParaRPr>
+          </a:p>
+          <a:p>
+            <a:pPr>
+              <a:lnSpc>
+                <a:spcPct val="107000"/>
+              </a:lnSpc>
+              <a:spcAft>
+                <a:spcPts val="800"/>
+              </a:spcAft>
+            </a:pPr>
+            <a:r>
+              <a:rPr lang="en-IN" sz="1800" kern="100" dirty="0">
+                <a:effectLst/>
+                <a:latin typeface="Calibri" panose="020F0502020204030204" pitchFamily="34" charset="0"/>
+                <a:ea typeface="Calibri" panose="020F0502020204030204" pitchFamily="34" charset="0"/>
+                <a:cs typeface="Times New Roman" panose="02020603050405020304" pitchFamily="18" charset="0"/>
+              </a:rPr>
+              <a:t>    &lt;/div&gt;</a:t>
+            </a:r>
+            <a:endParaRPr lang="en-IN" sz="2000" kern="100" dirty="0">
+              <a:effectLst/>
+              <a:latin typeface="Aptos" panose="020B0004020202020204" pitchFamily="34" charset="0"/>
+              <a:ea typeface="Times New Roman" panose="02020603050405020304" pitchFamily="18" charset="0"/>
+              <a:cs typeface="Times New Roman" panose="02020603050405020304" pitchFamily="18" charset="0"/>
+            </a:endParaRPr>
+          </a:p>
+          <a:p>
+            <a:pPr>
+              <a:lnSpc>
+                <a:spcPct val="107000"/>
+              </a:lnSpc>
+              <a:spcAft>
+                <a:spcPts val="800"/>
+              </a:spcAft>
+            </a:pPr>
+            <a:r>
+              <a:rPr lang="en-IN" sz="1800" kern="100" dirty="0">
+                <a:effectLst/>
+                <a:latin typeface="Calibri" panose="020F0502020204030204" pitchFamily="34" charset="0"/>
+                <a:ea typeface="Calibri" panose="020F0502020204030204" pitchFamily="34" charset="0"/>
+                <a:cs typeface="Times New Roman" panose="02020603050405020304" pitchFamily="18" charset="0"/>
+              </a:rPr>
+              <a:t>  );</a:t>
+            </a:r>
+            <a:endParaRPr lang="en-IN" sz="2000" kern="100" dirty="0">
+              <a:effectLst/>
+              <a:latin typeface="Aptos" panose="020B0004020202020204" pitchFamily="34" charset="0"/>
+              <a:ea typeface="Times New Roman" panose="02020603050405020304" pitchFamily="18" charset="0"/>
+              <a:cs typeface="Times New Roman" panose="02020603050405020304" pitchFamily="18" charset="0"/>
+            </a:endParaRPr>
+          </a:p>
+          <a:p>
+            <a:pPr>
+              <a:lnSpc>
+                <a:spcPct val="107000"/>
+              </a:lnSpc>
+              <a:spcAft>
+                <a:spcPts val="800"/>
+              </a:spcAft>
+            </a:pPr>
+            <a:r>
+              <a:rPr lang="en-IN" sz="1800" kern="100" dirty="0">
+                <a:effectLst/>
+                <a:latin typeface="Calibri" panose="020F0502020204030204" pitchFamily="34" charset="0"/>
+                <a:ea typeface="Calibri" panose="020F0502020204030204" pitchFamily="34" charset="0"/>
+                <a:cs typeface="Times New Roman" panose="02020603050405020304" pitchFamily="18" charset="0"/>
+              </a:rPr>
+              <a:t>}; </a:t>
+            </a:r>
+            <a:endParaRPr lang="en-IN" sz="2000" kern="100" dirty="0">
+              <a:effectLst/>
+              <a:latin typeface="Aptos" panose="020B0004020202020204" pitchFamily="34" charset="0"/>
+              <a:ea typeface="Times New Roman" panose="02020603050405020304" pitchFamily="18" charset="0"/>
+              <a:cs typeface="Times New Roman" panose="02020603050405020304" pitchFamily="18" charset="0"/>
+            </a:endParaRPr>
+          </a:p>
+          <a:p>
+            <a:r>
+              <a:rPr lang="en-IN" sz="1800" dirty="0">
+                <a:effectLst/>
+                <a:latin typeface="Calibri" panose="020F0502020204030204" pitchFamily="34" charset="0"/>
+                <a:ea typeface="Calibri" panose="020F0502020204030204" pitchFamily="34" charset="0"/>
+              </a:rPr>
+              <a:t>export default </a:t>
+            </a:r>
+            <a:r>
+              <a:rPr lang="en-IN" sz="1800" dirty="0" err="1">
+                <a:effectLst/>
+                <a:latin typeface="Calibri" panose="020F0502020204030204" pitchFamily="34" charset="0"/>
+                <a:ea typeface="Calibri" panose="020F0502020204030204" pitchFamily="34" charset="0"/>
+              </a:rPr>
+              <a:t>FunctionalComponent</a:t>
+            </a:r>
+            <a:r>
+              <a:rPr lang="en-IN" sz="1800" dirty="0">
+                <a:effectLst/>
+                <a:latin typeface="Calibri" panose="020F0502020204030204" pitchFamily="34" charset="0"/>
+                <a:ea typeface="Calibri" panose="020F0502020204030204" pitchFamily="34" charset="0"/>
+              </a:rPr>
+              <a:t>;</a:t>
+            </a:r>
+            <a:endParaRPr lang="en-IN" dirty="0"/>
+          </a:p>
+        </p:txBody>
+      </p:sp>
+      <p:sp>
+        <p:nvSpPr>
+          <p:cNvPr id="9" name="TextBox 8"/>
+          <p:cNvSpPr txBox="1"/>
+          <p:nvPr/>
+        </p:nvSpPr>
+        <p:spPr>
+          <a:xfrm>
+            <a:off x="6608064" y="690077"/>
+            <a:ext cx="5242560" cy="5917838"/>
+          </a:xfrm>
+          <a:prstGeom prst="rect">
+            <a:avLst/>
+          </a:prstGeom>
+          <a:noFill/>
+        </p:spPr>
+        <p:txBody>
+          <a:bodyPr wrap="square">
+            <a:spAutoFit/>
+          </a:bodyPr>
+          <a:lstStyle/>
+          <a:p>
+            <a:pPr marL="342900" lvl="0" indent="-342900">
+              <a:lnSpc>
+                <a:spcPct val="115000"/>
+              </a:lnSpc>
+              <a:spcAft>
+                <a:spcPts val="800"/>
+              </a:spcAft>
+              <a:buFont typeface="Arial" panose="020B0604020202020204" pitchFamily="34" charset="0"/>
+              <a:buChar char="•"/>
+              <a:tabLst>
+                <a:tab pos="457200" algn="l"/>
+              </a:tabLst>
+            </a:pPr>
+            <a:r>
+              <a:rPr lang="en-IN" sz="2000" b="1" kern="100" dirty="0">
+                <a:solidFill>
+                  <a:srgbClr val="0D0D0D"/>
+                </a:solidFill>
+                <a:effectLst/>
+                <a:latin typeface="Segoe UI" panose="020B0502040204020203" charset="0"/>
+                <a:ea typeface="Segoe UI" panose="020B0502040204020203" charset="0"/>
+                <a:cs typeface="Times New Roman" panose="02020603050405020304" pitchFamily="18" charset="0"/>
+              </a:rPr>
+              <a:t>Class-Based Components:</a:t>
+            </a:r>
+            <a:endParaRPr lang="en-IN" sz="2000" kern="100" dirty="0">
+              <a:effectLst/>
+              <a:latin typeface="Aptos" panose="020B0004020202020204" pitchFamily="34" charset="0"/>
+              <a:ea typeface="Times New Roman" panose="02020603050405020304" pitchFamily="18" charset="0"/>
+              <a:cs typeface="Times New Roman" panose="02020603050405020304" pitchFamily="18" charset="0"/>
+            </a:endParaRPr>
+          </a:p>
+          <a:p>
+            <a:pPr>
+              <a:lnSpc>
+                <a:spcPct val="107000"/>
+              </a:lnSpc>
+              <a:spcAft>
+                <a:spcPts val="800"/>
+              </a:spcAft>
+            </a:pPr>
+            <a:br>
+              <a:rPr lang="en-IN" sz="1600" kern="100" dirty="0">
+                <a:solidFill>
+                  <a:srgbClr val="0D0D0D"/>
+                </a:solidFill>
+                <a:effectLst/>
+                <a:latin typeface="Segoe UI" panose="020B0502040204020203" charset="0"/>
+                <a:ea typeface="Segoe UI" panose="020B0502040204020203" charset="0"/>
+                <a:cs typeface="Times New Roman" panose="02020603050405020304" pitchFamily="18" charset="0"/>
+              </a:rPr>
+            </a:br>
+            <a:r>
+              <a:rPr lang="en-IN" sz="1800" kern="100" dirty="0">
+                <a:effectLst/>
+                <a:latin typeface="Calibri" panose="020F0502020204030204" pitchFamily="34" charset="0"/>
+                <a:ea typeface="Calibri" panose="020F0502020204030204" pitchFamily="34" charset="0"/>
+                <a:cs typeface="Times New Roman" panose="02020603050405020304" pitchFamily="18" charset="0"/>
+              </a:rPr>
+              <a:t>import React, { Component } from 'react';</a:t>
+            </a:r>
+            <a:endParaRPr lang="en-IN" sz="2000" kern="100" dirty="0">
+              <a:effectLst/>
+              <a:latin typeface="Aptos" panose="020B0004020202020204" pitchFamily="34" charset="0"/>
+              <a:ea typeface="Times New Roman" panose="02020603050405020304" pitchFamily="18" charset="0"/>
+              <a:cs typeface="Times New Roman" panose="02020603050405020304" pitchFamily="18" charset="0"/>
+            </a:endParaRPr>
+          </a:p>
+          <a:p>
+            <a:pPr>
+              <a:lnSpc>
+                <a:spcPct val="107000"/>
+              </a:lnSpc>
+              <a:spcAft>
+                <a:spcPts val="800"/>
+              </a:spcAft>
+            </a:pPr>
+            <a:r>
+              <a:rPr lang="en-IN" sz="1800" kern="100" dirty="0">
+                <a:effectLst/>
+                <a:latin typeface="Calibri" panose="020F0502020204030204" pitchFamily="34" charset="0"/>
+                <a:ea typeface="Calibri" panose="020F0502020204030204" pitchFamily="34" charset="0"/>
+                <a:cs typeface="Times New Roman" panose="02020603050405020304" pitchFamily="18" charset="0"/>
+              </a:rPr>
+              <a:t> </a:t>
+            </a:r>
+            <a:endParaRPr lang="en-IN" sz="2000" kern="100" dirty="0">
+              <a:effectLst/>
+              <a:latin typeface="Aptos" panose="020B0004020202020204" pitchFamily="34" charset="0"/>
+              <a:ea typeface="Times New Roman" panose="02020603050405020304" pitchFamily="18" charset="0"/>
+              <a:cs typeface="Times New Roman" panose="02020603050405020304" pitchFamily="18" charset="0"/>
+            </a:endParaRPr>
+          </a:p>
+          <a:p>
+            <a:pPr>
+              <a:lnSpc>
+                <a:spcPct val="107000"/>
+              </a:lnSpc>
+              <a:spcAft>
+                <a:spcPts val="800"/>
+              </a:spcAft>
+            </a:pPr>
+            <a:r>
+              <a:rPr lang="en-IN" sz="1800" kern="100" dirty="0">
+                <a:effectLst/>
+                <a:latin typeface="Calibri" panose="020F0502020204030204" pitchFamily="34" charset="0"/>
+                <a:ea typeface="Calibri" panose="020F0502020204030204" pitchFamily="34" charset="0"/>
+                <a:cs typeface="Times New Roman" panose="02020603050405020304" pitchFamily="18" charset="0"/>
+              </a:rPr>
+              <a:t>class </a:t>
+            </a:r>
+            <a:r>
+              <a:rPr lang="en-IN" sz="1800" kern="100" dirty="0" err="1">
+                <a:effectLst/>
+                <a:latin typeface="Calibri" panose="020F0502020204030204" pitchFamily="34" charset="0"/>
+                <a:ea typeface="Calibri" panose="020F0502020204030204" pitchFamily="34" charset="0"/>
+                <a:cs typeface="Times New Roman" panose="02020603050405020304" pitchFamily="18" charset="0"/>
+              </a:rPr>
+              <a:t>ClassComponent</a:t>
+            </a:r>
+            <a:r>
+              <a:rPr lang="en-IN" sz="1800" kern="100" dirty="0">
+                <a:effectLst/>
+                <a:latin typeface="Calibri" panose="020F0502020204030204" pitchFamily="34" charset="0"/>
+                <a:ea typeface="Calibri" panose="020F0502020204030204" pitchFamily="34" charset="0"/>
+                <a:cs typeface="Times New Roman" panose="02020603050405020304" pitchFamily="18" charset="0"/>
+              </a:rPr>
+              <a:t> extends Component {</a:t>
+            </a:r>
+            <a:endParaRPr lang="en-IN" sz="2000" kern="100" dirty="0">
+              <a:effectLst/>
+              <a:latin typeface="Aptos" panose="020B0004020202020204" pitchFamily="34" charset="0"/>
+              <a:ea typeface="Times New Roman" panose="02020603050405020304" pitchFamily="18" charset="0"/>
+              <a:cs typeface="Times New Roman" panose="02020603050405020304" pitchFamily="18" charset="0"/>
+            </a:endParaRPr>
+          </a:p>
+          <a:p>
+            <a:pPr>
+              <a:lnSpc>
+                <a:spcPct val="107000"/>
+              </a:lnSpc>
+              <a:spcAft>
+                <a:spcPts val="800"/>
+              </a:spcAft>
+            </a:pPr>
+            <a:r>
+              <a:rPr lang="en-IN" sz="1800" kern="100" dirty="0">
+                <a:effectLst/>
+                <a:latin typeface="Calibri" panose="020F0502020204030204" pitchFamily="34" charset="0"/>
+                <a:ea typeface="Calibri" panose="020F0502020204030204" pitchFamily="34" charset="0"/>
+                <a:cs typeface="Times New Roman" panose="02020603050405020304" pitchFamily="18" charset="0"/>
+              </a:rPr>
+              <a:t>  render() {</a:t>
+            </a:r>
+            <a:endParaRPr lang="en-IN" sz="2000" kern="100" dirty="0">
+              <a:effectLst/>
+              <a:latin typeface="Aptos" panose="020B0004020202020204" pitchFamily="34" charset="0"/>
+              <a:ea typeface="Times New Roman" panose="02020603050405020304" pitchFamily="18" charset="0"/>
+              <a:cs typeface="Times New Roman" panose="02020603050405020304" pitchFamily="18" charset="0"/>
+            </a:endParaRPr>
+          </a:p>
+          <a:p>
+            <a:pPr>
+              <a:lnSpc>
+                <a:spcPct val="107000"/>
+              </a:lnSpc>
+              <a:spcAft>
+                <a:spcPts val="800"/>
+              </a:spcAft>
+            </a:pPr>
+            <a:r>
+              <a:rPr lang="en-IN" sz="1800" kern="100" dirty="0">
+                <a:effectLst/>
+                <a:latin typeface="Calibri" panose="020F0502020204030204" pitchFamily="34" charset="0"/>
+                <a:ea typeface="Calibri" panose="020F0502020204030204" pitchFamily="34" charset="0"/>
+                <a:cs typeface="Times New Roman" panose="02020603050405020304" pitchFamily="18" charset="0"/>
+              </a:rPr>
+              <a:t>    return (</a:t>
+            </a:r>
+            <a:endParaRPr lang="en-IN" sz="2000" kern="100" dirty="0">
+              <a:effectLst/>
+              <a:latin typeface="Aptos" panose="020B0004020202020204" pitchFamily="34" charset="0"/>
+              <a:ea typeface="Times New Roman" panose="02020603050405020304" pitchFamily="18" charset="0"/>
+              <a:cs typeface="Times New Roman" panose="02020603050405020304" pitchFamily="18" charset="0"/>
+            </a:endParaRPr>
+          </a:p>
+          <a:p>
+            <a:pPr>
+              <a:lnSpc>
+                <a:spcPct val="107000"/>
+              </a:lnSpc>
+              <a:spcAft>
+                <a:spcPts val="800"/>
+              </a:spcAft>
+            </a:pPr>
+            <a:r>
+              <a:rPr lang="en-IN" sz="1800" kern="100" dirty="0">
+                <a:effectLst/>
+                <a:latin typeface="Calibri" panose="020F0502020204030204" pitchFamily="34" charset="0"/>
+                <a:ea typeface="Calibri" panose="020F0502020204030204" pitchFamily="34" charset="0"/>
+                <a:cs typeface="Times New Roman" panose="02020603050405020304" pitchFamily="18" charset="0"/>
+              </a:rPr>
+              <a:t>      &lt;div&gt;</a:t>
+            </a:r>
+            <a:endParaRPr lang="en-IN" sz="2000" kern="100" dirty="0">
+              <a:effectLst/>
+              <a:latin typeface="Aptos" panose="020B0004020202020204" pitchFamily="34" charset="0"/>
+              <a:ea typeface="Times New Roman" panose="02020603050405020304" pitchFamily="18" charset="0"/>
+              <a:cs typeface="Times New Roman" panose="02020603050405020304" pitchFamily="18" charset="0"/>
+            </a:endParaRPr>
+          </a:p>
+          <a:p>
+            <a:pPr>
+              <a:lnSpc>
+                <a:spcPct val="107000"/>
+              </a:lnSpc>
+              <a:spcAft>
+                <a:spcPts val="800"/>
+              </a:spcAft>
+            </a:pPr>
+            <a:r>
+              <a:rPr lang="en-IN" sz="1800" kern="100" dirty="0">
+                <a:effectLst/>
+                <a:latin typeface="Calibri" panose="020F0502020204030204" pitchFamily="34" charset="0"/>
+                <a:ea typeface="Calibri" panose="020F0502020204030204" pitchFamily="34" charset="0"/>
+                <a:cs typeface="Times New Roman" panose="02020603050405020304" pitchFamily="18" charset="0"/>
+              </a:rPr>
+              <a:t>        &lt;h1&gt;Hello, {this.props.name}!&lt;/h1&gt;</a:t>
+            </a:r>
+            <a:endParaRPr lang="en-IN" sz="2000" kern="100" dirty="0">
+              <a:effectLst/>
+              <a:latin typeface="Aptos" panose="020B0004020202020204" pitchFamily="34" charset="0"/>
+              <a:ea typeface="Times New Roman" panose="02020603050405020304" pitchFamily="18" charset="0"/>
+              <a:cs typeface="Times New Roman" panose="02020603050405020304" pitchFamily="18" charset="0"/>
+            </a:endParaRPr>
+          </a:p>
+          <a:p>
+            <a:pPr>
+              <a:lnSpc>
+                <a:spcPct val="107000"/>
+              </a:lnSpc>
+              <a:spcAft>
+                <a:spcPts val="800"/>
+              </a:spcAft>
+            </a:pPr>
+            <a:r>
+              <a:rPr lang="en-IN" sz="1800" kern="100" dirty="0">
+                <a:effectLst/>
+                <a:latin typeface="Calibri" panose="020F0502020204030204" pitchFamily="34" charset="0"/>
+                <a:ea typeface="Calibri" panose="020F0502020204030204" pitchFamily="34" charset="0"/>
+                <a:cs typeface="Times New Roman" panose="02020603050405020304" pitchFamily="18" charset="0"/>
+              </a:rPr>
+              <a:t>        &lt;p&gt;This is a class-based component.&lt;/p&gt;</a:t>
+            </a:r>
+            <a:endParaRPr lang="en-IN" sz="2000" kern="100" dirty="0">
+              <a:effectLst/>
+              <a:latin typeface="Aptos" panose="020B0004020202020204" pitchFamily="34" charset="0"/>
+              <a:ea typeface="Times New Roman" panose="02020603050405020304" pitchFamily="18" charset="0"/>
+              <a:cs typeface="Times New Roman" panose="02020603050405020304" pitchFamily="18" charset="0"/>
+            </a:endParaRPr>
+          </a:p>
+          <a:p>
+            <a:pPr>
+              <a:lnSpc>
+                <a:spcPct val="107000"/>
+              </a:lnSpc>
+              <a:spcAft>
+                <a:spcPts val="800"/>
+              </a:spcAft>
+            </a:pPr>
+            <a:r>
+              <a:rPr lang="en-IN" sz="1800" kern="100" dirty="0">
+                <a:effectLst/>
+                <a:latin typeface="Calibri" panose="020F0502020204030204" pitchFamily="34" charset="0"/>
+                <a:ea typeface="Calibri" panose="020F0502020204030204" pitchFamily="34" charset="0"/>
+                <a:cs typeface="Times New Roman" panose="02020603050405020304" pitchFamily="18" charset="0"/>
+              </a:rPr>
+              <a:t>      &lt;/div&gt;</a:t>
+            </a:r>
+            <a:endParaRPr lang="en-IN" sz="2000" kern="100" dirty="0">
+              <a:effectLst/>
+              <a:latin typeface="Aptos" panose="020B0004020202020204" pitchFamily="34" charset="0"/>
+              <a:ea typeface="Times New Roman" panose="02020603050405020304" pitchFamily="18" charset="0"/>
+              <a:cs typeface="Times New Roman" panose="02020603050405020304" pitchFamily="18" charset="0"/>
+            </a:endParaRPr>
+          </a:p>
+          <a:p>
+            <a:pPr>
+              <a:lnSpc>
+                <a:spcPct val="107000"/>
+              </a:lnSpc>
+              <a:spcAft>
+                <a:spcPts val="800"/>
+              </a:spcAft>
+            </a:pPr>
+            <a:r>
+              <a:rPr lang="en-IN" sz="1800" kern="100" dirty="0">
+                <a:effectLst/>
+                <a:latin typeface="Calibri" panose="020F0502020204030204" pitchFamily="34" charset="0"/>
+                <a:ea typeface="Calibri" panose="020F0502020204030204" pitchFamily="34" charset="0"/>
+                <a:cs typeface="Times New Roman" panose="02020603050405020304" pitchFamily="18" charset="0"/>
+              </a:rPr>
+              <a:t>    );</a:t>
+            </a:r>
+            <a:endParaRPr lang="en-IN" sz="2000" kern="100" dirty="0">
+              <a:effectLst/>
+              <a:latin typeface="Aptos" panose="020B0004020202020204" pitchFamily="34" charset="0"/>
+              <a:ea typeface="Times New Roman" panose="02020603050405020304" pitchFamily="18" charset="0"/>
+              <a:cs typeface="Times New Roman" panose="02020603050405020304" pitchFamily="18" charset="0"/>
+            </a:endParaRPr>
+          </a:p>
+          <a:p>
+            <a:pPr>
+              <a:lnSpc>
+                <a:spcPct val="107000"/>
+              </a:lnSpc>
+              <a:spcAft>
+                <a:spcPts val="800"/>
+              </a:spcAft>
+            </a:pPr>
+            <a:r>
+              <a:rPr lang="en-IN" sz="1800" kern="100" dirty="0">
+                <a:effectLst/>
+                <a:latin typeface="Calibri" panose="020F0502020204030204" pitchFamily="34" charset="0"/>
+                <a:ea typeface="Calibri" panose="020F0502020204030204" pitchFamily="34" charset="0"/>
+                <a:cs typeface="Times New Roman" panose="02020603050405020304" pitchFamily="18" charset="0"/>
+              </a:rPr>
+              <a:t>  }</a:t>
+            </a:r>
+            <a:endParaRPr lang="en-IN" sz="2000" kern="100" dirty="0">
+              <a:effectLst/>
+              <a:latin typeface="Aptos" panose="020B0004020202020204" pitchFamily="34" charset="0"/>
+              <a:ea typeface="Times New Roman" panose="02020603050405020304" pitchFamily="18" charset="0"/>
+              <a:cs typeface="Times New Roman" panose="02020603050405020304" pitchFamily="18" charset="0"/>
+            </a:endParaRPr>
+          </a:p>
+          <a:p>
+            <a:pPr>
+              <a:lnSpc>
+                <a:spcPct val="107000"/>
+              </a:lnSpc>
+              <a:spcAft>
+                <a:spcPts val="800"/>
+              </a:spcAft>
+            </a:pPr>
+            <a:r>
+              <a:rPr lang="en-IN" sz="1800" kern="100" dirty="0">
+                <a:effectLst/>
+                <a:latin typeface="Calibri" panose="020F0502020204030204" pitchFamily="34" charset="0"/>
+                <a:ea typeface="Calibri" panose="020F0502020204030204" pitchFamily="34" charset="0"/>
+                <a:cs typeface="Times New Roman" panose="02020603050405020304" pitchFamily="18" charset="0"/>
+              </a:rPr>
+              <a:t>}</a:t>
+            </a:r>
+            <a:endParaRPr lang="en-IN" sz="1800" kern="100" dirty="0">
+              <a:effectLst/>
+              <a:latin typeface="Calibri" panose="020F0502020204030204" pitchFamily="34" charset="0"/>
+              <a:ea typeface="Calibri" panose="020F0502020204030204" pitchFamily="34" charset="0"/>
+              <a:cs typeface="Times New Roman" panose="02020603050405020304" pitchFamily="18" charset="0"/>
+            </a:endParaRPr>
+          </a:p>
+          <a:p>
+            <a:pPr>
+              <a:lnSpc>
+                <a:spcPct val="107000"/>
+              </a:lnSpc>
+              <a:spcAft>
+                <a:spcPts val="800"/>
+              </a:spcAft>
+            </a:pPr>
+            <a:r>
+              <a:rPr lang="en-IN" sz="1800" dirty="0">
+                <a:effectLst/>
+                <a:latin typeface="Calibri" panose="020F0502020204030204" pitchFamily="34" charset="0"/>
+                <a:ea typeface="Calibri" panose="020F0502020204030204" pitchFamily="34" charset="0"/>
+              </a:rPr>
+              <a:t>export default </a:t>
+            </a:r>
+            <a:r>
+              <a:rPr lang="en-IN" sz="1800" dirty="0" err="1">
+                <a:effectLst/>
+                <a:latin typeface="Calibri" panose="020F0502020204030204" pitchFamily="34" charset="0"/>
+                <a:ea typeface="Calibri" panose="020F0502020204030204" pitchFamily="34" charset="0"/>
+              </a:rPr>
+              <a:t>ClassComponent</a:t>
+            </a:r>
+            <a:r>
+              <a:rPr lang="en-IN" sz="1800" dirty="0">
+                <a:effectLst/>
+                <a:latin typeface="Calibri" panose="020F0502020204030204" pitchFamily="34" charset="0"/>
+                <a:ea typeface="Calibri" panose="020F0502020204030204" pitchFamily="34" charset="0"/>
+              </a:rPr>
+              <a:t>;</a:t>
+            </a:r>
+            <a:endParaRPr lang="en-IN" sz="2000" kern="100" dirty="0">
+              <a:effectLst/>
+              <a:latin typeface="Aptos" panose="020B0004020202020204" pitchFamily="34" charset="0"/>
+              <a:ea typeface="Times New Roman" panose="02020603050405020304" pitchFamily="18" charset="0"/>
+              <a:cs typeface="Times New Roman" panose="02020603050405020304" pitchFamily="18" charset="0"/>
+            </a:endParaRPr>
+          </a:p>
+        </p:txBody>
+      </p:sp>
+    </p:spTree>
+  </p:cSld>
+  <p:clrMapOvr>
+    <a:masterClrMapping/>
+  </p:clrMapOvr>
+</p:sld>
+</file>
+
+<file path=ppt/slides/slide9.xml><?xml version="1.0" encoding="utf-8"?>
+<p:sld xmlns:a="http://schemas.openxmlformats.org/drawingml/2006/main" xmlns:r="http://schemas.openxmlformats.org/officeDocument/2006/relationships" xmlns:p="http://schemas.openxmlformats.org/presentationml/2006/main">
+  <p:cSld>
+    <p:spTree>
+      <p:nvGrpSpPr>
+        <p:cNvPr id="1" name=""/>
+        <p:cNvGrpSpPr/>
+        <p:nvPr/>
+      </p:nvGrpSpPr>
+      <p:grpSpPr>
+        <a:xfrm>
+          <a:off x="0" y="0"/>
+          <a:ext cx="0" cy="0"/>
+          <a:chOff x="0" y="0"/>
+          <a:chExt cx="0" cy="0"/>
+        </a:xfrm>
+      </p:grpSpPr>
+      <p:sp>
+        <p:nvSpPr>
+          <p:cNvPr id="3" name="Content Placeholder 2"/>
+          <p:cNvSpPr>
+            <a:spLocks noGrp="1"/>
+          </p:cNvSpPr>
+          <p:nvPr>
+            <p:ph idx="1"/>
+          </p:nvPr>
+        </p:nvSpPr>
+        <p:spPr>
+          <a:xfrm>
+            <a:off x="1103312" y="2052918"/>
+            <a:ext cx="11088688" cy="4195481"/>
+          </a:xfrm>
+        </p:spPr>
+        <p:txBody>
+          <a:bodyPr>
+            <a:normAutofit/>
+          </a:bodyPr>
+          <a:lstStyle/>
+          <a:p>
+            <a:r>
+              <a:rPr lang="en-IN" sz="2400" dirty="0">
+                <a:effectLst/>
+                <a:latin typeface="Segoe UI" panose="020B0502040204020203" charset="0"/>
+                <a:ea typeface="Segoe UI" panose="020B0502040204020203" charset="0"/>
+              </a:rPr>
+              <a:t>Functional components are simpler and more lightweight compared to class-based components. </a:t>
+            </a:r>
+            <a:endParaRPr lang="en-IN" sz="2400" dirty="0">
+              <a:effectLst/>
+              <a:latin typeface="Segoe UI" panose="020B0502040204020203" charset="0"/>
+              <a:ea typeface="Segoe UI" panose="020B0502040204020203" charset="0"/>
+            </a:endParaRPr>
+          </a:p>
+          <a:p>
+            <a:r>
+              <a:rPr lang="en-IN" sz="2400" dirty="0">
+                <a:effectLst/>
+                <a:latin typeface="Segoe UI" panose="020B0502040204020203" charset="0"/>
+                <a:ea typeface="Segoe UI" panose="020B0502040204020203" charset="0"/>
+              </a:rPr>
+              <a:t>They are recommended for writing presentational components that do not need to manage state or use lifecycle methods. </a:t>
+            </a:r>
+            <a:endParaRPr lang="en-IN" sz="2400" dirty="0">
+              <a:effectLst/>
+              <a:latin typeface="Segoe UI" panose="020B0502040204020203" charset="0"/>
+              <a:ea typeface="Segoe UI" panose="020B0502040204020203" charset="0"/>
+            </a:endParaRPr>
+          </a:p>
+          <a:p>
+            <a:r>
+              <a:rPr lang="en-IN" sz="2400" dirty="0">
+                <a:effectLst/>
+                <a:latin typeface="Segoe UI" panose="020B0502040204020203" charset="0"/>
+                <a:ea typeface="Segoe UI" panose="020B0502040204020203" charset="0"/>
+              </a:rPr>
+              <a:t>With the introduction of React Hooks, functional components gained the ability to manage state and use lifecycle methods, making them even more versatile.</a:t>
+            </a:r>
+            <a:endParaRPr lang="en-IN" sz="2800" dirty="0"/>
+          </a:p>
+        </p:txBody>
+      </p:sp>
+    </p:spTree>
+  </p:cSld>
+  <p:clrMapOvr>
+    <a:masterClrMapping/>
+  </p:clrMapOvr>
+</p:sld>
+</file>
+
+<file path=ppt/tags/tag1.xml><?xml version="1.0" encoding="utf-8"?>
+<p:tagLst xmlns:p="http://schemas.openxmlformats.org/presentationml/2006/main">
+  <p:tag name="TABLE_ENDDRAG_ORIGIN_RECT" val="855*139"/>
+  <p:tag name="TABLE_ENDDRAG_RECT" val="36*156*855*139"/>
+</p:tagLst>
 </file>
 
 <file path=ppt/theme/theme1.xml><?xml version="1.0" encoding="utf-8"?>

--- a/React PPT.pptx
+++ b/React PPT.pptx
@@ -28,6 +28,16 @@
     <p:sldId id="278" r:id="rId23"/>
     <p:sldId id="279" r:id="rId24"/>
     <p:sldId id="280" r:id="rId25"/>
+    <p:sldId id="281" r:id="rId26"/>
+    <p:sldId id="282" r:id="rId27"/>
+    <p:sldId id="283" r:id="rId28"/>
+    <p:sldId id="284" r:id="rId29"/>
+    <p:sldId id="285" r:id="rId30"/>
+    <p:sldId id="286" r:id="rId31"/>
+    <p:sldId id="287" r:id="rId32"/>
+    <p:sldId id="288" r:id="rId33"/>
+    <p:sldId id="289" r:id="rId34"/>
+    <p:sldId id="290" r:id="rId35"/>
   </p:sldIdLst>
   <p:sldSz cx="12192000" cy="6858000"/>
   <p:notesSz cx="6858000" cy="9144000"/>
@@ -8379,6 +8389,1974 @@
 </p:sld>
 </file>
 
+<file path=ppt/slides/slide24.xml><?xml version="1.0" encoding="utf-8"?>
+<p:sld xmlns:a="http://schemas.openxmlformats.org/drawingml/2006/main" xmlns:r="http://schemas.openxmlformats.org/officeDocument/2006/relationships" xmlns:p="http://schemas.openxmlformats.org/presentationml/2006/main">
+  <p:cSld>
+    <p:spTree>
+      <p:nvGrpSpPr>
+        <p:cNvPr id="1" name=""/>
+        <p:cNvGrpSpPr/>
+        <p:nvPr/>
+      </p:nvGrpSpPr>
+      <p:grpSpPr>
+        <a:xfrm>
+          <a:off x="0" y="0"/>
+          <a:ext cx="0" cy="0"/>
+          <a:chOff x="0" y="0"/>
+          <a:chExt cx="0" cy="0"/>
+        </a:xfrm>
+      </p:grpSpPr>
+      <p:sp>
+        <p:nvSpPr>
+          <p:cNvPr id="2" name="Title 1"/>
+          <p:cNvSpPr>
+            <a:spLocks noGrp="1"/>
+          </p:cNvSpPr>
+          <p:nvPr>
+            <p:ph type="title"/>
+          </p:nvPr>
+        </p:nvSpPr>
+        <p:spPr/>
+        <p:txBody>
+          <a:bodyPr/>
+          <a:lstStyle/>
+          <a:p>
+            <a:r>
+              <a:rPr lang="en-US" dirty="0"/>
+              <a:t>Context API</a:t>
+            </a:r>
+            <a:endParaRPr lang="en-IN" dirty="0"/>
+          </a:p>
+        </p:txBody>
+      </p:sp>
+      <p:sp>
+        <p:nvSpPr>
+          <p:cNvPr id="3" name="Content Placeholder 2"/>
+          <p:cNvSpPr>
+            <a:spLocks noGrp="1"/>
+          </p:cNvSpPr>
+          <p:nvPr>
+            <p:ph idx="1"/>
+          </p:nvPr>
+        </p:nvSpPr>
+        <p:spPr/>
+        <p:txBody>
+          <a:bodyPr/>
+          <a:lstStyle/>
+          <a:p>
+            <a:r>
+              <a:rPr lang="en-IN" dirty="0"/>
+              <a:t>What is Context API?</a:t>
+            </a:r>
+            <a:endParaRPr lang="en-IN" dirty="0"/>
+          </a:p>
+          <a:p>
+            <a:endParaRPr lang="en-IN" dirty="0"/>
+          </a:p>
+          <a:p>
+            <a:endParaRPr lang="en-IN" dirty="0"/>
+          </a:p>
+        </p:txBody>
+      </p:sp>
+      <p:sp>
+        <p:nvSpPr>
+          <p:cNvPr id="4" name="Rectangle 1"/>
+          <p:cNvSpPr>
+            <a:spLocks noChangeArrowheads="1"/>
+          </p:cNvSpPr>
+          <p:nvPr/>
+        </p:nvSpPr>
+        <p:spPr bwMode="auto">
+          <a:xfrm>
+            <a:off x="1103312" y="2673330"/>
+            <a:ext cx="10400430" cy="1477328"/>
+          </a:xfrm>
+          <a:prstGeom prst="rect">
+            <a:avLst/>
+          </a:prstGeom>
+          <a:noFill/>
+          <a:ln>
+            <a:noFill/>
+          </a:ln>
+          <a:effectLst/>
+          <a:extLst>
+            <a:ext uri="{909E8E84-426E-40DD-AFC4-6F175D3DCCD1}">
+              <a14:hiddenFill xmlns:a14="http://schemas.microsoft.com/office/drawing/2010/main">
+                <a:solidFill>
+                  <a:schemeClr val="accent1"/>
+                </a:solidFill>
+              </a14:hiddenFill>
+            </a:ext>
+            <a:ext uri="{91240B29-F687-4F45-9708-019B960494DF}">
+              <a14:hiddenLine xmlns:a14="http://schemas.microsoft.com/office/drawing/2010/main" w="9525">
+                <a:solidFill>
+                  <a:schemeClr val="tx1"/>
+                </a:solidFill>
+                <a:miter lim="800000"/>
+                <a:headEnd/>
+                <a:tailEnd/>
+              </a14:hiddenLine>
+            </a:ext>
+            <a:ext uri="{AF507438-7753-43E0-B8FC-AC1667EBCBE1}">
+              <a14:hiddenEffects xmlns:a14="http://schemas.microsoft.com/office/drawing/2010/main">
+                <a:effectLst>
+                  <a:outerShdw dist="35921" dir="2700000" algn="ctr" rotWithShape="0">
+                    <a:schemeClr val="bg2"/>
+                  </a:outerShdw>
+                </a:effectLst>
+              </a14:hiddenEffects>
+            </a:ext>
+          </a:extLst>
+        </p:spPr>
+        <p:txBody>
+          <a:bodyPr vert="horz" wrap="square" lIns="91440" tIns="45720" rIns="91440" bIns="45720" numCol="1" anchor="ctr" anchorCtr="0" compatLnSpc="1">
+            <a:spAutoFit/>
+          </a:bodyPr>
+          <a:lstStyle/>
+          <a:p>
+            <a:pPr marL="0" marR="0" lvl="0" indent="0" algn="l" defTabSz="914400" rtl="0" eaLnBrk="0" fontAlgn="base" latinLnBrk="0" hangingPunct="0">
+              <a:lnSpc>
+                <a:spcPct val="100000"/>
+              </a:lnSpc>
+              <a:spcBef>
+                <a:spcPct val="0"/>
+              </a:spcBef>
+              <a:spcAft>
+                <a:spcPct val="0"/>
+              </a:spcAft>
+              <a:buClrTx/>
+              <a:buSzTx/>
+              <a:buFontTx/>
+              <a:buNone/>
+            </a:pPr>
+            <a:endParaRPr kumimoji="0" lang="en-US" altLang="en-US" sz="1800" b="0" i="0" u="none" strike="noStrike" cap="none" normalizeH="0" baseline="0" dirty="0">
+              <a:ln>
+                <a:noFill/>
+              </a:ln>
+              <a:solidFill>
+                <a:schemeClr val="tx1"/>
+              </a:solidFill>
+              <a:effectLst/>
+              <a:latin typeface="Arial" panose="020B0604020202020204" pitchFamily="34" charset="0"/>
+            </a:endParaRPr>
+          </a:p>
+          <a:p>
+            <a:pPr marL="0" marR="0" lvl="0" indent="0" algn="l" defTabSz="914400" rtl="0" eaLnBrk="0" fontAlgn="base" latinLnBrk="0" hangingPunct="0">
+              <a:lnSpc>
+                <a:spcPct val="100000"/>
+              </a:lnSpc>
+              <a:spcBef>
+                <a:spcPct val="0"/>
+              </a:spcBef>
+              <a:spcAft>
+                <a:spcPct val="0"/>
+              </a:spcAft>
+              <a:buClrTx/>
+              <a:buSzTx/>
+              <a:buFontTx/>
+              <a:buChar char="•"/>
+            </a:pPr>
+            <a:r>
+              <a:rPr kumimoji="0" lang="en-US" altLang="en-US" sz="1800" b="0" i="0" u="none" strike="noStrike" cap="none" normalizeH="0" baseline="0" dirty="0">
+                <a:ln>
+                  <a:noFill/>
+                </a:ln>
+                <a:solidFill>
+                  <a:schemeClr val="tx1"/>
+                </a:solidFill>
+                <a:effectLst/>
+                <a:latin typeface="Arial" panose="020B0604020202020204" pitchFamily="34" charset="0"/>
+              </a:rPr>
+              <a:t>Used to manage </a:t>
+            </a:r>
+            <a:r>
+              <a:rPr kumimoji="0" lang="en-US" altLang="en-US" sz="1800" b="1" i="0" u="none" strike="noStrike" cap="none" normalizeH="0" baseline="0" dirty="0">
+                <a:ln>
+                  <a:noFill/>
+                </a:ln>
+                <a:solidFill>
+                  <a:schemeClr val="tx1"/>
+                </a:solidFill>
+                <a:effectLst/>
+                <a:latin typeface="Arial" panose="020B0604020202020204" pitchFamily="34" charset="0"/>
+              </a:rPr>
+              <a:t>global state</a:t>
+            </a:r>
+            <a:r>
+              <a:rPr kumimoji="0" lang="en-US" altLang="en-US" sz="1800" b="0" i="0" u="none" strike="noStrike" cap="none" normalizeH="0" baseline="0" dirty="0">
+                <a:ln>
+                  <a:noFill/>
+                </a:ln>
+                <a:solidFill>
+                  <a:schemeClr val="tx1"/>
+                </a:solidFill>
+                <a:effectLst/>
+                <a:latin typeface="Arial" panose="020B0604020202020204" pitchFamily="34" charset="0"/>
+              </a:rPr>
+              <a:t> and share data between components without prop drilling.</a:t>
+            </a:r>
+            <a:endParaRPr kumimoji="0" lang="en-US" altLang="en-US" sz="1800" b="0" i="0" u="none" strike="noStrike" cap="none" normalizeH="0" baseline="0" dirty="0">
+              <a:ln>
+                <a:noFill/>
+              </a:ln>
+              <a:solidFill>
+                <a:schemeClr val="tx1"/>
+              </a:solidFill>
+              <a:effectLst/>
+              <a:latin typeface="Arial" panose="020B0604020202020204" pitchFamily="34" charset="0"/>
+            </a:endParaRPr>
+          </a:p>
+          <a:p>
+            <a:pPr marL="0" marR="0" lvl="0" indent="0" algn="l" defTabSz="914400" rtl="0" eaLnBrk="0" fontAlgn="base" latinLnBrk="0" hangingPunct="0">
+              <a:lnSpc>
+                <a:spcPct val="100000"/>
+              </a:lnSpc>
+              <a:spcBef>
+                <a:spcPct val="0"/>
+              </a:spcBef>
+              <a:spcAft>
+                <a:spcPct val="0"/>
+              </a:spcAft>
+              <a:buClrTx/>
+              <a:buSzTx/>
+              <a:buFontTx/>
+              <a:buChar char="•"/>
+            </a:pPr>
+            <a:endParaRPr lang="en-US" altLang="en-US" dirty="0">
+              <a:latin typeface="Arial" panose="020B0604020202020204" pitchFamily="34" charset="0"/>
+            </a:endParaRPr>
+          </a:p>
+          <a:p>
+            <a:pPr marL="0" marR="0" lvl="0" indent="0" algn="l" defTabSz="914400" rtl="0" eaLnBrk="0" fontAlgn="base" latinLnBrk="0" hangingPunct="0">
+              <a:lnSpc>
+                <a:spcPct val="100000"/>
+              </a:lnSpc>
+              <a:spcBef>
+                <a:spcPct val="0"/>
+              </a:spcBef>
+              <a:spcAft>
+                <a:spcPct val="0"/>
+              </a:spcAft>
+              <a:buClrTx/>
+              <a:buSzTx/>
+              <a:buFontTx/>
+              <a:buChar char="•"/>
+            </a:pPr>
+            <a:endParaRPr kumimoji="0" lang="en-US" altLang="en-US" sz="1800" b="0" i="0" u="none" strike="noStrike" cap="none" normalizeH="0" baseline="0" dirty="0">
+              <a:ln>
+                <a:noFill/>
+              </a:ln>
+              <a:solidFill>
+                <a:schemeClr val="tx1"/>
+              </a:solidFill>
+              <a:effectLst/>
+              <a:latin typeface="Arial" panose="020B0604020202020204" pitchFamily="34" charset="0"/>
+            </a:endParaRPr>
+          </a:p>
+          <a:p>
+            <a:pPr marL="0" marR="0" lvl="0" indent="0" algn="l" defTabSz="914400" rtl="0" eaLnBrk="0" fontAlgn="base" latinLnBrk="0" hangingPunct="0">
+              <a:lnSpc>
+                <a:spcPct val="100000"/>
+              </a:lnSpc>
+              <a:spcBef>
+                <a:spcPct val="0"/>
+              </a:spcBef>
+              <a:spcAft>
+                <a:spcPct val="0"/>
+              </a:spcAft>
+              <a:buClrTx/>
+              <a:buSzTx/>
+              <a:buFontTx/>
+              <a:buChar char="•"/>
+            </a:pPr>
+            <a:r>
+              <a:rPr kumimoji="0" lang="en-US" altLang="en-US" sz="1800" b="0" i="0" u="none" strike="noStrike" cap="none" normalizeH="0" baseline="0" dirty="0">
+                <a:ln>
+                  <a:noFill/>
+                </a:ln>
+                <a:solidFill>
+                  <a:schemeClr val="tx1"/>
+                </a:solidFill>
+                <a:effectLst/>
+                <a:latin typeface="Arial" panose="020B0604020202020204" pitchFamily="34" charset="0"/>
+              </a:rPr>
+              <a:t>Creates a </a:t>
+            </a:r>
+            <a:r>
+              <a:rPr kumimoji="0" lang="en-US" altLang="en-US" sz="1800" b="1" i="0" u="none" strike="noStrike" cap="none" normalizeH="0" baseline="0" dirty="0">
+                <a:ln>
+                  <a:noFill/>
+                </a:ln>
+                <a:solidFill>
+                  <a:schemeClr val="tx1"/>
+                </a:solidFill>
+                <a:effectLst/>
+                <a:latin typeface="Arial" panose="020B0604020202020204" pitchFamily="34" charset="0"/>
+              </a:rPr>
+              <a:t>context object</a:t>
+            </a:r>
+            <a:r>
+              <a:rPr kumimoji="0" lang="en-US" altLang="en-US" sz="1800" b="0" i="0" u="none" strike="noStrike" cap="none" normalizeH="0" baseline="0" dirty="0">
+                <a:ln>
+                  <a:noFill/>
+                </a:ln>
+                <a:solidFill>
+                  <a:schemeClr val="tx1"/>
+                </a:solidFill>
+                <a:effectLst/>
+                <a:latin typeface="Arial" panose="020B0604020202020204" pitchFamily="34" charset="0"/>
+              </a:rPr>
+              <a:t> to hold the shared state. </a:t>
+            </a:r>
+            <a:endParaRPr kumimoji="0" lang="en-US" altLang="en-US" sz="1800" b="0" i="0" u="none" strike="noStrike" cap="none" normalizeH="0" baseline="0" dirty="0">
+              <a:ln>
+                <a:noFill/>
+              </a:ln>
+              <a:solidFill>
+                <a:schemeClr val="tx1"/>
+              </a:solidFill>
+              <a:effectLst/>
+              <a:latin typeface="Arial" panose="020B0604020202020204" pitchFamily="34" charset="0"/>
+            </a:endParaRPr>
+          </a:p>
+        </p:txBody>
+      </p:sp>
+    </p:spTree>
+  </p:cSld>
+  <p:clrMapOvr>
+    <a:masterClrMapping/>
+  </p:clrMapOvr>
+</p:sld>
+</file>
+
+<file path=ppt/slides/slide25.xml><?xml version="1.0" encoding="utf-8"?>
+<p:sld xmlns:a="http://schemas.openxmlformats.org/drawingml/2006/main" xmlns:r="http://schemas.openxmlformats.org/officeDocument/2006/relationships" xmlns:p="http://schemas.openxmlformats.org/presentationml/2006/main">
+  <p:cSld>
+    <p:spTree>
+      <p:nvGrpSpPr>
+        <p:cNvPr id="1" name=""/>
+        <p:cNvGrpSpPr/>
+        <p:nvPr/>
+      </p:nvGrpSpPr>
+      <p:grpSpPr>
+        <a:xfrm>
+          <a:off x="0" y="0"/>
+          <a:ext cx="0" cy="0"/>
+          <a:chOff x="0" y="0"/>
+          <a:chExt cx="0" cy="0"/>
+        </a:xfrm>
+      </p:grpSpPr>
+      <p:sp>
+        <p:nvSpPr>
+          <p:cNvPr id="2" name="Title 1"/>
+          <p:cNvSpPr>
+            <a:spLocks noGrp="1"/>
+          </p:cNvSpPr>
+          <p:nvPr>
+            <p:ph type="title"/>
+          </p:nvPr>
+        </p:nvSpPr>
+        <p:spPr/>
+        <p:txBody>
+          <a:bodyPr/>
+          <a:lstStyle/>
+          <a:p>
+            <a:r>
+              <a:rPr lang="en-US" dirty="0"/>
+              <a:t>Steps to Use Context API</a:t>
+            </a:r>
+            <a:endParaRPr lang="en-IN" dirty="0"/>
+          </a:p>
+        </p:txBody>
+      </p:sp>
+      <p:sp>
+        <p:nvSpPr>
+          <p:cNvPr id="6" name="Rectangle 2"/>
+          <p:cNvSpPr>
+            <a:spLocks noChangeArrowheads="1"/>
+          </p:cNvSpPr>
+          <p:nvPr/>
+        </p:nvSpPr>
+        <p:spPr bwMode="auto">
+          <a:xfrm>
+            <a:off x="646111" y="2199127"/>
+            <a:ext cx="9628189" cy="3539430"/>
+          </a:xfrm>
+          <a:prstGeom prst="rect">
+            <a:avLst/>
+          </a:prstGeom>
+          <a:noFill/>
+          <a:ln>
+            <a:noFill/>
+          </a:ln>
+          <a:effectLst/>
+          <a:extLst>
+            <a:ext uri="{909E8E84-426E-40DD-AFC4-6F175D3DCCD1}">
+              <a14:hiddenFill xmlns:a14="http://schemas.microsoft.com/office/drawing/2010/main">
+                <a:solidFill>
+                  <a:schemeClr val="accent1"/>
+                </a:solidFill>
+              </a14:hiddenFill>
+            </a:ext>
+            <a:ext uri="{91240B29-F687-4F45-9708-019B960494DF}">
+              <a14:hiddenLine xmlns:a14="http://schemas.microsoft.com/office/drawing/2010/main" w="9525">
+                <a:solidFill>
+                  <a:schemeClr val="tx1"/>
+                </a:solidFill>
+                <a:miter lim="800000"/>
+                <a:headEnd/>
+                <a:tailEnd/>
+              </a14:hiddenLine>
+            </a:ext>
+            <a:ext uri="{AF507438-7753-43E0-B8FC-AC1667EBCBE1}">
+              <a14:hiddenEffects xmlns:a14="http://schemas.microsoft.com/office/drawing/2010/main">
+                <a:effectLst>
+                  <a:outerShdw dist="35921" dir="2700000" algn="ctr" rotWithShape="0">
+                    <a:schemeClr val="bg2"/>
+                  </a:outerShdw>
+                </a:effectLst>
+              </a14:hiddenEffects>
+            </a:ext>
+          </a:extLst>
+        </p:spPr>
+        <p:txBody>
+          <a:bodyPr vert="horz" wrap="square" lIns="91440" tIns="45720" rIns="91440" bIns="45720" numCol="1" anchor="ctr" anchorCtr="0" compatLnSpc="1">
+            <a:spAutoFit/>
+          </a:bodyPr>
+          <a:lstStyle/>
+          <a:p>
+            <a:pPr marL="0" marR="0" lvl="0" indent="0" algn="l" defTabSz="914400" rtl="0" eaLnBrk="0" fontAlgn="base" latinLnBrk="0" hangingPunct="0">
+              <a:lnSpc>
+                <a:spcPct val="100000"/>
+              </a:lnSpc>
+              <a:spcBef>
+                <a:spcPct val="0"/>
+              </a:spcBef>
+              <a:spcAft>
+                <a:spcPct val="0"/>
+              </a:spcAft>
+              <a:buClrTx/>
+              <a:buSzTx/>
+              <a:buFontTx/>
+              <a:buChar char="•"/>
+            </a:pPr>
+            <a:r>
+              <a:rPr kumimoji="0" lang="en-US" altLang="en-US" sz="3200" b="1" i="0" u="none" strike="noStrike" cap="none" normalizeH="0" baseline="0" dirty="0">
+                <a:ln>
+                  <a:noFill/>
+                </a:ln>
+                <a:solidFill>
+                  <a:schemeClr val="tx1"/>
+                </a:solidFill>
+                <a:effectLst/>
+                <a:latin typeface="Arial" panose="020B0604020202020204" pitchFamily="34" charset="0"/>
+              </a:rPr>
+              <a:t>Create a Context</a:t>
+            </a:r>
+            <a:r>
+              <a:rPr kumimoji="0" lang="en-US" altLang="en-US" sz="3200" b="0" i="0" u="none" strike="noStrike" cap="none" normalizeH="0" baseline="0" dirty="0">
+                <a:ln>
+                  <a:noFill/>
+                </a:ln>
+                <a:solidFill>
+                  <a:schemeClr val="tx1"/>
+                </a:solidFill>
+                <a:effectLst/>
+                <a:latin typeface="Arial" panose="020B0604020202020204" pitchFamily="34" charset="0"/>
+              </a:rPr>
+              <a:t>:</a:t>
+            </a:r>
+            <a:endParaRPr kumimoji="0" lang="en-US" altLang="en-US" sz="1400" b="0" i="0" u="none" strike="noStrike" cap="none" normalizeH="0" baseline="0" dirty="0">
+              <a:ln>
+                <a:noFill/>
+              </a:ln>
+              <a:solidFill>
+                <a:schemeClr val="tx1"/>
+              </a:solidFill>
+              <a:effectLst/>
+              <a:latin typeface="Arial Unicode MS"/>
+            </a:endParaRPr>
+          </a:p>
+          <a:p>
+            <a:pPr marL="0" marR="0" lvl="0" indent="0" algn="l" defTabSz="914400" rtl="0" eaLnBrk="0" fontAlgn="base" latinLnBrk="0" hangingPunct="0">
+              <a:lnSpc>
+                <a:spcPct val="100000"/>
+              </a:lnSpc>
+              <a:spcBef>
+                <a:spcPct val="0"/>
+              </a:spcBef>
+              <a:spcAft>
+                <a:spcPct val="0"/>
+              </a:spcAft>
+              <a:buClrTx/>
+              <a:buSzTx/>
+              <a:buFontTx/>
+              <a:buNone/>
+            </a:pPr>
+            <a:r>
+              <a:rPr kumimoji="0" lang="en-US" altLang="en-US" sz="1400" b="0" i="0" u="none" strike="noStrike" cap="none" normalizeH="0" baseline="0" dirty="0">
+                <a:ln>
+                  <a:noFill/>
+                </a:ln>
+                <a:solidFill>
+                  <a:schemeClr val="tx1"/>
+                </a:solidFill>
+                <a:effectLst/>
+                <a:latin typeface="Arial Unicode MS"/>
+              </a:rPr>
+              <a:t>const </a:t>
+            </a:r>
+            <a:r>
+              <a:rPr kumimoji="0" lang="en-US" altLang="en-US" sz="1400" b="0" i="0" u="none" strike="noStrike" cap="none" normalizeH="0" baseline="0" dirty="0" err="1">
+                <a:ln>
+                  <a:noFill/>
+                </a:ln>
+                <a:solidFill>
+                  <a:schemeClr val="tx1"/>
+                </a:solidFill>
+                <a:effectLst/>
+                <a:latin typeface="Arial Unicode MS"/>
+              </a:rPr>
+              <a:t>MyContext</a:t>
+            </a:r>
+            <a:r>
+              <a:rPr kumimoji="0" lang="en-US" altLang="en-US" sz="1400" b="0" i="0" u="none" strike="noStrike" cap="none" normalizeH="0" baseline="0" dirty="0">
+                <a:ln>
+                  <a:noFill/>
+                </a:ln>
+                <a:solidFill>
+                  <a:schemeClr val="tx1"/>
+                </a:solidFill>
+                <a:effectLst/>
+                <a:latin typeface="Arial Unicode MS"/>
+              </a:rPr>
+              <a:t> = </a:t>
+            </a:r>
+            <a:r>
+              <a:rPr kumimoji="0" lang="en-US" altLang="en-US" sz="1400" b="0" i="0" u="none" strike="noStrike" cap="none" normalizeH="0" baseline="0" dirty="0" err="1">
+                <a:ln>
+                  <a:noFill/>
+                </a:ln>
+                <a:solidFill>
+                  <a:schemeClr val="tx1"/>
+                </a:solidFill>
+                <a:effectLst/>
+                <a:latin typeface="Arial Unicode MS"/>
+              </a:rPr>
+              <a:t>React.createContext</a:t>
+            </a:r>
+            <a:r>
+              <a:rPr kumimoji="0" lang="en-US" altLang="en-US" sz="1400" b="0" i="0" u="none" strike="noStrike" cap="none" normalizeH="0" baseline="0" dirty="0">
+                <a:ln>
+                  <a:noFill/>
+                </a:ln>
+                <a:solidFill>
+                  <a:schemeClr val="tx1"/>
+                </a:solidFill>
+                <a:effectLst/>
+                <a:latin typeface="Arial Unicode MS"/>
+              </a:rPr>
+              <a:t>(); </a:t>
+            </a:r>
+            <a:endParaRPr kumimoji="0" lang="en-US" altLang="en-US" sz="1400" b="0" i="0" u="none" strike="noStrike" cap="none" normalizeH="0" baseline="0" dirty="0">
+              <a:ln>
+                <a:noFill/>
+              </a:ln>
+              <a:solidFill>
+                <a:schemeClr val="tx1"/>
+              </a:solidFill>
+              <a:effectLst/>
+              <a:latin typeface="Arial Unicode MS"/>
+            </a:endParaRPr>
+          </a:p>
+          <a:p>
+            <a:pPr marL="0" marR="0" lvl="0" indent="0" algn="l" defTabSz="914400" rtl="0" eaLnBrk="0" fontAlgn="base" latinLnBrk="0" hangingPunct="0">
+              <a:lnSpc>
+                <a:spcPct val="100000"/>
+              </a:lnSpc>
+              <a:spcBef>
+                <a:spcPct val="0"/>
+              </a:spcBef>
+              <a:spcAft>
+                <a:spcPct val="0"/>
+              </a:spcAft>
+              <a:buClrTx/>
+              <a:buSzTx/>
+              <a:buFontTx/>
+              <a:buNone/>
+            </a:pPr>
+            <a:endParaRPr kumimoji="0" lang="en-US" altLang="en-US" b="0" i="0" u="none" strike="noStrike" cap="none" normalizeH="0" baseline="0" dirty="0">
+              <a:ln>
+                <a:noFill/>
+              </a:ln>
+              <a:solidFill>
+                <a:schemeClr val="tx1"/>
+              </a:solidFill>
+              <a:effectLst/>
+            </a:endParaRPr>
+          </a:p>
+          <a:p>
+            <a:pPr marL="0" marR="0" lvl="0" indent="0" algn="l" defTabSz="914400" rtl="0" eaLnBrk="0" fontAlgn="base" latinLnBrk="0" hangingPunct="0">
+              <a:lnSpc>
+                <a:spcPct val="100000"/>
+              </a:lnSpc>
+              <a:spcBef>
+                <a:spcPct val="0"/>
+              </a:spcBef>
+              <a:spcAft>
+                <a:spcPct val="0"/>
+              </a:spcAft>
+              <a:buClrTx/>
+              <a:buSzTx/>
+              <a:buFontTx/>
+              <a:buChar char="•"/>
+            </a:pPr>
+            <a:r>
+              <a:rPr kumimoji="0" lang="en-US" altLang="en-US" sz="3200" b="1" i="0" u="none" strike="noStrike" cap="none" normalizeH="0" baseline="0" dirty="0">
+                <a:ln>
+                  <a:noFill/>
+                </a:ln>
+                <a:solidFill>
+                  <a:schemeClr val="tx1"/>
+                </a:solidFill>
+                <a:effectLst/>
+                <a:latin typeface="Arial" panose="020B0604020202020204" pitchFamily="34" charset="0"/>
+              </a:rPr>
+              <a:t>Provide Context</a:t>
+            </a:r>
+            <a:r>
+              <a:rPr kumimoji="0" lang="en-US" altLang="en-US" sz="3200" b="0" i="0" u="none" strike="noStrike" cap="none" normalizeH="0" baseline="0" dirty="0">
+                <a:ln>
+                  <a:noFill/>
+                </a:ln>
+                <a:solidFill>
+                  <a:schemeClr val="tx1"/>
+                </a:solidFill>
+                <a:effectLst/>
+                <a:latin typeface="Arial" panose="020B0604020202020204" pitchFamily="34" charset="0"/>
+              </a:rPr>
+              <a:t>:</a:t>
+            </a:r>
+            <a:br>
+              <a:rPr kumimoji="0" lang="en-US" altLang="en-US" sz="3200" b="0" i="0" u="none" strike="noStrike" cap="none" normalizeH="0" baseline="0" dirty="0">
+                <a:ln>
+                  <a:noFill/>
+                </a:ln>
+                <a:solidFill>
+                  <a:schemeClr val="tx1"/>
+                </a:solidFill>
+                <a:effectLst/>
+                <a:latin typeface="Arial" panose="020B0604020202020204" pitchFamily="34" charset="0"/>
+              </a:rPr>
+            </a:br>
+            <a:r>
+              <a:rPr kumimoji="0" lang="en-US" altLang="en-US" sz="1400" b="0" i="0" u="none" strike="noStrike" cap="none" normalizeH="0" baseline="0" dirty="0">
+                <a:ln>
+                  <a:noFill/>
+                </a:ln>
+                <a:solidFill>
+                  <a:schemeClr val="tx1"/>
+                </a:solidFill>
+                <a:effectLst/>
+                <a:latin typeface="Arial" panose="020B0604020202020204" pitchFamily="34" charset="0"/>
+              </a:rPr>
+              <a:t>Use the </a:t>
+            </a:r>
+            <a:r>
+              <a:rPr kumimoji="0" lang="en-US" altLang="en-US" sz="1400" b="0" i="0" u="none" strike="noStrike" cap="none" normalizeH="0" baseline="0" dirty="0">
+                <a:ln>
+                  <a:noFill/>
+                </a:ln>
+                <a:solidFill>
+                  <a:schemeClr val="tx1"/>
+                </a:solidFill>
+                <a:effectLst/>
+                <a:latin typeface="Arial Unicode MS"/>
+              </a:rPr>
+              <a:t>Provider</a:t>
+            </a:r>
+            <a:r>
+              <a:rPr kumimoji="0" lang="en-US" altLang="en-US" b="0" i="0" u="none" strike="noStrike" cap="none" normalizeH="0" baseline="0" dirty="0">
+                <a:ln>
+                  <a:noFill/>
+                </a:ln>
+                <a:solidFill>
+                  <a:schemeClr val="tx1"/>
+                </a:solidFill>
+                <a:effectLst/>
+              </a:rPr>
+              <a:t> to wrap components that need access to the context.</a:t>
+            </a:r>
+            <a:endParaRPr kumimoji="0" lang="en-US" altLang="en-US" sz="1400" b="0" i="0" u="none" strike="noStrike" cap="none" normalizeH="0" baseline="0" dirty="0">
+              <a:ln>
+                <a:noFill/>
+              </a:ln>
+              <a:solidFill>
+                <a:schemeClr val="tx1"/>
+              </a:solidFill>
+              <a:effectLst/>
+              <a:latin typeface="Arial Unicode MS"/>
+            </a:endParaRPr>
+          </a:p>
+          <a:p>
+            <a:pPr marL="0" marR="0" lvl="0" indent="0" algn="l" defTabSz="914400" rtl="0" eaLnBrk="0" fontAlgn="base" latinLnBrk="0" hangingPunct="0">
+              <a:lnSpc>
+                <a:spcPct val="100000"/>
+              </a:lnSpc>
+              <a:spcBef>
+                <a:spcPct val="0"/>
+              </a:spcBef>
+              <a:spcAft>
+                <a:spcPct val="0"/>
+              </a:spcAft>
+              <a:buClrTx/>
+              <a:buSzTx/>
+              <a:buFontTx/>
+              <a:buNone/>
+            </a:pPr>
+            <a:endParaRPr kumimoji="0" lang="en-US" altLang="en-US" sz="1400" b="0" i="0" u="none" strike="noStrike" cap="none" normalizeH="0" baseline="0" dirty="0">
+              <a:ln>
+                <a:noFill/>
+              </a:ln>
+              <a:solidFill>
+                <a:schemeClr val="tx1"/>
+              </a:solidFill>
+              <a:effectLst/>
+              <a:latin typeface="Arial Unicode MS"/>
+            </a:endParaRPr>
+          </a:p>
+          <a:p>
+            <a:pPr marL="0" marR="0" lvl="0" indent="0" algn="l" defTabSz="914400" rtl="0" eaLnBrk="0" fontAlgn="base" latinLnBrk="0" hangingPunct="0">
+              <a:lnSpc>
+                <a:spcPct val="100000"/>
+              </a:lnSpc>
+              <a:spcBef>
+                <a:spcPct val="0"/>
+              </a:spcBef>
+              <a:spcAft>
+                <a:spcPct val="0"/>
+              </a:spcAft>
+              <a:buClrTx/>
+              <a:buSzTx/>
+              <a:buFontTx/>
+              <a:buNone/>
+            </a:pPr>
+            <a:r>
+              <a:rPr kumimoji="0" lang="en-US" altLang="en-US" sz="1400" b="0" i="0" u="none" strike="noStrike" cap="none" normalizeH="0" baseline="0" dirty="0">
+                <a:ln>
+                  <a:noFill/>
+                </a:ln>
+                <a:solidFill>
+                  <a:schemeClr val="tx1"/>
+                </a:solidFill>
+                <a:effectLst/>
+                <a:latin typeface="Arial Unicode MS"/>
+              </a:rPr>
+              <a:t>&lt;</a:t>
+            </a:r>
+            <a:r>
+              <a:rPr kumimoji="0" lang="en-US" altLang="en-US" sz="1400" b="0" i="0" u="none" strike="noStrike" cap="none" normalizeH="0" baseline="0" dirty="0" err="1">
+                <a:ln>
+                  <a:noFill/>
+                </a:ln>
+                <a:solidFill>
+                  <a:schemeClr val="tx1"/>
+                </a:solidFill>
+                <a:effectLst/>
+                <a:latin typeface="Arial Unicode MS"/>
+              </a:rPr>
+              <a:t>MyContext.Provider</a:t>
+            </a:r>
+            <a:r>
+              <a:rPr kumimoji="0" lang="en-US" altLang="en-US" sz="1400" b="0" i="0" u="none" strike="noStrike" cap="none" normalizeH="0" baseline="0" dirty="0">
+                <a:ln>
+                  <a:noFill/>
+                </a:ln>
+                <a:solidFill>
+                  <a:schemeClr val="tx1"/>
+                </a:solidFill>
+                <a:effectLst/>
+                <a:latin typeface="Arial Unicode MS"/>
+              </a:rPr>
+              <a:t> value={</a:t>
+            </a:r>
+            <a:r>
+              <a:rPr kumimoji="0" lang="en-US" altLang="en-US" sz="1400" b="0" i="0" u="none" strike="noStrike" cap="none" normalizeH="0" baseline="0" dirty="0" err="1">
+                <a:ln>
+                  <a:noFill/>
+                </a:ln>
+                <a:solidFill>
+                  <a:schemeClr val="tx1"/>
+                </a:solidFill>
+                <a:effectLst/>
+                <a:latin typeface="Arial Unicode MS"/>
+              </a:rPr>
+              <a:t>sharedValue</a:t>
+            </a:r>
+            <a:r>
+              <a:rPr kumimoji="0" lang="en-US" altLang="en-US" sz="1400" b="0" i="0" u="none" strike="noStrike" cap="none" normalizeH="0" baseline="0" dirty="0">
+                <a:ln>
+                  <a:noFill/>
+                </a:ln>
+                <a:solidFill>
+                  <a:schemeClr val="tx1"/>
+                </a:solidFill>
+                <a:effectLst/>
+                <a:latin typeface="Arial Unicode MS"/>
+              </a:rPr>
+              <a:t>}&gt; &lt;App /&gt; &lt;/</a:t>
+            </a:r>
+            <a:r>
+              <a:rPr kumimoji="0" lang="en-US" altLang="en-US" sz="1400" b="0" i="0" u="none" strike="noStrike" cap="none" normalizeH="0" baseline="0" dirty="0" err="1">
+                <a:ln>
+                  <a:noFill/>
+                </a:ln>
+                <a:solidFill>
+                  <a:schemeClr val="tx1"/>
+                </a:solidFill>
+                <a:effectLst/>
+                <a:latin typeface="Arial Unicode MS"/>
+              </a:rPr>
+              <a:t>MyContext.Provider</a:t>
+            </a:r>
+            <a:r>
+              <a:rPr kumimoji="0" lang="en-US" altLang="en-US" sz="1400" b="0" i="0" u="none" strike="noStrike" cap="none" normalizeH="0" baseline="0" dirty="0">
+                <a:ln>
+                  <a:noFill/>
+                </a:ln>
+                <a:solidFill>
+                  <a:schemeClr val="tx1"/>
+                </a:solidFill>
+                <a:effectLst/>
+                <a:latin typeface="Arial Unicode MS"/>
+              </a:rPr>
+              <a:t>&gt; </a:t>
+            </a:r>
+            <a:endParaRPr kumimoji="0" lang="en-US" altLang="en-US" sz="1400" b="0" i="0" u="none" strike="noStrike" cap="none" normalizeH="0" baseline="0" dirty="0">
+              <a:ln>
+                <a:noFill/>
+              </a:ln>
+              <a:solidFill>
+                <a:schemeClr val="tx1"/>
+              </a:solidFill>
+              <a:effectLst/>
+              <a:latin typeface="Arial Unicode MS"/>
+            </a:endParaRPr>
+          </a:p>
+          <a:p>
+            <a:pPr marL="0" marR="0" lvl="0" indent="0" algn="l" defTabSz="914400" rtl="0" eaLnBrk="0" fontAlgn="base" latinLnBrk="0" hangingPunct="0">
+              <a:lnSpc>
+                <a:spcPct val="100000"/>
+              </a:lnSpc>
+              <a:spcBef>
+                <a:spcPct val="0"/>
+              </a:spcBef>
+              <a:spcAft>
+                <a:spcPct val="0"/>
+              </a:spcAft>
+              <a:buClrTx/>
+              <a:buSzTx/>
+              <a:buFontTx/>
+              <a:buNone/>
+            </a:pPr>
+            <a:endParaRPr kumimoji="0" lang="en-US" altLang="en-US" b="0" i="0" u="none" strike="noStrike" cap="none" normalizeH="0" baseline="0" dirty="0">
+              <a:ln>
+                <a:noFill/>
+              </a:ln>
+              <a:solidFill>
+                <a:schemeClr val="tx1"/>
+              </a:solidFill>
+              <a:effectLst/>
+            </a:endParaRPr>
+          </a:p>
+          <a:p>
+            <a:pPr marL="0" marR="0" lvl="0" indent="0" algn="l" defTabSz="914400" rtl="0" eaLnBrk="0" fontAlgn="base" latinLnBrk="0" hangingPunct="0">
+              <a:lnSpc>
+                <a:spcPct val="100000"/>
+              </a:lnSpc>
+              <a:spcBef>
+                <a:spcPct val="0"/>
+              </a:spcBef>
+              <a:spcAft>
+                <a:spcPct val="0"/>
+              </a:spcAft>
+              <a:buClrTx/>
+              <a:buSzTx/>
+              <a:buFontTx/>
+              <a:buChar char="•"/>
+            </a:pPr>
+            <a:r>
+              <a:rPr kumimoji="0" lang="en-US" altLang="en-US" sz="3200" b="1" i="0" u="none" strike="noStrike" cap="none" normalizeH="0" baseline="0" dirty="0">
+                <a:ln>
+                  <a:noFill/>
+                </a:ln>
+                <a:solidFill>
+                  <a:schemeClr val="tx1"/>
+                </a:solidFill>
+                <a:effectLst/>
+                <a:latin typeface="Arial" panose="020B0604020202020204" pitchFamily="34" charset="0"/>
+              </a:rPr>
+              <a:t>Consume Context</a:t>
+            </a:r>
+            <a:r>
+              <a:rPr kumimoji="0" lang="en-US" altLang="en-US" sz="3200" b="0" i="0" u="none" strike="noStrike" cap="none" normalizeH="0" baseline="0" dirty="0">
+                <a:ln>
+                  <a:noFill/>
+                </a:ln>
+                <a:solidFill>
+                  <a:schemeClr val="tx1"/>
+                </a:solidFill>
+                <a:effectLst/>
+                <a:latin typeface="Arial" panose="020B0604020202020204" pitchFamily="34" charset="0"/>
+              </a:rPr>
+              <a:t>:</a:t>
+            </a:r>
+            <a:br>
+              <a:rPr kumimoji="0" lang="en-US" altLang="en-US" sz="3200" b="0" i="0" u="none" strike="noStrike" cap="none" normalizeH="0" baseline="0" dirty="0">
+                <a:ln>
+                  <a:noFill/>
+                </a:ln>
+                <a:solidFill>
+                  <a:schemeClr val="tx1"/>
+                </a:solidFill>
+                <a:effectLst/>
+                <a:latin typeface="Arial" panose="020B0604020202020204" pitchFamily="34" charset="0"/>
+              </a:rPr>
+            </a:br>
+            <a:r>
+              <a:rPr kumimoji="0" lang="en-US" altLang="en-US" sz="1400" b="0" i="0" u="none" strike="noStrike" cap="none" normalizeH="0" baseline="0" dirty="0">
+                <a:ln>
+                  <a:noFill/>
+                </a:ln>
+                <a:solidFill>
+                  <a:schemeClr val="tx1"/>
+                </a:solidFill>
+                <a:effectLst/>
+                <a:latin typeface="Arial" panose="020B0604020202020204" pitchFamily="34" charset="0"/>
+              </a:rPr>
+              <a:t>Access context data using </a:t>
+            </a:r>
+            <a:r>
+              <a:rPr kumimoji="0" lang="en-US" altLang="en-US" sz="1400" b="0" i="0" u="none" strike="noStrike" cap="none" normalizeH="0" baseline="0" dirty="0" err="1">
+                <a:ln>
+                  <a:noFill/>
+                </a:ln>
+                <a:solidFill>
+                  <a:schemeClr val="tx1"/>
+                </a:solidFill>
+                <a:effectLst/>
+                <a:latin typeface="Arial Unicode MS"/>
+              </a:rPr>
+              <a:t>useContext</a:t>
+            </a:r>
+            <a:r>
+              <a:rPr lang="en-US" altLang="en-US" sz="1400" dirty="0">
+                <a:latin typeface="Arial Unicode MS"/>
+              </a:rPr>
+              <a:t> or</a:t>
+            </a:r>
+            <a:r>
+              <a:rPr kumimoji="0" lang="en-US" altLang="en-US" b="0" i="0" u="none" strike="noStrike" cap="none" normalizeH="0" baseline="0" dirty="0">
+                <a:ln>
+                  <a:noFill/>
+                </a:ln>
+                <a:solidFill>
+                  <a:schemeClr val="tx1"/>
+                </a:solidFill>
+                <a:effectLst/>
+              </a:rPr>
+              <a:t> </a:t>
+            </a:r>
+            <a:r>
+              <a:rPr kumimoji="0" lang="en-US" altLang="en-US" sz="1400" b="0" i="0" u="none" strike="noStrike" cap="none" normalizeH="0" baseline="0" dirty="0">
+                <a:ln>
+                  <a:noFill/>
+                </a:ln>
+                <a:solidFill>
+                  <a:schemeClr val="tx1"/>
+                </a:solidFill>
+                <a:effectLst/>
+                <a:latin typeface="Arial Unicode MS"/>
+              </a:rPr>
+              <a:t>Consumer</a:t>
+            </a:r>
+            <a:r>
+              <a:rPr kumimoji="0" lang="en-US" altLang="en-US" b="0" i="0" u="none" strike="noStrike" cap="none" normalizeH="0" baseline="0" dirty="0">
+                <a:ln>
+                  <a:noFill/>
+                </a:ln>
+                <a:solidFill>
+                  <a:schemeClr val="tx1"/>
+                </a:solidFill>
+                <a:effectLst/>
+              </a:rPr>
+              <a:t>.</a:t>
+            </a:r>
+            <a:r>
+              <a:rPr kumimoji="0" lang="en-US" altLang="en-US" sz="3200" b="0" i="0" u="none" strike="noStrike" cap="none" normalizeH="0" baseline="0" dirty="0">
+                <a:ln>
+                  <a:noFill/>
+                </a:ln>
+                <a:solidFill>
+                  <a:schemeClr val="tx1"/>
+                </a:solidFill>
+                <a:effectLst/>
+                <a:latin typeface="Arial" panose="020B0604020202020204" pitchFamily="34" charset="0"/>
+              </a:rPr>
+              <a:t> </a:t>
+            </a:r>
+            <a:endParaRPr kumimoji="0" lang="en-US" altLang="en-US" sz="3200" b="0" i="0" u="none" strike="noStrike" cap="none" normalizeH="0" baseline="0" dirty="0">
+              <a:ln>
+                <a:noFill/>
+              </a:ln>
+              <a:solidFill>
+                <a:schemeClr val="tx1"/>
+              </a:solidFill>
+              <a:effectLst/>
+              <a:latin typeface="Arial" panose="020B0604020202020204" pitchFamily="34" charset="0"/>
+            </a:endParaRPr>
+          </a:p>
+        </p:txBody>
+      </p:sp>
+    </p:spTree>
+  </p:cSld>
+  <p:clrMapOvr>
+    <a:masterClrMapping/>
+  </p:clrMapOvr>
+</p:sld>
+</file>
+
+<file path=ppt/slides/slide26.xml><?xml version="1.0" encoding="utf-8"?>
+<p:sld xmlns:a="http://schemas.openxmlformats.org/drawingml/2006/main" xmlns:r="http://schemas.openxmlformats.org/officeDocument/2006/relationships" xmlns:p="http://schemas.openxmlformats.org/presentationml/2006/main">
+  <p:cSld>
+    <p:spTree>
+      <p:nvGrpSpPr>
+        <p:cNvPr id="1" name=""/>
+        <p:cNvGrpSpPr/>
+        <p:nvPr/>
+      </p:nvGrpSpPr>
+      <p:grpSpPr>
+        <a:xfrm>
+          <a:off x="0" y="0"/>
+          <a:ext cx="0" cy="0"/>
+          <a:chOff x="0" y="0"/>
+          <a:chExt cx="0" cy="0"/>
+        </a:xfrm>
+      </p:grpSpPr>
+      <p:sp>
+        <p:nvSpPr>
+          <p:cNvPr id="2" name="Title 1"/>
+          <p:cNvSpPr>
+            <a:spLocks noGrp="1"/>
+          </p:cNvSpPr>
+          <p:nvPr>
+            <p:ph type="title"/>
+          </p:nvPr>
+        </p:nvSpPr>
+        <p:spPr/>
+        <p:txBody>
+          <a:bodyPr/>
+          <a:lstStyle/>
+          <a:p>
+            <a:r>
+              <a:rPr lang="en-IN" b="1" dirty="0"/>
+              <a:t>What is </a:t>
+            </a:r>
+            <a:r>
+              <a:rPr lang="en-IN" b="1" dirty="0" err="1"/>
+              <a:t>useContext</a:t>
+            </a:r>
+            <a:r>
+              <a:rPr lang="en-IN" b="1" dirty="0"/>
+              <a:t>?</a:t>
+            </a:r>
+            <a:br>
+              <a:rPr lang="en-IN" b="1" dirty="0"/>
+            </a:br>
+            <a:endParaRPr lang="en-IN" dirty="0"/>
+          </a:p>
+        </p:txBody>
+      </p:sp>
+      <p:sp>
+        <p:nvSpPr>
+          <p:cNvPr id="4" name="Rectangle 1"/>
+          <p:cNvSpPr>
+            <a:spLocks noGrp="1" noChangeArrowheads="1"/>
+          </p:cNvSpPr>
+          <p:nvPr>
+            <p:ph idx="1"/>
+          </p:nvPr>
+        </p:nvSpPr>
+        <p:spPr bwMode="auto">
+          <a:xfrm>
+            <a:off x="1103312" y="2581002"/>
+            <a:ext cx="7202677" cy="3139321"/>
+          </a:xfrm>
+          <a:prstGeom prst="rect">
+            <a:avLst/>
+          </a:prstGeom>
+          <a:noFill/>
+          <a:ln>
+            <a:noFill/>
+          </a:ln>
+          <a:effectLst/>
+          <a:extLst>
+            <a:ext uri="{909E8E84-426E-40DD-AFC4-6F175D3DCCD1}">
+              <a14:hiddenFill xmlns:a14="http://schemas.microsoft.com/office/drawing/2010/main">
+                <a:solidFill>
+                  <a:schemeClr val="accent1"/>
+                </a:solidFill>
+              </a14:hiddenFill>
+            </a:ext>
+            <a:ext uri="{91240B29-F687-4F45-9708-019B960494DF}">
+              <a14:hiddenLine xmlns:a14="http://schemas.microsoft.com/office/drawing/2010/main" w="9525">
+                <a:solidFill>
+                  <a:schemeClr val="tx1"/>
+                </a:solidFill>
+                <a:miter lim="800000"/>
+                <a:headEnd/>
+                <a:tailEnd/>
+              </a14:hiddenLine>
+            </a:ext>
+            <a:ext uri="{AF507438-7753-43E0-B8FC-AC1667EBCBE1}">
+              <a14:hiddenEffects xmlns:a14="http://schemas.microsoft.com/office/drawing/2010/main">
+                <a:effectLst>
+                  <a:outerShdw dist="35921" dir="2700000" algn="ctr" rotWithShape="0">
+                    <a:schemeClr val="bg2"/>
+                  </a:outerShdw>
+                </a:effectLst>
+              </a14:hiddenEffects>
+            </a:ext>
+          </a:extLst>
+        </p:spPr>
+        <p:txBody>
+          <a:bodyPr vert="horz" wrap="none" lIns="91440" tIns="45720" rIns="91440" bIns="45720" numCol="1" anchor="ctr" anchorCtr="0" compatLnSpc="1">
+            <a:spAutoFit/>
+          </a:bodyPr>
+          <a:lstStyle/>
+          <a:p>
+            <a:pPr marL="0" marR="0" lvl="0" indent="0" algn="l" defTabSz="914400" rtl="0" eaLnBrk="0" fontAlgn="base" latinLnBrk="0" hangingPunct="0">
+              <a:lnSpc>
+                <a:spcPct val="100000"/>
+              </a:lnSpc>
+              <a:spcBef>
+                <a:spcPct val="0"/>
+              </a:spcBef>
+              <a:spcAft>
+                <a:spcPct val="0"/>
+              </a:spcAft>
+              <a:buClrTx/>
+              <a:buSzTx/>
+              <a:buFontTx/>
+              <a:buNone/>
+            </a:pPr>
+            <a:endParaRPr kumimoji="0" lang="en-US" altLang="en-US" sz="1800" b="0" i="0" u="none" strike="noStrike" cap="none" normalizeH="0" baseline="0" dirty="0">
+              <a:ln>
+                <a:noFill/>
+              </a:ln>
+              <a:solidFill>
+                <a:schemeClr val="tx1"/>
+              </a:solidFill>
+              <a:effectLst/>
+              <a:latin typeface="Arial" panose="020B0604020202020204" pitchFamily="34" charset="0"/>
+            </a:endParaRPr>
+          </a:p>
+          <a:p>
+            <a:pPr marL="0" marR="0" lvl="0" indent="0" algn="l" defTabSz="914400" rtl="0" eaLnBrk="0" fontAlgn="base" latinLnBrk="0" hangingPunct="0">
+              <a:lnSpc>
+                <a:spcPct val="100000"/>
+              </a:lnSpc>
+              <a:spcBef>
+                <a:spcPct val="0"/>
+              </a:spcBef>
+              <a:spcAft>
+                <a:spcPct val="0"/>
+              </a:spcAft>
+              <a:buClrTx/>
+              <a:buSzTx/>
+              <a:buFontTx/>
+              <a:buChar char="•"/>
+            </a:pPr>
+            <a:r>
+              <a:rPr kumimoji="0" lang="en-US" altLang="en-US" sz="1800" b="0" i="0" u="none" strike="noStrike" cap="none" normalizeH="0" baseline="0" dirty="0">
+                <a:ln>
+                  <a:noFill/>
+                </a:ln>
+                <a:solidFill>
+                  <a:schemeClr val="tx1"/>
+                </a:solidFill>
+                <a:effectLst/>
+                <a:latin typeface="Arial" panose="020B0604020202020204" pitchFamily="34" charset="0"/>
+              </a:rPr>
+              <a:t>A </a:t>
+            </a:r>
+            <a:r>
+              <a:rPr kumimoji="0" lang="en-US" altLang="en-US" sz="1800" b="1" i="0" u="none" strike="noStrike" cap="none" normalizeH="0" baseline="0" dirty="0">
+                <a:ln>
+                  <a:noFill/>
+                </a:ln>
+                <a:solidFill>
+                  <a:schemeClr val="tx1"/>
+                </a:solidFill>
+                <a:effectLst/>
+                <a:latin typeface="Arial" panose="020B0604020202020204" pitchFamily="34" charset="0"/>
+              </a:rPr>
+              <a:t>React Hook</a:t>
+            </a:r>
+            <a:r>
+              <a:rPr kumimoji="0" lang="en-US" altLang="en-US" sz="1800" b="0" i="0" u="none" strike="noStrike" cap="none" normalizeH="0" baseline="0" dirty="0">
+                <a:ln>
+                  <a:noFill/>
+                </a:ln>
+                <a:solidFill>
+                  <a:schemeClr val="tx1"/>
+                </a:solidFill>
+                <a:effectLst/>
+                <a:latin typeface="Arial" panose="020B0604020202020204" pitchFamily="34" charset="0"/>
+              </a:rPr>
+              <a:t> to consume context directly without using </a:t>
+            </a:r>
+            <a:r>
+              <a:rPr kumimoji="0" lang="en-US" altLang="en-US" sz="1800" b="0" i="0" u="none" strike="noStrike" cap="none" normalizeH="0" baseline="0" dirty="0">
+                <a:ln>
+                  <a:noFill/>
+                </a:ln>
+                <a:solidFill>
+                  <a:schemeClr val="tx1"/>
+                </a:solidFill>
+                <a:effectLst/>
+                <a:latin typeface="Arial Unicode MS"/>
+              </a:rPr>
+              <a:t>Consumer</a:t>
+            </a:r>
+            <a:r>
+              <a:rPr kumimoji="0" lang="en-US" altLang="en-US" sz="1800" b="0" i="0" u="none" strike="noStrike" cap="none" normalizeH="0" baseline="0" dirty="0">
+                <a:ln>
+                  <a:noFill/>
+                </a:ln>
+                <a:solidFill>
+                  <a:schemeClr val="tx1"/>
+                </a:solidFill>
+                <a:effectLst/>
+              </a:rPr>
+              <a:t>.</a:t>
+            </a:r>
+            <a:endParaRPr kumimoji="0" lang="en-US" altLang="en-US" sz="1800" b="0" i="0" u="none" strike="noStrike" cap="none" normalizeH="0" baseline="0" dirty="0">
+              <a:ln>
+                <a:noFill/>
+              </a:ln>
+              <a:solidFill>
+                <a:schemeClr val="tx1"/>
+              </a:solidFill>
+              <a:effectLst/>
+            </a:endParaRPr>
+          </a:p>
+          <a:p>
+            <a:pPr marL="0" marR="0" lvl="0" indent="0" algn="l" defTabSz="914400" rtl="0" eaLnBrk="0" fontAlgn="base" latinLnBrk="0" hangingPunct="0">
+              <a:lnSpc>
+                <a:spcPct val="100000"/>
+              </a:lnSpc>
+              <a:spcBef>
+                <a:spcPct val="0"/>
+              </a:spcBef>
+              <a:spcAft>
+                <a:spcPct val="0"/>
+              </a:spcAft>
+              <a:buClrTx/>
+              <a:buSzTx/>
+              <a:buFontTx/>
+              <a:buChar char="•"/>
+            </a:pPr>
+            <a:endParaRPr kumimoji="0" lang="en-US" altLang="en-US" sz="1800" b="0" i="0" u="none" strike="noStrike" cap="none" normalizeH="0" baseline="0" dirty="0">
+              <a:ln>
+                <a:noFill/>
+              </a:ln>
+              <a:solidFill>
+                <a:schemeClr val="tx1"/>
+              </a:solidFill>
+              <a:effectLst/>
+              <a:latin typeface="Arial" panose="020B0604020202020204" pitchFamily="34" charset="0"/>
+            </a:endParaRPr>
+          </a:p>
+          <a:p>
+            <a:pPr marL="0" marR="0" lvl="0" indent="0" algn="l" defTabSz="914400" rtl="0" eaLnBrk="0" fontAlgn="base" latinLnBrk="0" hangingPunct="0">
+              <a:lnSpc>
+                <a:spcPct val="100000"/>
+              </a:lnSpc>
+              <a:spcBef>
+                <a:spcPct val="0"/>
+              </a:spcBef>
+              <a:spcAft>
+                <a:spcPct val="0"/>
+              </a:spcAft>
+              <a:buClrTx/>
+              <a:buSzTx/>
+              <a:buFontTx/>
+              <a:buChar char="•"/>
+            </a:pPr>
+            <a:r>
+              <a:rPr kumimoji="0" lang="en-US" altLang="en-US" sz="1800" b="0" i="0" u="none" strike="noStrike" cap="none" normalizeH="0" baseline="0" dirty="0">
+                <a:ln>
+                  <a:noFill/>
+                </a:ln>
+                <a:solidFill>
+                  <a:schemeClr val="tx1"/>
+                </a:solidFill>
+                <a:effectLst/>
+                <a:latin typeface="Arial" panose="020B0604020202020204" pitchFamily="34" charset="0"/>
+              </a:rPr>
+              <a:t>Simplifies the process of accessing context values.</a:t>
+            </a:r>
+            <a:endParaRPr kumimoji="0" lang="en-US" altLang="en-US" sz="1800" b="0" i="0" u="none" strike="noStrike" cap="none" normalizeH="0" baseline="0" dirty="0">
+              <a:ln>
+                <a:noFill/>
+              </a:ln>
+              <a:solidFill>
+                <a:schemeClr val="tx1"/>
+              </a:solidFill>
+              <a:effectLst/>
+              <a:latin typeface="Arial" panose="020B0604020202020204" pitchFamily="34" charset="0"/>
+            </a:endParaRPr>
+          </a:p>
+          <a:p>
+            <a:pPr marL="0" marR="0" lvl="0" indent="0" algn="l" defTabSz="914400" rtl="0" eaLnBrk="0" fontAlgn="base" latinLnBrk="0" hangingPunct="0">
+              <a:lnSpc>
+                <a:spcPct val="100000"/>
+              </a:lnSpc>
+              <a:spcBef>
+                <a:spcPct val="0"/>
+              </a:spcBef>
+              <a:spcAft>
+                <a:spcPct val="0"/>
+              </a:spcAft>
+              <a:buClrTx/>
+              <a:buSzTx/>
+              <a:buFontTx/>
+              <a:buChar char="•"/>
+            </a:pPr>
+            <a:endParaRPr kumimoji="0" lang="en-US" altLang="en-US" sz="1800" b="0" i="0" u="none" strike="noStrike" cap="none" normalizeH="0" baseline="0" dirty="0">
+              <a:ln>
+                <a:noFill/>
+              </a:ln>
+              <a:solidFill>
+                <a:schemeClr val="tx1"/>
+              </a:solidFill>
+              <a:effectLst/>
+              <a:latin typeface="Arial" panose="020B0604020202020204" pitchFamily="34" charset="0"/>
+            </a:endParaRPr>
+          </a:p>
+          <a:p>
+            <a:pPr marL="0" marR="0" lvl="0" indent="0" algn="l" defTabSz="914400" rtl="0" eaLnBrk="0" fontAlgn="base" latinLnBrk="0" hangingPunct="0">
+              <a:lnSpc>
+                <a:spcPct val="100000"/>
+              </a:lnSpc>
+              <a:spcBef>
+                <a:spcPct val="0"/>
+              </a:spcBef>
+              <a:spcAft>
+                <a:spcPct val="0"/>
+              </a:spcAft>
+              <a:buClrTx/>
+              <a:buSzTx/>
+              <a:buFontTx/>
+              <a:buChar char="•"/>
+            </a:pPr>
+            <a:endParaRPr lang="en-US" altLang="en-US" sz="1800" dirty="0">
+              <a:latin typeface="Arial" panose="020B0604020202020204" pitchFamily="34" charset="0"/>
+            </a:endParaRPr>
+          </a:p>
+          <a:p>
+            <a:pPr marL="0" marR="0" lvl="0" indent="0" algn="l" defTabSz="914400" rtl="0" eaLnBrk="0" fontAlgn="base" latinLnBrk="0" hangingPunct="0">
+              <a:lnSpc>
+                <a:spcPct val="100000"/>
+              </a:lnSpc>
+              <a:spcBef>
+                <a:spcPct val="0"/>
+              </a:spcBef>
+              <a:spcAft>
+                <a:spcPct val="0"/>
+              </a:spcAft>
+              <a:buClrTx/>
+              <a:buSzTx/>
+              <a:buFontTx/>
+              <a:buChar char="•"/>
+            </a:pPr>
+            <a:endParaRPr kumimoji="0" lang="en-US" altLang="en-US" sz="1800" b="0" i="0" u="none" strike="noStrike" cap="none" normalizeH="0" baseline="0" dirty="0">
+              <a:ln>
+                <a:noFill/>
+              </a:ln>
+              <a:solidFill>
+                <a:schemeClr val="tx1"/>
+              </a:solidFill>
+              <a:effectLst/>
+              <a:latin typeface="Arial" panose="020B0604020202020204" pitchFamily="34" charset="0"/>
+            </a:endParaRPr>
+          </a:p>
+          <a:p>
+            <a:pPr marL="0" marR="0" lvl="0" indent="0" algn="l" defTabSz="914400" rtl="0" eaLnBrk="0" fontAlgn="base" latinLnBrk="0" hangingPunct="0">
+              <a:lnSpc>
+                <a:spcPct val="100000"/>
+              </a:lnSpc>
+              <a:spcBef>
+                <a:spcPct val="0"/>
+              </a:spcBef>
+              <a:spcAft>
+                <a:spcPct val="0"/>
+              </a:spcAft>
+              <a:buClrTx/>
+              <a:buSzTx/>
+              <a:buFontTx/>
+              <a:buChar char="•"/>
+            </a:pPr>
+            <a:endParaRPr lang="en-US" altLang="en-US" sz="1800" dirty="0">
+              <a:latin typeface="Arial" panose="020B0604020202020204" pitchFamily="34" charset="0"/>
+            </a:endParaRPr>
+          </a:p>
+          <a:p>
+            <a:pPr marL="0" marR="0" lvl="0" indent="0" algn="l" defTabSz="914400" rtl="0" eaLnBrk="0" fontAlgn="base" latinLnBrk="0" hangingPunct="0">
+              <a:lnSpc>
+                <a:spcPct val="100000"/>
+              </a:lnSpc>
+              <a:spcBef>
+                <a:spcPct val="0"/>
+              </a:spcBef>
+              <a:spcAft>
+                <a:spcPct val="0"/>
+              </a:spcAft>
+              <a:buClrTx/>
+              <a:buSzTx/>
+              <a:buFontTx/>
+              <a:buChar char="•"/>
+            </a:pPr>
+            <a:r>
+              <a:rPr kumimoji="0" lang="en-US" altLang="en-US" sz="1800" b="0" i="0" u="none" strike="noStrike" cap="none" normalizeH="0" baseline="0" dirty="0">
+                <a:ln>
+                  <a:noFill/>
+                </a:ln>
+                <a:solidFill>
+                  <a:schemeClr val="tx1"/>
+                </a:solidFill>
+                <a:effectLst/>
+                <a:latin typeface="Arial" panose="020B0604020202020204" pitchFamily="34" charset="0"/>
+              </a:rPr>
+              <a:t>Syntax:</a:t>
+            </a:r>
+            <a:endParaRPr kumimoji="0" lang="en-US" altLang="en-US" sz="1800" b="0" i="0" u="none" strike="noStrike" cap="none" normalizeH="0" baseline="0" dirty="0">
+              <a:ln>
+                <a:noFill/>
+              </a:ln>
+              <a:solidFill>
+                <a:schemeClr val="tx1"/>
+              </a:solidFill>
+              <a:effectLst/>
+              <a:latin typeface="Arial Unicode MS"/>
+            </a:endParaRPr>
+          </a:p>
+          <a:p>
+            <a:pPr marL="0" marR="0" lvl="0" indent="0" algn="l" defTabSz="914400" rtl="0" eaLnBrk="0" fontAlgn="base" latinLnBrk="0" hangingPunct="0">
+              <a:lnSpc>
+                <a:spcPct val="100000"/>
+              </a:lnSpc>
+              <a:spcBef>
+                <a:spcPct val="0"/>
+              </a:spcBef>
+              <a:spcAft>
+                <a:spcPct val="0"/>
+              </a:spcAft>
+              <a:buClrTx/>
+              <a:buSzTx/>
+              <a:buFontTx/>
+              <a:buNone/>
+            </a:pPr>
+            <a:endParaRPr kumimoji="0" lang="en-US" altLang="en-US" sz="1800" b="0" i="0" u="none" strike="noStrike" cap="none" normalizeH="0" baseline="0" dirty="0">
+              <a:ln>
+                <a:noFill/>
+              </a:ln>
+              <a:solidFill>
+                <a:schemeClr val="tx1"/>
+              </a:solidFill>
+              <a:effectLst/>
+              <a:latin typeface="Arial Unicode MS"/>
+            </a:endParaRPr>
+          </a:p>
+          <a:p>
+            <a:pPr marL="0" marR="0" lvl="0" indent="0" algn="l" defTabSz="914400" rtl="0" eaLnBrk="0" fontAlgn="base" latinLnBrk="0" hangingPunct="0">
+              <a:lnSpc>
+                <a:spcPct val="100000"/>
+              </a:lnSpc>
+              <a:spcBef>
+                <a:spcPct val="0"/>
+              </a:spcBef>
+              <a:spcAft>
+                <a:spcPct val="0"/>
+              </a:spcAft>
+              <a:buClrTx/>
+              <a:buSzTx/>
+              <a:buFontTx/>
+              <a:buNone/>
+            </a:pPr>
+            <a:r>
+              <a:rPr kumimoji="0" lang="en-US" altLang="en-US" sz="1800" b="0" i="0" u="none" strike="noStrike" cap="none" normalizeH="0" baseline="0" dirty="0">
+                <a:ln>
+                  <a:noFill/>
+                </a:ln>
+                <a:solidFill>
+                  <a:schemeClr val="tx1"/>
+                </a:solidFill>
+                <a:effectLst/>
+                <a:latin typeface="Arial Unicode MS"/>
+              </a:rPr>
+              <a:t>const value = </a:t>
+            </a:r>
+            <a:r>
+              <a:rPr kumimoji="0" lang="en-US" altLang="en-US" sz="1800" b="0" i="0" u="none" strike="noStrike" cap="none" normalizeH="0" baseline="0" dirty="0" err="1">
+                <a:ln>
+                  <a:noFill/>
+                </a:ln>
+                <a:solidFill>
+                  <a:schemeClr val="tx1"/>
+                </a:solidFill>
+                <a:effectLst/>
+                <a:latin typeface="Arial Unicode MS"/>
+              </a:rPr>
+              <a:t>useContext</a:t>
+            </a:r>
+            <a:r>
+              <a:rPr kumimoji="0" lang="en-US" altLang="en-US" sz="1800" b="0" i="0" u="none" strike="noStrike" cap="none" normalizeH="0" baseline="0" dirty="0">
+                <a:ln>
+                  <a:noFill/>
+                </a:ln>
+                <a:solidFill>
+                  <a:schemeClr val="tx1"/>
+                </a:solidFill>
+                <a:effectLst/>
+                <a:latin typeface="Arial Unicode MS"/>
+              </a:rPr>
+              <a:t>(</a:t>
+            </a:r>
+            <a:r>
+              <a:rPr kumimoji="0" lang="en-US" altLang="en-US" sz="1800" b="0" i="0" u="none" strike="noStrike" cap="none" normalizeH="0" baseline="0" dirty="0" err="1">
+                <a:ln>
+                  <a:noFill/>
+                </a:ln>
+                <a:solidFill>
+                  <a:schemeClr val="tx1"/>
+                </a:solidFill>
+                <a:effectLst/>
+                <a:latin typeface="Arial Unicode MS"/>
+              </a:rPr>
+              <a:t>MyContext</a:t>
+            </a:r>
+            <a:r>
+              <a:rPr kumimoji="0" lang="en-US" altLang="en-US" sz="1800" b="0" i="0" u="none" strike="noStrike" cap="none" normalizeH="0" baseline="0" dirty="0">
+                <a:ln>
+                  <a:noFill/>
+                </a:ln>
+                <a:solidFill>
+                  <a:schemeClr val="tx1"/>
+                </a:solidFill>
+                <a:effectLst/>
+                <a:latin typeface="Arial Unicode MS"/>
+              </a:rPr>
+              <a:t>);</a:t>
+            </a:r>
+            <a:endParaRPr kumimoji="0" lang="en-US" altLang="en-US" sz="1800" b="0" i="0" u="none" strike="noStrike" cap="none" normalizeH="0" baseline="0" dirty="0">
+              <a:ln>
+                <a:noFill/>
+              </a:ln>
+              <a:solidFill>
+                <a:schemeClr val="tx1"/>
+              </a:solidFill>
+              <a:effectLst/>
+              <a:latin typeface="Arial" panose="020B0604020202020204" pitchFamily="34" charset="0"/>
+            </a:endParaRPr>
+          </a:p>
+        </p:txBody>
+      </p:sp>
+    </p:spTree>
+  </p:cSld>
+  <p:clrMapOvr>
+    <a:masterClrMapping/>
+  </p:clrMapOvr>
+</p:sld>
+</file>
+
+<file path=ppt/slides/slide27.xml><?xml version="1.0" encoding="utf-8"?>
+<p:sld xmlns:a="http://schemas.openxmlformats.org/drawingml/2006/main" xmlns:r="http://schemas.openxmlformats.org/officeDocument/2006/relationships" xmlns:p="http://schemas.openxmlformats.org/presentationml/2006/main">
+  <p:cSld>
+    <p:spTree>
+      <p:nvGrpSpPr>
+        <p:cNvPr id="1" name=""/>
+        <p:cNvGrpSpPr/>
+        <p:nvPr/>
+      </p:nvGrpSpPr>
+      <p:grpSpPr>
+        <a:xfrm>
+          <a:off x="0" y="0"/>
+          <a:ext cx="0" cy="0"/>
+          <a:chOff x="0" y="0"/>
+          <a:chExt cx="0" cy="0"/>
+        </a:xfrm>
+      </p:grpSpPr>
+      <p:sp>
+        <p:nvSpPr>
+          <p:cNvPr id="2" name="Title 1"/>
+          <p:cNvSpPr>
+            <a:spLocks noGrp="1"/>
+          </p:cNvSpPr>
+          <p:nvPr>
+            <p:ph type="title"/>
+          </p:nvPr>
+        </p:nvSpPr>
+        <p:spPr/>
+        <p:txBody>
+          <a:bodyPr/>
+          <a:lstStyle/>
+          <a:p>
+            <a:r>
+              <a:rPr lang="en-IN"/>
+              <a:t>Advantages of Context API</a:t>
+            </a:r>
+            <a:endParaRPr lang="en-IN"/>
+          </a:p>
+        </p:txBody>
+      </p:sp>
+      <p:sp>
+        <p:nvSpPr>
+          <p:cNvPr id="3" name="Content Placeholder 2"/>
+          <p:cNvSpPr>
+            <a:spLocks noGrp="1"/>
+          </p:cNvSpPr>
+          <p:nvPr>
+            <p:ph idx="1"/>
+          </p:nvPr>
+        </p:nvSpPr>
+        <p:spPr/>
+        <p:txBody>
+          <a:bodyPr/>
+          <a:lstStyle/>
+          <a:p>
+            <a:pPr>
+              <a:buFont typeface="Arial" panose="020B0604020202020204" pitchFamily="34" charset="0"/>
+              <a:buChar char="•"/>
+            </a:pPr>
+            <a:r>
+              <a:rPr lang="en-US" dirty="0"/>
+              <a:t>Eliminates </a:t>
+            </a:r>
+            <a:r>
+              <a:rPr lang="en-US" b="1" dirty="0"/>
+              <a:t>prop drilling</a:t>
+            </a:r>
+            <a:r>
+              <a:rPr lang="en-US" dirty="0"/>
+              <a:t>.</a:t>
+            </a:r>
+            <a:endParaRPr lang="en-US" dirty="0"/>
+          </a:p>
+          <a:p>
+            <a:pPr>
+              <a:buFont typeface="Arial" panose="020B0604020202020204" pitchFamily="34" charset="0"/>
+              <a:buChar char="•"/>
+            </a:pPr>
+            <a:r>
+              <a:rPr lang="en-US" dirty="0"/>
+              <a:t>Easy to manage shared state.</a:t>
+            </a:r>
+            <a:endParaRPr lang="en-US" dirty="0"/>
+          </a:p>
+          <a:p>
+            <a:pPr>
+              <a:buFont typeface="Arial" panose="020B0604020202020204" pitchFamily="34" charset="0"/>
+              <a:buChar char="•"/>
+            </a:pPr>
+            <a:r>
+              <a:rPr lang="en-US" dirty="0"/>
+              <a:t>Integrates seamlessly with React hooks.</a:t>
+            </a:r>
+            <a:endParaRPr lang="en-US" dirty="0"/>
+          </a:p>
+          <a:p>
+            <a:endParaRPr lang="en-IN" dirty="0"/>
+          </a:p>
+        </p:txBody>
+      </p:sp>
+    </p:spTree>
+  </p:cSld>
+  <p:clrMapOvr>
+    <a:masterClrMapping/>
+  </p:clrMapOvr>
+</p:sld>
+</file>
+
+<file path=ppt/slides/slide28.xml><?xml version="1.0" encoding="utf-8"?>
+<p:sld xmlns:a="http://schemas.openxmlformats.org/drawingml/2006/main" xmlns:r="http://schemas.openxmlformats.org/officeDocument/2006/relationships" xmlns:p="http://schemas.openxmlformats.org/presentationml/2006/main">
+  <p:cSld>
+    <p:spTree>
+      <p:nvGrpSpPr>
+        <p:cNvPr id="1" name=""/>
+        <p:cNvGrpSpPr/>
+        <p:nvPr/>
+      </p:nvGrpSpPr>
+      <p:grpSpPr>
+        <a:xfrm>
+          <a:off x="0" y="0"/>
+          <a:ext cx="0" cy="0"/>
+          <a:chOff x="0" y="0"/>
+          <a:chExt cx="0" cy="0"/>
+        </a:xfrm>
+      </p:grpSpPr>
+      <p:sp>
+        <p:nvSpPr>
+          <p:cNvPr id="2" name="Title 1"/>
+          <p:cNvSpPr>
+            <a:spLocks noGrp="1"/>
+          </p:cNvSpPr>
+          <p:nvPr>
+            <p:ph type="title"/>
+          </p:nvPr>
+        </p:nvSpPr>
+        <p:spPr/>
+        <p:txBody>
+          <a:bodyPr/>
+          <a:lstStyle/>
+          <a:p>
+            <a:r>
+              <a:rPr lang="en-IN" dirty="0"/>
+              <a:t>When to Use Context?</a:t>
+            </a:r>
+            <a:endParaRPr lang="en-IN" dirty="0"/>
+          </a:p>
+        </p:txBody>
+      </p:sp>
+      <p:sp>
+        <p:nvSpPr>
+          <p:cNvPr id="3" name="Content Placeholder 2"/>
+          <p:cNvSpPr>
+            <a:spLocks noGrp="1"/>
+          </p:cNvSpPr>
+          <p:nvPr>
+            <p:ph idx="1"/>
+          </p:nvPr>
+        </p:nvSpPr>
+        <p:spPr/>
+        <p:txBody>
+          <a:bodyPr/>
+          <a:lstStyle/>
+          <a:p>
+            <a:pPr>
+              <a:buFont typeface="Arial" panose="020B0604020202020204" pitchFamily="34" charset="0"/>
+              <a:buChar char="•"/>
+            </a:pPr>
+            <a:r>
+              <a:rPr lang="en-US" dirty="0"/>
+              <a:t>Use for </a:t>
+            </a:r>
+            <a:r>
+              <a:rPr lang="en-US" b="1" dirty="0"/>
+              <a:t>small to medium scale</a:t>
+            </a:r>
+            <a:r>
+              <a:rPr lang="en-US" dirty="0"/>
+              <a:t> state management.</a:t>
+            </a:r>
+            <a:endParaRPr lang="en-US" dirty="0"/>
+          </a:p>
+          <a:p>
+            <a:pPr>
+              <a:buFont typeface="Arial" panose="020B0604020202020204" pitchFamily="34" charset="0"/>
+              <a:buChar char="•"/>
+            </a:pPr>
+            <a:endParaRPr lang="en-US" dirty="0"/>
+          </a:p>
+          <a:p>
+            <a:pPr>
+              <a:buFont typeface="Arial" panose="020B0604020202020204" pitchFamily="34" charset="0"/>
+              <a:buChar char="•"/>
+            </a:pPr>
+            <a:r>
+              <a:rPr lang="en-US" dirty="0"/>
+              <a:t>For larger projects, consider libraries like Redux or </a:t>
+            </a:r>
+            <a:r>
+              <a:rPr lang="en-US" dirty="0" err="1"/>
+              <a:t>Zustand</a:t>
+            </a:r>
+            <a:r>
+              <a:rPr lang="en-US" dirty="0"/>
+              <a:t>.</a:t>
+            </a:r>
+            <a:endParaRPr lang="en-US" dirty="0"/>
+          </a:p>
+          <a:p>
+            <a:endParaRPr lang="en-IN" dirty="0"/>
+          </a:p>
+        </p:txBody>
+      </p:sp>
+    </p:spTree>
+  </p:cSld>
+  <p:clrMapOvr>
+    <a:masterClrMapping/>
+  </p:clrMapOvr>
+</p:sld>
+</file>
+
+<file path=ppt/slides/slide29.xml><?xml version="1.0" encoding="utf-8"?>
+<p:sld xmlns:a="http://schemas.openxmlformats.org/drawingml/2006/main" xmlns:r="http://schemas.openxmlformats.org/officeDocument/2006/relationships" xmlns:p="http://schemas.openxmlformats.org/presentationml/2006/main">
+  <p:cSld>
+    <p:spTree>
+      <p:nvGrpSpPr>
+        <p:cNvPr id="1" name=""/>
+        <p:cNvGrpSpPr/>
+        <p:nvPr/>
+      </p:nvGrpSpPr>
+      <p:grpSpPr/>
+      <p:sp>
+        <p:nvSpPr>
+          <p:cNvPr id="2" name="Title 1"/>
+          <p:cNvSpPr>
+            <a:spLocks noGrp="1"/>
+          </p:cNvSpPr>
+          <p:nvPr>
+            <p:ph type="title"/>
+          </p:nvPr>
+        </p:nvSpPr>
+        <p:spPr>
+          <a:xfrm>
+            <a:off x="645795" y="452755"/>
+            <a:ext cx="6182360" cy="771525"/>
+          </a:xfrm>
+        </p:spPr>
+        <p:txBody>
+          <a:bodyPr/>
+          <a:p>
+            <a:r>
+              <a:rPr lang="en-US" altLang="en-US" b="1"/>
+              <a:t>React Custom Hooks</a:t>
+            </a:r>
+            <a:endParaRPr lang="en-US" altLang="en-US" b="1"/>
+          </a:p>
+        </p:txBody>
+      </p:sp>
+      <p:sp>
+        <p:nvSpPr>
+          <p:cNvPr id="3" name="Content Placeholder 2"/>
+          <p:cNvSpPr>
+            <a:spLocks noGrp="1"/>
+          </p:cNvSpPr>
+          <p:nvPr>
+            <p:ph idx="1"/>
+          </p:nvPr>
+        </p:nvSpPr>
+        <p:spPr>
+          <a:xfrm>
+            <a:off x="532765" y="1341755"/>
+            <a:ext cx="11525250" cy="5516245"/>
+          </a:xfrm>
+        </p:spPr>
+        <p:txBody>
+          <a:bodyPr>
+            <a:normAutofit/>
+          </a:bodyPr>
+          <a:p>
+            <a:r>
+              <a:rPr lang="en-US" altLang="en-US"/>
+              <a:t>What are Custom Hooks?</a:t>
+            </a:r>
+            <a:endParaRPr lang="en-US" altLang="en-US"/>
+          </a:p>
+          <a:p>
+            <a:pPr marL="0" indent="457200">
+              <a:buNone/>
+            </a:pPr>
+            <a:r>
+              <a:rPr lang="en-US" altLang="en-US"/>
+              <a:t>Custom Hooks are reusable JavaScript functions in React that start 	with the word “use” and can call other hooks inside them.</a:t>
+            </a:r>
+            <a:endParaRPr lang="en-US" altLang="en-US"/>
+          </a:p>
+          <a:p>
+            <a:endParaRPr lang="en-US" altLang="en-US"/>
+          </a:p>
+          <a:p>
+            <a:r>
+              <a:rPr lang="en-US" altLang="en-US"/>
+              <a:t>They allow you to extract common logic from components into reusable functions.</a:t>
+            </a:r>
+            <a:endParaRPr lang="en-US" altLang="en-US"/>
+          </a:p>
+          <a:p>
+            <a:endParaRPr lang="en-US" altLang="en-US"/>
+          </a:p>
+          <a:p>
+            <a:r>
+              <a:rPr lang="en-US" altLang="en-US"/>
+              <a:t>Syntax</a:t>
+            </a:r>
+            <a:endParaRPr lang="en-US" altLang="en-US"/>
+          </a:p>
+          <a:p>
+            <a:pPr marL="0" indent="0">
+              <a:buNone/>
+            </a:pPr>
+            <a:endParaRPr lang="en-US" altLang="en-US"/>
+          </a:p>
+          <a:p>
+            <a:pPr marL="0" indent="0">
+              <a:buNone/>
+            </a:pPr>
+            <a:r>
+              <a:rPr lang="en-US" altLang="en-US"/>
+              <a:t>function useMyCustomHook() {</a:t>
+            </a:r>
+            <a:endParaRPr lang="en-US" altLang="en-US"/>
+          </a:p>
+          <a:p>
+            <a:pPr marL="0" indent="0">
+              <a:buNone/>
+            </a:pPr>
+            <a:r>
+              <a:rPr lang="en-US" altLang="en-US"/>
+              <a:t>  // useState, useEffect, etc. can be used here</a:t>
+            </a:r>
+            <a:endParaRPr lang="en-US" altLang="en-US"/>
+          </a:p>
+          <a:p>
+            <a:pPr marL="0" indent="0">
+              <a:buNone/>
+            </a:pPr>
+            <a:r>
+              <a:rPr lang="en-US" altLang="en-US"/>
+              <a:t>  return something;</a:t>
+            </a:r>
+            <a:endParaRPr lang="en-US" altLang="en-US"/>
+          </a:p>
+          <a:p>
+            <a:pPr marL="0" indent="0">
+              <a:buNone/>
+            </a:pPr>
+            <a:r>
+              <a:rPr lang="en-US" altLang="en-US"/>
+              <a:t>}</a:t>
+            </a:r>
+            <a:endParaRPr lang="en-US" altLang="en-US"/>
+          </a:p>
+          <a:p>
+            <a:pPr marL="0" indent="0">
+              <a:buNone/>
+            </a:pPr>
+            <a:endParaRPr lang="en-US" altLang="en-US"/>
+          </a:p>
+        </p:txBody>
+      </p:sp>
+    </p:spTree>
+  </p:cSld>
+  <p:clrMapOvr>
+    <a:masterClrMapping/>
+  </p:clrMapOvr>
+</p:sld>
+</file>
+
 <file path=ppt/slides/slide3.xml><?xml version="1.0" encoding="utf-8"?>
 <p:sld xmlns:a="http://schemas.openxmlformats.org/drawingml/2006/main" xmlns:r="http://schemas.openxmlformats.org/officeDocument/2006/relationships" xmlns:p="http://schemas.openxmlformats.org/presentationml/2006/main">
   <p:cSld>
@@ -8464,6 +10442,996 @@
               <a:t>It allows users to use websites without loading whole new pages, which results in performance gains and a more dynamic experience.</a:t>
             </a:r>
             <a:endParaRPr lang="en-IN" dirty="0"/>
+          </a:p>
+        </p:txBody>
+      </p:sp>
+    </p:spTree>
+  </p:cSld>
+  <p:clrMapOvr>
+    <a:masterClrMapping/>
+  </p:clrMapOvr>
+</p:sld>
+</file>
+
+<file path=ppt/slides/slide30.xml><?xml version="1.0" encoding="utf-8"?>
+<p:sld xmlns:a="http://schemas.openxmlformats.org/drawingml/2006/main" xmlns:r="http://schemas.openxmlformats.org/officeDocument/2006/relationships" xmlns:p="http://schemas.openxmlformats.org/presentationml/2006/main">
+  <p:cSld>
+    <p:spTree>
+      <p:nvGrpSpPr>
+        <p:cNvPr id="1" name=""/>
+        <p:cNvGrpSpPr/>
+        <p:nvPr/>
+      </p:nvGrpSpPr>
+      <p:grpSpPr/>
+      <p:sp>
+        <p:nvSpPr>
+          <p:cNvPr id="2" name="Title 1"/>
+          <p:cNvSpPr>
+            <a:spLocks noGrp="1"/>
+          </p:cNvSpPr>
+          <p:nvPr>
+            <p:ph type="title"/>
+          </p:nvPr>
+        </p:nvSpPr>
+        <p:spPr>
+          <a:xfrm>
+            <a:off x="645795" y="452755"/>
+            <a:ext cx="9404350" cy="683260"/>
+          </a:xfrm>
+        </p:spPr>
+        <p:txBody>
+          <a:bodyPr/>
+          <a:p>
+            <a:r>
+              <a:rPr lang="en-US" altLang="en-US" sz="3200"/>
+              <a:t>Why use Custom Hooks?</a:t>
+            </a:r>
+            <a:endParaRPr lang="en-US" altLang="en-US" sz="3200"/>
+          </a:p>
+        </p:txBody>
+      </p:sp>
+      <p:sp>
+        <p:nvSpPr>
+          <p:cNvPr id="3" name="Content Placeholder 2"/>
+          <p:cNvSpPr>
+            <a:spLocks noGrp="1"/>
+          </p:cNvSpPr>
+          <p:nvPr>
+            <p:ph idx="1"/>
+          </p:nvPr>
+        </p:nvSpPr>
+        <p:spPr>
+          <a:xfrm>
+            <a:off x="646430" y="1136650"/>
+            <a:ext cx="11378565" cy="5535930"/>
+          </a:xfrm>
+        </p:spPr>
+        <p:txBody>
+          <a:bodyPr/>
+          <a:p>
+            <a:r>
+              <a:rPr lang="en-US" altLang="en-US"/>
+              <a:t>Reusability – Avoid repeating logic across multiple components.</a:t>
+            </a:r>
+            <a:endParaRPr lang="en-US" altLang="en-US"/>
+          </a:p>
+          <a:p>
+            <a:r>
+              <a:rPr lang="en-US" altLang="en-US"/>
+              <a:t>Separation of concerns – Keeps components clean and focused on UI.</a:t>
+            </a:r>
+            <a:endParaRPr lang="en-US" altLang="en-US"/>
+          </a:p>
+          <a:p>
+            <a:r>
+              <a:rPr lang="en-US" altLang="en-US"/>
+              <a:t>Better organization – Moves side effects or data-fetching logic into hooks.</a:t>
+            </a:r>
+            <a:endParaRPr lang="en-US" altLang="en-US"/>
+          </a:p>
+          <a:p>
+            <a:endParaRPr lang="en-US" altLang="en-US"/>
+          </a:p>
+          <a:p>
+            <a:endParaRPr lang="en-US" altLang="en-US"/>
+          </a:p>
+          <a:p>
+            <a:endParaRPr lang="en-US" altLang="en-US"/>
+          </a:p>
+          <a:p>
+            <a:pPr marL="0" indent="0">
+              <a:buNone/>
+            </a:pPr>
+            <a:r>
+              <a:rPr lang="en-US" altLang="en-US"/>
+              <a:t>Rules for Custom Hooks</a:t>
+            </a:r>
+            <a:endParaRPr lang="en-US" altLang="en-US"/>
+          </a:p>
+          <a:p>
+            <a:r>
+              <a:rPr lang="en-US" altLang="en-US"/>
+              <a:t>The name must start with use.</a:t>
+            </a:r>
+            <a:endParaRPr lang="en-US" altLang="en-US"/>
+          </a:p>
+          <a:p>
+            <a:r>
+              <a:rPr lang="en-US" altLang="en-US"/>
+              <a:t>Hooks must be called at the top level (not inside loops, conditions, or nested functions).</a:t>
+            </a:r>
+            <a:endParaRPr lang="en-US" altLang="en-US"/>
+          </a:p>
+          <a:p>
+            <a:r>
+              <a:rPr lang="en-US" altLang="en-US"/>
+              <a:t>Hooks can call other hooks.</a:t>
+            </a:r>
+            <a:endParaRPr lang="en-US" altLang="en-US"/>
+          </a:p>
+        </p:txBody>
+      </p:sp>
+    </p:spTree>
+  </p:cSld>
+  <p:clrMapOvr>
+    <a:masterClrMapping/>
+  </p:clrMapOvr>
+</p:sld>
+</file>
+
+<file path=ppt/slides/slide31.xml><?xml version="1.0" encoding="utf-8"?>
+<p:sld xmlns:a="http://schemas.openxmlformats.org/drawingml/2006/main" xmlns:r="http://schemas.openxmlformats.org/officeDocument/2006/relationships" xmlns:p="http://schemas.openxmlformats.org/presentationml/2006/main">
+  <p:cSld>
+    <p:spTree>
+      <p:nvGrpSpPr>
+        <p:cNvPr id="1" name=""/>
+        <p:cNvGrpSpPr/>
+        <p:nvPr/>
+      </p:nvGrpSpPr>
+      <p:grpSpPr/>
+      <p:sp>
+        <p:nvSpPr>
+          <p:cNvPr id="2" name="Title 1"/>
+          <p:cNvSpPr>
+            <a:spLocks noGrp="1"/>
+          </p:cNvSpPr>
+          <p:nvPr>
+            <p:ph type="title"/>
+          </p:nvPr>
+        </p:nvSpPr>
+        <p:spPr>
+          <a:xfrm>
+            <a:off x="645795" y="452755"/>
+            <a:ext cx="9403715" cy="810895"/>
+          </a:xfrm>
+        </p:spPr>
+        <p:txBody>
+          <a:bodyPr/>
+          <a:p>
+            <a:r>
+              <a:rPr lang="en-IN" altLang="en-US" b="1"/>
+              <a:t>useRef Hook</a:t>
+            </a:r>
+            <a:endParaRPr lang="en-IN" altLang="en-US" b="1"/>
+          </a:p>
+        </p:txBody>
+      </p:sp>
+      <p:sp>
+        <p:nvSpPr>
+          <p:cNvPr id="3" name="Content Placeholder 2"/>
+          <p:cNvSpPr>
+            <a:spLocks noGrp="1"/>
+          </p:cNvSpPr>
+          <p:nvPr>
+            <p:ph idx="1"/>
+          </p:nvPr>
+        </p:nvSpPr>
+        <p:spPr>
+          <a:xfrm>
+            <a:off x="449580" y="1263015"/>
+            <a:ext cx="11544300" cy="5447665"/>
+          </a:xfrm>
+        </p:spPr>
+        <p:txBody>
+          <a:bodyPr>
+            <a:normAutofit/>
+          </a:bodyPr>
+          <a:p>
+            <a:r>
+              <a:rPr lang="en-US" altLang="en-US"/>
+              <a:t>useRef is a React Hook that returns a mutable ref object.</a:t>
+            </a:r>
+            <a:endParaRPr lang="en-US" altLang="en-US"/>
+          </a:p>
+          <a:p>
+            <a:r>
+              <a:rPr lang="en-US" altLang="en-US"/>
+              <a:t>This object persists across re-renders without causing re-renders when its value changes.</a:t>
+            </a:r>
+            <a:endParaRPr lang="en-US" altLang="en-US"/>
+          </a:p>
+          <a:p>
+            <a:endParaRPr lang="en-US" altLang="en-US"/>
+          </a:p>
+          <a:p>
+            <a:r>
+              <a:rPr lang="en-US" altLang="en-US"/>
+              <a:t>const ref = useRef(initialValue);</a:t>
+            </a:r>
+            <a:endParaRPr lang="en-US" altLang="en-US"/>
+          </a:p>
+          <a:p>
+            <a:r>
+              <a:rPr lang="en-US" altLang="en-US"/>
+              <a:t>The returned object looks like:</a:t>
+            </a:r>
+            <a:r>
+              <a:rPr lang="en-IN" altLang="en-US"/>
+              <a:t> </a:t>
+            </a:r>
+            <a:r>
+              <a:rPr lang="en-US" altLang="en-US"/>
+              <a:t>{ current: initialValue }</a:t>
+            </a:r>
+            <a:endParaRPr lang="en-US" altLang="en-US"/>
+          </a:p>
+          <a:p>
+            <a:endParaRPr lang="en-US" altLang="en-US"/>
+          </a:p>
+          <a:p>
+            <a:r>
+              <a:rPr lang="en-US" altLang="en-US" b="1"/>
+              <a:t>Why use useRef?</a:t>
+            </a:r>
+            <a:endParaRPr lang="en-US" altLang="en-US" b="1"/>
+          </a:p>
+          <a:p>
+            <a:pPr marL="0" indent="457200">
+              <a:buNone/>
+            </a:pPr>
+            <a:r>
+              <a:rPr lang="en-US" altLang="en-US"/>
+              <a:t>useRef is mainly used for:</a:t>
+            </a:r>
+            <a:endParaRPr lang="en-US" altLang="en-US"/>
+          </a:p>
+          <a:p>
+            <a:pPr lvl="1">
+              <a:buAutoNum type="arabicPeriod"/>
+            </a:pPr>
+            <a:r>
+              <a:rPr lang="en-US" altLang="en-US"/>
+              <a:t>Accessing and manipulating DOM elements directly.</a:t>
+            </a:r>
+            <a:endParaRPr lang="en-US" altLang="en-US"/>
+          </a:p>
+          <a:p>
+            <a:pPr lvl="1">
+              <a:buAutoNum type="arabicPeriod"/>
+            </a:pPr>
+            <a:r>
+              <a:rPr lang="en-US" altLang="en-US"/>
+              <a:t>Storing mutable values (data that doesn’t cause re-renders).</a:t>
+            </a:r>
+            <a:endParaRPr lang="en-US" altLang="en-US"/>
+          </a:p>
+          <a:p>
+            <a:pPr lvl="1">
+              <a:buAutoNum type="arabicPeriod"/>
+            </a:pPr>
+            <a:r>
+              <a:rPr lang="en-US" altLang="en-US"/>
+              <a:t>Keeping previous state values or timer IDs.</a:t>
+            </a:r>
+            <a:endParaRPr lang="en-US" altLang="en-US"/>
+          </a:p>
+        </p:txBody>
+      </p:sp>
+    </p:spTree>
+  </p:cSld>
+  <p:clrMapOvr>
+    <a:masterClrMapping/>
+  </p:clrMapOvr>
+</p:sld>
+</file>
+
+<file path=ppt/slides/slide32.xml><?xml version="1.0" encoding="utf-8"?>
+<p:sld xmlns:a="http://schemas.openxmlformats.org/drawingml/2006/main" xmlns:r="http://schemas.openxmlformats.org/officeDocument/2006/relationships" xmlns:p="http://schemas.openxmlformats.org/presentationml/2006/main">
+  <p:cSld>
+    <p:spTree>
+      <p:nvGrpSpPr>
+        <p:cNvPr id="1" name=""/>
+        <p:cNvGrpSpPr/>
+        <p:nvPr/>
+      </p:nvGrpSpPr>
+      <p:grpSpPr/>
+      <p:sp>
+        <p:nvSpPr>
+          <p:cNvPr id="3" name="Content Placeholder 2"/>
+          <p:cNvSpPr>
+            <a:spLocks noGrp="1"/>
+          </p:cNvSpPr>
+          <p:nvPr>
+            <p:ph idx="1"/>
+          </p:nvPr>
+        </p:nvSpPr>
+        <p:spPr>
+          <a:xfrm>
+            <a:off x="103505" y="125095"/>
+            <a:ext cx="11960860" cy="6630670"/>
+          </a:xfrm>
+        </p:spPr>
+        <p:txBody>
+          <a:bodyPr>
+            <a:normAutofit/>
+          </a:bodyPr>
+          <a:p>
+            <a:r>
+              <a:rPr lang="en-US" altLang="en-US"/>
+              <a:t>Example 1 – Accessing DOM Elements</a:t>
+            </a:r>
+            <a:endParaRPr lang="en-US" altLang="en-US"/>
+          </a:p>
+          <a:p>
+            <a:pPr marL="457200" lvl="1" indent="0" algn="l">
+              <a:lnSpc>
+                <a:spcPct val="50000"/>
+              </a:lnSpc>
+              <a:buNone/>
+            </a:pPr>
+            <a:endParaRPr lang="en-US" altLang="en-US">
+              <a:latin typeface="Calibri" panose="020F0502020204030204" pitchFamily="34" charset="0"/>
+              <a:cs typeface="Calibri" panose="020F0502020204030204" pitchFamily="34" charset="0"/>
+            </a:endParaRPr>
+          </a:p>
+          <a:p>
+            <a:pPr marL="457200" lvl="1" indent="0" algn="l">
+              <a:lnSpc>
+                <a:spcPct val="50000"/>
+              </a:lnSpc>
+              <a:buNone/>
+            </a:pPr>
+            <a:r>
+              <a:rPr lang="en-US" altLang="en-US">
+                <a:latin typeface="Calibri" panose="020F0502020204030204" pitchFamily="34" charset="0"/>
+                <a:cs typeface="Calibri" panose="020F0502020204030204" pitchFamily="34" charset="0"/>
+              </a:rPr>
+              <a:t>function InputFocus() {</a:t>
+            </a:r>
+            <a:endParaRPr lang="en-US" altLang="en-US">
+              <a:latin typeface="Calibri" panose="020F0502020204030204" pitchFamily="34" charset="0"/>
+              <a:cs typeface="Calibri" panose="020F0502020204030204" pitchFamily="34" charset="0"/>
+            </a:endParaRPr>
+          </a:p>
+          <a:p>
+            <a:pPr marL="457200" lvl="1" indent="0" algn="l">
+              <a:lnSpc>
+                <a:spcPct val="50000"/>
+              </a:lnSpc>
+              <a:buNone/>
+            </a:pPr>
+            <a:r>
+              <a:rPr lang="en-US" altLang="en-US">
+                <a:latin typeface="Calibri" panose="020F0502020204030204" pitchFamily="34" charset="0"/>
+                <a:cs typeface="Calibri" panose="020F0502020204030204" pitchFamily="34" charset="0"/>
+              </a:rPr>
+              <a:t>  const inputRef = useRef(null);</a:t>
+            </a:r>
+            <a:endParaRPr lang="en-US" altLang="en-US">
+              <a:latin typeface="Calibri" panose="020F0502020204030204" pitchFamily="34" charset="0"/>
+              <a:cs typeface="Calibri" panose="020F0502020204030204" pitchFamily="34" charset="0"/>
+            </a:endParaRPr>
+          </a:p>
+          <a:p>
+            <a:pPr marL="457200" lvl="1" indent="0" algn="l">
+              <a:lnSpc>
+                <a:spcPct val="50000"/>
+              </a:lnSpc>
+              <a:buNone/>
+            </a:pPr>
+            <a:endParaRPr lang="en-US" altLang="en-US">
+              <a:latin typeface="Calibri" panose="020F0502020204030204" pitchFamily="34" charset="0"/>
+              <a:cs typeface="Calibri" panose="020F0502020204030204" pitchFamily="34" charset="0"/>
+            </a:endParaRPr>
+          </a:p>
+          <a:p>
+            <a:pPr marL="457200" lvl="1" indent="0" algn="l">
+              <a:lnSpc>
+                <a:spcPct val="50000"/>
+              </a:lnSpc>
+              <a:buNone/>
+            </a:pPr>
+            <a:r>
+              <a:rPr lang="en-US" altLang="en-US">
+                <a:latin typeface="Calibri" panose="020F0502020204030204" pitchFamily="34" charset="0"/>
+                <a:cs typeface="Calibri" panose="020F0502020204030204" pitchFamily="34" charset="0"/>
+              </a:rPr>
+              <a:t>  const handleFocus = () =&gt; {</a:t>
+            </a:r>
+            <a:endParaRPr lang="en-US" altLang="en-US">
+              <a:latin typeface="Calibri" panose="020F0502020204030204" pitchFamily="34" charset="0"/>
+              <a:cs typeface="Calibri" panose="020F0502020204030204" pitchFamily="34" charset="0"/>
+            </a:endParaRPr>
+          </a:p>
+          <a:p>
+            <a:pPr marL="457200" lvl="1" indent="0" algn="l">
+              <a:lnSpc>
+                <a:spcPct val="50000"/>
+              </a:lnSpc>
+              <a:buNone/>
+            </a:pPr>
+            <a:r>
+              <a:rPr lang="en-US" altLang="en-US">
+                <a:latin typeface="Calibri" panose="020F0502020204030204" pitchFamily="34" charset="0"/>
+                <a:cs typeface="Calibri" panose="020F0502020204030204" pitchFamily="34" charset="0"/>
+              </a:rPr>
+              <a:t>    inputRef.current.focus(); // Access DOM element directly</a:t>
+            </a:r>
+            <a:endParaRPr lang="en-US" altLang="en-US">
+              <a:latin typeface="Calibri" panose="020F0502020204030204" pitchFamily="34" charset="0"/>
+              <a:cs typeface="Calibri" panose="020F0502020204030204" pitchFamily="34" charset="0"/>
+            </a:endParaRPr>
+          </a:p>
+          <a:p>
+            <a:pPr marL="457200" lvl="1" indent="0" algn="l">
+              <a:lnSpc>
+                <a:spcPct val="50000"/>
+              </a:lnSpc>
+              <a:buNone/>
+            </a:pPr>
+            <a:r>
+              <a:rPr lang="en-US" altLang="en-US">
+                <a:latin typeface="Calibri" panose="020F0502020204030204" pitchFamily="34" charset="0"/>
+                <a:cs typeface="Calibri" panose="020F0502020204030204" pitchFamily="34" charset="0"/>
+              </a:rPr>
+              <a:t>  };</a:t>
+            </a:r>
+            <a:endParaRPr lang="en-US" altLang="en-US">
+              <a:latin typeface="Calibri" panose="020F0502020204030204" pitchFamily="34" charset="0"/>
+              <a:cs typeface="Calibri" panose="020F0502020204030204" pitchFamily="34" charset="0"/>
+            </a:endParaRPr>
+          </a:p>
+          <a:p>
+            <a:pPr marL="457200" lvl="1" indent="0" algn="l">
+              <a:lnSpc>
+                <a:spcPct val="50000"/>
+              </a:lnSpc>
+              <a:buNone/>
+            </a:pPr>
+            <a:endParaRPr lang="en-US" altLang="en-US">
+              <a:latin typeface="Calibri" panose="020F0502020204030204" pitchFamily="34" charset="0"/>
+              <a:cs typeface="Calibri" panose="020F0502020204030204" pitchFamily="34" charset="0"/>
+            </a:endParaRPr>
+          </a:p>
+          <a:p>
+            <a:pPr marL="457200" lvl="1" indent="0" algn="l">
+              <a:lnSpc>
+                <a:spcPct val="50000"/>
+              </a:lnSpc>
+              <a:buNone/>
+            </a:pPr>
+            <a:r>
+              <a:rPr lang="en-US" altLang="en-US">
+                <a:latin typeface="Calibri" panose="020F0502020204030204" pitchFamily="34" charset="0"/>
+                <a:cs typeface="Calibri" panose="020F0502020204030204" pitchFamily="34" charset="0"/>
+              </a:rPr>
+              <a:t>  return (</a:t>
+            </a:r>
+            <a:endParaRPr lang="en-US" altLang="en-US">
+              <a:latin typeface="Calibri" panose="020F0502020204030204" pitchFamily="34" charset="0"/>
+              <a:cs typeface="Calibri" panose="020F0502020204030204" pitchFamily="34" charset="0"/>
+            </a:endParaRPr>
+          </a:p>
+          <a:p>
+            <a:pPr marL="457200" lvl="1" indent="0" algn="l">
+              <a:lnSpc>
+                <a:spcPct val="50000"/>
+              </a:lnSpc>
+              <a:buNone/>
+            </a:pPr>
+            <a:r>
+              <a:rPr lang="en-US" altLang="en-US">
+                <a:latin typeface="Calibri" panose="020F0502020204030204" pitchFamily="34" charset="0"/>
+                <a:cs typeface="Calibri" panose="020F0502020204030204" pitchFamily="34" charset="0"/>
+              </a:rPr>
+              <a:t>    &lt;div&gt;</a:t>
+            </a:r>
+            <a:endParaRPr lang="en-US" altLang="en-US">
+              <a:latin typeface="Calibri" panose="020F0502020204030204" pitchFamily="34" charset="0"/>
+              <a:cs typeface="Calibri" panose="020F0502020204030204" pitchFamily="34" charset="0"/>
+            </a:endParaRPr>
+          </a:p>
+          <a:p>
+            <a:pPr marL="457200" lvl="1" indent="0" algn="l">
+              <a:lnSpc>
+                <a:spcPct val="50000"/>
+              </a:lnSpc>
+              <a:buNone/>
+            </a:pPr>
+            <a:r>
+              <a:rPr lang="en-US" altLang="en-US">
+                <a:latin typeface="Calibri" panose="020F0502020204030204" pitchFamily="34" charset="0"/>
+                <a:cs typeface="Calibri" panose="020F0502020204030204" pitchFamily="34" charset="0"/>
+              </a:rPr>
+              <a:t>      &lt;input ref={inputRef} type="text" placeholder="Click button to focus" /&gt;</a:t>
+            </a:r>
+            <a:endParaRPr lang="en-US" altLang="en-US">
+              <a:latin typeface="Calibri" panose="020F0502020204030204" pitchFamily="34" charset="0"/>
+              <a:cs typeface="Calibri" panose="020F0502020204030204" pitchFamily="34" charset="0"/>
+            </a:endParaRPr>
+          </a:p>
+          <a:p>
+            <a:pPr marL="457200" lvl="1" indent="0" algn="l">
+              <a:lnSpc>
+                <a:spcPct val="50000"/>
+              </a:lnSpc>
+              <a:buNone/>
+            </a:pPr>
+            <a:r>
+              <a:rPr lang="en-US" altLang="en-US">
+                <a:latin typeface="Calibri" panose="020F0502020204030204" pitchFamily="34" charset="0"/>
+                <a:cs typeface="Calibri" panose="020F0502020204030204" pitchFamily="34" charset="0"/>
+              </a:rPr>
+              <a:t>      &lt;button onClick={handleFocus}&gt;Focus Input&lt;/button&gt;</a:t>
+            </a:r>
+            <a:endParaRPr lang="en-US" altLang="en-US">
+              <a:latin typeface="Calibri" panose="020F0502020204030204" pitchFamily="34" charset="0"/>
+              <a:cs typeface="Calibri" panose="020F0502020204030204" pitchFamily="34" charset="0"/>
+            </a:endParaRPr>
+          </a:p>
+          <a:p>
+            <a:pPr marL="457200" lvl="1" indent="0" algn="l">
+              <a:lnSpc>
+                <a:spcPct val="50000"/>
+              </a:lnSpc>
+              <a:buNone/>
+            </a:pPr>
+            <a:r>
+              <a:rPr lang="en-US" altLang="en-US">
+                <a:latin typeface="Calibri" panose="020F0502020204030204" pitchFamily="34" charset="0"/>
+                <a:cs typeface="Calibri" panose="020F0502020204030204" pitchFamily="34" charset="0"/>
+              </a:rPr>
+              <a:t>    &lt;/div&gt;</a:t>
+            </a:r>
+            <a:endParaRPr lang="en-US" altLang="en-US">
+              <a:latin typeface="Calibri" panose="020F0502020204030204" pitchFamily="34" charset="0"/>
+              <a:cs typeface="Calibri" panose="020F0502020204030204" pitchFamily="34" charset="0"/>
+            </a:endParaRPr>
+          </a:p>
+          <a:p>
+            <a:pPr marL="457200" lvl="1" indent="0" algn="l">
+              <a:lnSpc>
+                <a:spcPct val="50000"/>
+              </a:lnSpc>
+              <a:buNone/>
+            </a:pPr>
+            <a:r>
+              <a:rPr lang="en-US" altLang="en-US">
+                <a:latin typeface="Calibri" panose="020F0502020204030204" pitchFamily="34" charset="0"/>
+                <a:cs typeface="Calibri" panose="020F0502020204030204" pitchFamily="34" charset="0"/>
+              </a:rPr>
+              <a:t>  );</a:t>
+            </a:r>
+            <a:endParaRPr lang="en-US" altLang="en-US">
+              <a:latin typeface="Calibri" panose="020F0502020204030204" pitchFamily="34" charset="0"/>
+              <a:cs typeface="Calibri" panose="020F0502020204030204" pitchFamily="34" charset="0"/>
+            </a:endParaRPr>
+          </a:p>
+          <a:p>
+            <a:pPr marL="457200" lvl="1" indent="0" algn="l">
+              <a:lnSpc>
+                <a:spcPct val="50000"/>
+              </a:lnSpc>
+              <a:buNone/>
+            </a:pPr>
+            <a:r>
+              <a:rPr lang="en-US" altLang="en-US">
+                <a:latin typeface="Calibri" panose="020F0502020204030204" pitchFamily="34" charset="0"/>
+                <a:cs typeface="Calibri" panose="020F0502020204030204" pitchFamily="34" charset="0"/>
+              </a:rPr>
+              <a:t>}</a:t>
+            </a:r>
+            <a:endParaRPr lang="en-US" altLang="en-US">
+              <a:latin typeface="Calibri" panose="020F0502020204030204" pitchFamily="34" charset="0"/>
+              <a:cs typeface="Calibri" panose="020F0502020204030204" pitchFamily="34" charset="0"/>
+            </a:endParaRPr>
+          </a:p>
+          <a:p>
+            <a:pPr marL="457200" lvl="1" indent="0" algn="l">
+              <a:lnSpc>
+                <a:spcPct val="50000"/>
+              </a:lnSpc>
+              <a:buNone/>
+            </a:pPr>
+            <a:endParaRPr lang="en-US" altLang="en-US">
+              <a:latin typeface="Calibri" panose="020F0502020204030204" pitchFamily="34" charset="0"/>
+              <a:cs typeface="Calibri" panose="020F0502020204030204" pitchFamily="34" charset="0"/>
+            </a:endParaRPr>
+          </a:p>
+          <a:p>
+            <a:pPr marL="457200" lvl="1" indent="0" algn="l">
+              <a:lnSpc>
+                <a:spcPct val="50000"/>
+              </a:lnSpc>
+              <a:buNone/>
+            </a:pPr>
+            <a:r>
+              <a:rPr lang="en-US" altLang="en-US">
+                <a:latin typeface="Calibri" panose="020F0502020204030204" pitchFamily="34" charset="0"/>
+                <a:cs typeface="Calibri" panose="020F0502020204030204" pitchFamily="34" charset="0"/>
+              </a:rPr>
+              <a:t>export default InputFocus;</a:t>
+            </a:r>
+            <a:endParaRPr lang="en-US" altLang="en-US">
+              <a:latin typeface="Calibri" panose="020F0502020204030204" pitchFamily="34" charset="0"/>
+              <a:cs typeface="Calibri" panose="020F0502020204030204" pitchFamily="34" charset="0"/>
+            </a:endParaRPr>
+          </a:p>
+          <a:p>
+            <a:pPr marL="457200" lvl="1" indent="0" algn="l">
+              <a:lnSpc>
+                <a:spcPct val="50000"/>
+              </a:lnSpc>
+              <a:buNone/>
+            </a:pPr>
+            <a:endParaRPr lang="en-US" altLang="en-US">
+              <a:latin typeface="Calibri" panose="020F0502020204030204" pitchFamily="34" charset="0"/>
+              <a:cs typeface="Calibri" panose="020F0502020204030204" pitchFamily="34" charset="0"/>
+            </a:endParaRPr>
+          </a:p>
+        </p:txBody>
+      </p:sp>
+    </p:spTree>
+  </p:cSld>
+  <p:clrMapOvr>
+    <a:masterClrMapping/>
+  </p:clrMapOvr>
+</p:sld>
+</file>
+
+<file path=ppt/slides/slide33.xml><?xml version="1.0" encoding="utf-8"?>
+<p:sld xmlns:a="http://schemas.openxmlformats.org/drawingml/2006/main" xmlns:r="http://schemas.openxmlformats.org/officeDocument/2006/relationships" xmlns:p="http://schemas.openxmlformats.org/presentationml/2006/main">
+  <p:cSld>
+    <p:spTree>
+      <p:nvGrpSpPr>
+        <p:cNvPr id="1" name=""/>
+        <p:cNvGrpSpPr/>
+        <p:nvPr/>
+      </p:nvGrpSpPr>
+      <p:grpSpPr/>
+      <p:sp>
+        <p:nvSpPr>
+          <p:cNvPr id="3" name="Content Placeholder 2"/>
+          <p:cNvSpPr>
+            <a:spLocks noGrp="1"/>
+          </p:cNvSpPr>
+          <p:nvPr>
+            <p:ph idx="1"/>
+          </p:nvPr>
+        </p:nvSpPr>
+        <p:spPr>
+          <a:xfrm>
+            <a:off x="103505" y="125095"/>
+            <a:ext cx="11960860" cy="6630670"/>
+          </a:xfrm>
+        </p:spPr>
+        <p:txBody>
+          <a:bodyPr>
+            <a:normAutofit/>
+          </a:bodyPr>
+          <a:p>
+            <a:r>
+              <a:rPr lang="en-US" altLang="en-US"/>
+              <a:t>Example 2 – Storing Values (without causing re-render)</a:t>
+            </a:r>
+            <a:endParaRPr lang="en-US" altLang="en-US"/>
+          </a:p>
+          <a:p>
+            <a:pPr marL="457200" lvl="1" indent="0" algn="l">
+              <a:lnSpc>
+                <a:spcPct val="50000"/>
+              </a:lnSpc>
+              <a:buNone/>
+            </a:pPr>
+            <a:endParaRPr lang="en-US" altLang="en-US">
+              <a:latin typeface="Calibri" panose="020F0502020204030204" pitchFamily="34" charset="0"/>
+              <a:cs typeface="Calibri" panose="020F0502020204030204" pitchFamily="34" charset="0"/>
+            </a:endParaRPr>
+          </a:p>
+          <a:p>
+            <a:pPr marL="457200" lvl="1" indent="0" algn="l">
+              <a:lnSpc>
+                <a:spcPct val="50000"/>
+              </a:lnSpc>
+              <a:buNone/>
+            </a:pPr>
+            <a:r>
+              <a:rPr lang="en-US" altLang="en-US">
+                <a:latin typeface="Calibri" panose="020F0502020204030204" pitchFamily="34" charset="0"/>
+                <a:cs typeface="Calibri" panose="020F0502020204030204" pitchFamily="34" charset="0"/>
+              </a:rPr>
+              <a:t>function RenderCount() {</a:t>
+            </a:r>
+            <a:endParaRPr lang="en-US" altLang="en-US">
+              <a:latin typeface="Calibri" panose="020F0502020204030204" pitchFamily="34" charset="0"/>
+              <a:cs typeface="Calibri" panose="020F0502020204030204" pitchFamily="34" charset="0"/>
+            </a:endParaRPr>
+          </a:p>
+          <a:p>
+            <a:pPr marL="457200" lvl="1" indent="0" algn="l">
+              <a:lnSpc>
+                <a:spcPct val="50000"/>
+              </a:lnSpc>
+              <a:buNone/>
+            </a:pPr>
+            <a:r>
+              <a:rPr lang="en-US" altLang="en-US">
+                <a:latin typeface="Calibri" panose="020F0502020204030204" pitchFamily="34" charset="0"/>
+                <a:cs typeface="Calibri" panose="020F0502020204030204" pitchFamily="34" charset="0"/>
+              </a:rPr>
+              <a:t>  const [count, setCount] = useState(0);</a:t>
+            </a:r>
+            <a:endParaRPr lang="en-US" altLang="en-US">
+              <a:latin typeface="Calibri" panose="020F0502020204030204" pitchFamily="34" charset="0"/>
+              <a:cs typeface="Calibri" panose="020F0502020204030204" pitchFamily="34" charset="0"/>
+            </a:endParaRPr>
+          </a:p>
+          <a:p>
+            <a:pPr marL="457200" lvl="1" indent="0" algn="l">
+              <a:lnSpc>
+                <a:spcPct val="50000"/>
+              </a:lnSpc>
+              <a:buNone/>
+            </a:pPr>
+            <a:r>
+              <a:rPr lang="en-US" altLang="en-US">
+                <a:latin typeface="Calibri" panose="020F0502020204030204" pitchFamily="34" charset="0"/>
+                <a:cs typeface="Calibri" panose="020F0502020204030204" pitchFamily="34" charset="0"/>
+              </a:rPr>
+              <a:t>  const renderCount = useRef(0);</a:t>
+            </a:r>
+            <a:endParaRPr lang="en-US" altLang="en-US">
+              <a:latin typeface="Calibri" panose="020F0502020204030204" pitchFamily="34" charset="0"/>
+              <a:cs typeface="Calibri" panose="020F0502020204030204" pitchFamily="34" charset="0"/>
+            </a:endParaRPr>
+          </a:p>
+          <a:p>
+            <a:pPr marL="457200" lvl="1" indent="0" algn="l">
+              <a:lnSpc>
+                <a:spcPct val="50000"/>
+              </a:lnSpc>
+              <a:buNone/>
+            </a:pPr>
+            <a:endParaRPr lang="en-US" altLang="en-US">
+              <a:latin typeface="Calibri" panose="020F0502020204030204" pitchFamily="34" charset="0"/>
+              <a:cs typeface="Calibri" panose="020F0502020204030204" pitchFamily="34" charset="0"/>
+            </a:endParaRPr>
+          </a:p>
+          <a:p>
+            <a:pPr marL="457200" lvl="1" indent="0" algn="l">
+              <a:lnSpc>
+                <a:spcPct val="50000"/>
+              </a:lnSpc>
+              <a:buNone/>
+            </a:pPr>
+            <a:r>
+              <a:rPr lang="en-US" altLang="en-US">
+                <a:latin typeface="Calibri" panose="020F0502020204030204" pitchFamily="34" charset="0"/>
+                <a:cs typeface="Calibri" panose="020F0502020204030204" pitchFamily="34" charset="0"/>
+              </a:rPr>
+              <a:t>  renderCount.current += 1;</a:t>
+            </a:r>
+            <a:endParaRPr lang="en-US" altLang="en-US">
+              <a:latin typeface="Calibri" panose="020F0502020204030204" pitchFamily="34" charset="0"/>
+              <a:cs typeface="Calibri" panose="020F0502020204030204" pitchFamily="34" charset="0"/>
+            </a:endParaRPr>
+          </a:p>
+          <a:p>
+            <a:pPr marL="457200" lvl="1" indent="0" algn="l">
+              <a:lnSpc>
+                <a:spcPct val="50000"/>
+              </a:lnSpc>
+              <a:buNone/>
+            </a:pPr>
+            <a:endParaRPr lang="en-US" altLang="en-US">
+              <a:latin typeface="Calibri" panose="020F0502020204030204" pitchFamily="34" charset="0"/>
+              <a:cs typeface="Calibri" panose="020F0502020204030204" pitchFamily="34" charset="0"/>
+            </a:endParaRPr>
+          </a:p>
+          <a:p>
+            <a:pPr marL="457200" lvl="1" indent="0" algn="l">
+              <a:lnSpc>
+                <a:spcPct val="50000"/>
+              </a:lnSpc>
+              <a:buNone/>
+            </a:pPr>
+            <a:r>
+              <a:rPr lang="en-US" altLang="en-US">
+                <a:latin typeface="Calibri" panose="020F0502020204030204" pitchFamily="34" charset="0"/>
+                <a:cs typeface="Calibri" panose="020F0502020204030204" pitchFamily="34" charset="0"/>
+              </a:rPr>
+              <a:t>  return (</a:t>
+            </a:r>
+            <a:endParaRPr lang="en-US" altLang="en-US">
+              <a:latin typeface="Calibri" panose="020F0502020204030204" pitchFamily="34" charset="0"/>
+              <a:cs typeface="Calibri" panose="020F0502020204030204" pitchFamily="34" charset="0"/>
+            </a:endParaRPr>
+          </a:p>
+          <a:p>
+            <a:pPr marL="457200" lvl="1" indent="0" algn="l">
+              <a:lnSpc>
+                <a:spcPct val="50000"/>
+              </a:lnSpc>
+              <a:buNone/>
+            </a:pPr>
+            <a:r>
+              <a:rPr lang="en-US" altLang="en-US">
+                <a:latin typeface="Calibri" panose="020F0502020204030204" pitchFamily="34" charset="0"/>
+                <a:cs typeface="Calibri" panose="020F0502020204030204" pitchFamily="34" charset="0"/>
+              </a:rPr>
+              <a:t>    &lt;div&gt;</a:t>
+            </a:r>
+            <a:endParaRPr lang="en-US" altLang="en-US">
+              <a:latin typeface="Calibri" panose="020F0502020204030204" pitchFamily="34" charset="0"/>
+              <a:cs typeface="Calibri" panose="020F0502020204030204" pitchFamily="34" charset="0"/>
+            </a:endParaRPr>
+          </a:p>
+          <a:p>
+            <a:pPr marL="457200" lvl="1" indent="0" algn="l">
+              <a:lnSpc>
+                <a:spcPct val="50000"/>
+              </a:lnSpc>
+              <a:buNone/>
+            </a:pPr>
+            <a:r>
+              <a:rPr lang="en-US" altLang="en-US">
+                <a:latin typeface="Calibri" panose="020F0502020204030204" pitchFamily="34" charset="0"/>
+                <a:cs typeface="Calibri" panose="020F0502020204030204" pitchFamily="34" charset="0"/>
+              </a:rPr>
+              <a:t>      &lt;h2&gt;Count: {count}&lt;/h2&gt;</a:t>
+            </a:r>
+            <a:endParaRPr lang="en-US" altLang="en-US">
+              <a:latin typeface="Calibri" panose="020F0502020204030204" pitchFamily="34" charset="0"/>
+              <a:cs typeface="Calibri" panose="020F0502020204030204" pitchFamily="34" charset="0"/>
+            </a:endParaRPr>
+          </a:p>
+          <a:p>
+            <a:pPr marL="457200" lvl="1" indent="0" algn="l">
+              <a:lnSpc>
+                <a:spcPct val="50000"/>
+              </a:lnSpc>
+              <a:buNone/>
+            </a:pPr>
+            <a:r>
+              <a:rPr lang="en-US" altLang="en-US">
+                <a:latin typeface="Calibri" panose="020F0502020204030204" pitchFamily="34" charset="0"/>
+                <a:cs typeface="Calibri" panose="020F0502020204030204" pitchFamily="34" charset="0"/>
+              </a:rPr>
+              <a:t>      &lt;h3&gt;Renders: {renderCount.current}&lt;/h3&gt;</a:t>
+            </a:r>
+            <a:endParaRPr lang="en-US" altLang="en-US">
+              <a:latin typeface="Calibri" panose="020F0502020204030204" pitchFamily="34" charset="0"/>
+              <a:cs typeface="Calibri" panose="020F0502020204030204" pitchFamily="34" charset="0"/>
+            </a:endParaRPr>
+          </a:p>
+          <a:p>
+            <a:pPr marL="457200" lvl="1" indent="0" algn="l">
+              <a:lnSpc>
+                <a:spcPct val="50000"/>
+              </a:lnSpc>
+              <a:buNone/>
+            </a:pPr>
+            <a:r>
+              <a:rPr lang="en-US" altLang="en-US">
+                <a:latin typeface="Calibri" panose="020F0502020204030204" pitchFamily="34" charset="0"/>
+                <a:cs typeface="Calibri" panose="020F0502020204030204" pitchFamily="34" charset="0"/>
+              </a:rPr>
+              <a:t>      &lt;button onClick={() =&gt; setCount(count + 1)}&gt;Increment&lt;/button&gt;</a:t>
+            </a:r>
+            <a:endParaRPr lang="en-US" altLang="en-US">
+              <a:latin typeface="Calibri" panose="020F0502020204030204" pitchFamily="34" charset="0"/>
+              <a:cs typeface="Calibri" panose="020F0502020204030204" pitchFamily="34" charset="0"/>
+            </a:endParaRPr>
+          </a:p>
+          <a:p>
+            <a:pPr marL="457200" lvl="1" indent="0" algn="l">
+              <a:lnSpc>
+                <a:spcPct val="50000"/>
+              </a:lnSpc>
+              <a:buNone/>
+            </a:pPr>
+            <a:r>
+              <a:rPr lang="en-US" altLang="en-US">
+                <a:latin typeface="Calibri" panose="020F0502020204030204" pitchFamily="34" charset="0"/>
+                <a:cs typeface="Calibri" panose="020F0502020204030204" pitchFamily="34" charset="0"/>
+              </a:rPr>
+              <a:t>    &lt;/div&gt;</a:t>
+            </a:r>
+            <a:endParaRPr lang="en-US" altLang="en-US">
+              <a:latin typeface="Calibri" panose="020F0502020204030204" pitchFamily="34" charset="0"/>
+              <a:cs typeface="Calibri" panose="020F0502020204030204" pitchFamily="34" charset="0"/>
+            </a:endParaRPr>
+          </a:p>
+          <a:p>
+            <a:pPr marL="457200" lvl="1" indent="0" algn="l">
+              <a:lnSpc>
+                <a:spcPct val="50000"/>
+              </a:lnSpc>
+              <a:buNone/>
+            </a:pPr>
+            <a:r>
+              <a:rPr lang="en-US" altLang="en-US">
+                <a:latin typeface="Calibri" panose="020F0502020204030204" pitchFamily="34" charset="0"/>
+                <a:cs typeface="Calibri" panose="020F0502020204030204" pitchFamily="34" charset="0"/>
+              </a:rPr>
+              <a:t>  );</a:t>
+            </a:r>
+            <a:endParaRPr lang="en-US" altLang="en-US">
+              <a:latin typeface="Calibri" panose="020F0502020204030204" pitchFamily="34" charset="0"/>
+              <a:cs typeface="Calibri" panose="020F0502020204030204" pitchFamily="34" charset="0"/>
+            </a:endParaRPr>
+          </a:p>
+          <a:p>
+            <a:pPr marL="457200" lvl="1" indent="0" algn="l">
+              <a:lnSpc>
+                <a:spcPct val="50000"/>
+              </a:lnSpc>
+              <a:buNone/>
+            </a:pPr>
+            <a:r>
+              <a:rPr lang="en-US" altLang="en-US">
+                <a:latin typeface="Calibri" panose="020F0502020204030204" pitchFamily="34" charset="0"/>
+                <a:cs typeface="Calibri" panose="020F0502020204030204" pitchFamily="34" charset="0"/>
+              </a:rPr>
+              <a:t>}</a:t>
+            </a:r>
+            <a:endParaRPr lang="en-US" altLang="en-US">
+              <a:latin typeface="Calibri" panose="020F0502020204030204" pitchFamily="34" charset="0"/>
+              <a:cs typeface="Calibri" panose="020F0502020204030204" pitchFamily="34" charset="0"/>
+            </a:endParaRPr>
+          </a:p>
+          <a:p>
+            <a:pPr marL="457200" lvl="1" indent="0" algn="l">
+              <a:lnSpc>
+                <a:spcPct val="50000"/>
+              </a:lnSpc>
+              <a:buNone/>
+            </a:pPr>
+            <a:endParaRPr lang="en-US" altLang="en-US">
+              <a:latin typeface="Calibri" panose="020F0502020204030204" pitchFamily="34" charset="0"/>
+              <a:cs typeface="Calibri" panose="020F0502020204030204" pitchFamily="34" charset="0"/>
+            </a:endParaRPr>
+          </a:p>
+          <a:p>
+            <a:pPr marL="457200" lvl="1" indent="0" algn="l">
+              <a:lnSpc>
+                <a:spcPct val="50000"/>
+              </a:lnSpc>
+              <a:buNone/>
+            </a:pPr>
+            <a:r>
+              <a:rPr lang="en-US" altLang="en-US">
+                <a:latin typeface="Calibri" panose="020F0502020204030204" pitchFamily="34" charset="0"/>
+                <a:cs typeface="Calibri" panose="020F0502020204030204" pitchFamily="34" charset="0"/>
+              </a:rPr>
+              <a:t>export default RenderCount;</a:t>
+            </a:r>
+            <a:endParaRPr lang="en-US" altLang="en-US">
+              <a:latin typeface="Calibri" panose="020F0502020204030204" pitchFamily="34" charset="0"/>
+              <a:cs typeface="Calibri" panose="020F0502020204030204" pitchFamily="34" charset="0"/>
+            </a:endParaRPr>
+          </a:p>
+          <a:p>
+            <a:pPr marL="457200" lvl="1" indent="0" algn="l">
+              <a:lnSpc>
+                <a:spcPct val="50000"/>
+              </a:lnSpc>
+              <a:buNone/>
+            </a:pPr>
+            <a:endParaRPr lang="en-US" altLang="en-US">
+              <a:latin typeface="Calibri" panose="020F0502020204030204" pitchFamily="34" charset="0"/>
+              <a:cs typeface="Calibri" panose="020F0502020204030204" pitchFamily="34" charset="0"/>
+            </a:endParaRPr>
           </a:p>
         </p:txBody>
       </p:sp>
